--- a/CoursePPT/System Administration.pptx
+++ b/CoursePPT/System Administration.pptx
@@ -5,10 +5,10 @@
     <p:sldMasterId id="2147483648" r:id="rId1"/>
   </p:sldMasterIdLst>
   <p:notesMasterIdLst>
-    <p:notesMasterId r:id="rId12"/>
+    <p:notesMasterId r:id="rId17"/>
   </p:notesMasterIdLst>
   <p:handoutMasterIdLst>
-    <p:handoutMasterId r:id="rId13"/>
+    <p:handoutMasterId r:id="rId18"/>
   </p:handoutMasterIdLst>
   <p:sldIdLst>
     <p:sldId id="256" r:id="rId2"/>
@@ -20,7 +20,12 @@
     <p:sldId id="279" r:id="rId8"/>
     <p:sldId id="280" r:id="rId9"/>
     <p:sldId id="282" r:id="rId10"/>
-    <p:sldId id="271" r:id="rId11"/>
+    <p:sldId id="283" r:id="rId11"/>
+    <p:sldId id="286" r:id="rId12"/>
+    <p:sldId id="284" r:id="rId13"/>
+    <p:sldId id="285" r:id="rId14"/>
+    <p:sldId id="287" r:id="rId15"/>
+    <p:sldId id="271" r:id="rId16"/>
   </p:sldIdLst>
   <p:sldSz cx="12192000" cy="6858000"/>
   <p:notesSz cx="6858000" cy="9144000"/>
@@ -133,6 +138,11 @@
             <p14:sldId id="279"/>
             <p14:sldId id="280"/>
             <p14:sldId id="282"/>
+            <p14:sldId id="283"/>
+            <p14:sldId id="286"/>
+            <p14:sldId id="284"/>
+            <p14:sldId id="285"/>
+            <p14:sldId id="287"/>
             <p14:sldId id="271"/>
           </p14:sldIdLst>
         </p14:section>
@@ -152,8 +162,8 @@
 <pc:chgInfo xmlns:a="http://schemas.openxmlformats.org/drawingml/2006/main" xmlns:r="http://schemas.openxmlformats.org/officeDocument/2006/relationships" xmlns:ac="http://schemas.microsoft.com/office/drawing/2013/main/command" xmlns:pc="http://schemas.microsoft.com/office/powerpoint/2013/main/command">
   <pc:docChgLst>
     <pc:chgData name="RamanaReddy, Buchepalli" userId="1badf3cc-4aa7-4c20-8d0f-dace4dab76e5" providerId="ADAL" clId="{21A971EF-7D21-4985-85F0-D13E7DEAE05E}"/>
-    <pc:docChg chg="undo custSel addSld delSld modSld modSection">
-      <pc:chgData name="RamanaReddy, Buchepalli" userId="1badf3cc-4aa7-4c20-8d0f-dace4dab76e5" providerId="ADAL" clId="{21A971EF-7D21-4985-85F0-D13E7DEAE05E}" dt="2022-05-16T01:58:22.222" v="1307" actId="478"/>
+    <pc:docChg chg="undo custSel addSld delSld modSld sldOrd modSection">
+      <pc:chgData name="RamanaReddy, Buchepalli" userId="1badf3cc-4aa7-4c20-8d0f-dace4dab76e5" providerId="ADAL" clId="{21A971EF-7D21-4985-85F0-D13E7DEAE05E}" dt="2022-05-16T14:16:51.931" v="1994" actId="207"/>
       <pc:docMkLst>
         <pc:docMk/>
       </pc:docMkLst>
@@ -304,7 +314,7 @@
         </pc:sldMkLst>
       </pc:sldChg>
       <pc:sldChg chg="addSp delSp modSp add mod">
-        <pc:chgData name="RamanaReddy, Buchepalli" userId="1badf3cc-4aa7-4c20-8d0f-dace4dab76e5" providerId="ADAL" clId="{21A971EF-7D21-4985-85F0-D13E7DEAE05E}" dt="2022-05-15T21:48:08.214" v="529" actId="20577"/>
+        <pc:chgData name="RamanaReddy, Buchepalli" userId="1badf3cc-4aa7-4c20-8d0f-dace4dab76e5" providerId="ADAL" clId="{21A971EF-7D21-4985-85F0-D13E7DEAE05E}" dt="2022-05-16T14:16:51.931" v="1994" actId="207"/>
         <pc:sldMkLst>
           <pc:docMk/>
           <pc:sldMk cId="445627977" sldId="275"/>
@@ -323,6 +333,14 @@
             <pc:docMk/>
             <pc:sldMk cId="445627977" sldId="275"/>
             <ac:spMk id="4" creationId="{274D5DD5-352F-4A45-A36B-0119A1786ED1}"/>
+          </ac:spMkLst>
+        </pc:spChg>
+        <pc:spChg chg="add mod">
+          <ac:chgData name="RamanaReddy, Buchepalli" userId="1badf3cc-4aa7-4c20-8d0f-dace4dab76e5" providerId="ADAL" clId="{21A971EF-7D21-4985-85F0-D13E7DEAE05E}" dt="2022-05-16T14:16:51.931" v="1994" actId="207"/>
+          <ac:spMkLst>
+            <pc:docMk/>
+            <pc:sldMk cId="445627977" sldId="275"/>
+            <ac:spMk id="4" creationId="{F386C17F-79AE-46F8-B953-31E9C1C8BBCB}"/>
           </ac:spMkLst>
         </pc:spChg>
         <pc:spChg chg="add mod">
@@ -530,14 +548,14 @@
           </ac:spMkLst>
         </pc:spChg>
       </pc:sldChg>
-      <pc:sldChg chg="addSp modSp add mod">
-        <pc:chgData name="RamanaReddy, Buchepalli" userId="1badf3cc-4aa7-4c20-8d0f-dace4dab76e5" providerId="ADAL" clId="{21A971EF-7D21-4985-85F0-D13E7DEAE05E}" dt="2022-05-15T22:37:42.987" v="883" actId="113"/>
+      <pc:sldChg chg="addSp delSp modSp add mod">
+        <pc:chgData name="RamanaReddy, Buchepalli" userId="1badf3cc-4aa7-4c20-8d0f-dace4dab76e5" providerId="ADAL" clId="{21A971EF-7D21-4985-85F0-D13E7DEAE05E}" dt="2022-05-16T11:06:24.537" v="1351" actId="478"/>
         <pc:sldMkLst>
           <pc:docMk/>
           <pc:sldMk cId="256208094" sldId="279"/>
         </pc:sldMkLst>
-        <pc:spChg chg="add">
-          <ac:chgData name="RamanaReddy, Buchepalli" userId="1badf3cc-4aa7-4c20-8d0f-dace4dab76e5" providerId="ADAL" clId="{21A971EF-7D21-4985-85F0-D13E7DEAE05E}" dt="2022-05-15T22:33:49.734" v="859"/>
+        <pc:spChg chg="add del">
+          <ac:chgData name="RamanaReddy, Buchepalli" userId="1badf3cc-4aa7-4c20-8d0f-dace4dab76e5" providerId="ADAL" clId="{21A971EF-7D21-4985-85F0-D13E7DEAE05E}" dt="2022-05-16T11:06:24.537" v="1351" actId="478"/>
           <ac:spMkLst>
             <pc:docMk/>
             <pc:sldMk cId="256208094" sldId="279"/>
@@ -570,11 +588,19 @@
         </pc:graphicFrameChg>
       </pc:sldChg>
       <pc:sldChg chg="addSp delSp modSp add mod">
-        <pc:chgData name="RamanaReddy, Buchepalli" userId="1badf3cc-4aa7-4c20-8d0f-dace4dab76e5" providerId="ADAL" clId="{21A971EF-7D21-4985-85F0-D13E7DEAE05E}" dt="2022-05-16T01:57:52.446" v="1276" actId="20577"/>
+        <pc:chgData name="RamanaReddy, Buchepalli" userId="1badf3cc-4aa7-4c20-8d0f-dace4dab76e5" providerId="ADAL" clId="{21A971EF-7D21-4985-85F0-D13E7DEAE05E}" dt="2022-05-16T11:06:21.541" v="1350" actId="478"/>
         <pc:sldMkLst>
           <pc:docMk/>
           <pc:sldMk cId="1860693390" sldId="280"/>
         </pc:sldMkLst>
+        <pc:spChg chg="del">
+          <ac:chgData name="RamanaReddy, Buchepalli" userId="1badf3cc-4aa7-4c20-8d0f-dace4dab76e5" providerId="ADAL" clId="{21A971EF-7D21-4985-85F0-D13E7DEAE05E}" dt="2022-05-16T11:06:21.541" v="1350" actId="478"/>
+          <ac:spMkLst>
+            <pc:docMk/>
+            <pc:sldMk cId="1860693390" sldId="280"/>
+            <ac:spMk id="2" creationId="{B9EC39A4-4F9A-4D71-AE6D-7416B00F2204}"/>
+          </ac:spMkLst>
+        </pc:spChg>
         <pc:spChg chg="del">
           <ac:chgData name="RamanaReddy, Buchepalli" userId="1badf3cc-4aa7-4c20-8d0f-dace4dab76e5" providerId="ADAL" clId="{21A971EF-7D21-4985-85F0-D13E7DEAE05E}" dt="2022-05-15T22:38:35.712" v="886" actId="478"/>
           <ac:spMkLst>
@@ -632,11 +658,19 @@
         </pc:spChg>
       </pc:sldChg>
       <pc:sldChg chg="delSp modSp add mod">
-        <pc:chgData name="RamanaReddy, Buchepalli" userId="1badf3cc-4aa7-4c20-8d0f-dace4dab76e5" providerId="ADAL" clId="{21A971EF-7D21-4985-85F0-D13E7DEAE05E}" dt="2022-05-16T01:58:22.222" v="1307" actId="478"/>
+        <pc:chgData name="RamanaReddy, Buchepalli" userId="1badf3cc-4aa7-4c20-8d0f-dace4dab76e5" providerId="ADAL" clId="{21A971EF-7D21-4985-85F0-D13E7DEAE05E}" dt="2022-05-16T12:08:02.232" v="1441" actId="1076"/>
         <pc:sldMkLst>
           <pc:docMk/>
           <pc:sldMk cId="3889845563" sldId="282"/>
         </pc:sldMkLst>
+        <pc:spChg chg="del">
+          <ac:chgData name="RamanaReddy, Buchepalli" userId="1badf3cc-4aa7-4c20-8d0f-dace4dab76e5" providerId="ADAL" clId="{21A971EF-7D21-4985-85F0-D13E7DEAE05E}" dt="2022-05-16T11:06:18.310" v="1349" actId="478"/>
+          <ac:spMkLst>
+            <pc:docMk/>
+            <pc:sldMk cId="3889845563" sldId="282"/>
+            <ac:spMk id="2" creationId="{B9EC39A4-4F9A-4D71-AE6D-7416B00F2204}"/>
+          </ac:spMkLst>
+        </pc:spChg>
         <pc:spChg chg="del">
           <ac:chgData name="RamanaReddy, Buchepalli" userId="1badf3cc-4aa7-4c20-8d0f-dace4dab76e5" providerId="ADAL" clId="{21A971EF-7D21-4985-85F0-D13E7DEAE05E}" dt="2022-05-16T01:58:22.222" v="1307" actId="478"/>
           <ac:spMkLst>
@@ -654,11 +688,343 @@
           </ac:spMkLst>
         </pc:spChg>
         <pc:spChg chg="mod">
-          <ac:chgData name="RamanaReddy, Buchepalli" userId="1badf3cc-4aa7-4c20-8d0f-dace4dab76e5" providerId="ADAL" clId="{21A971EF-7D21-4985-85F0-D13E7DEAE05E}" dt="2022-05-15T23:09:37.341" v="1269" actId="255"/>
+          <ac:chgData name="RamanaReddy, Buchepalli" userId="1badf3cc-4aa7-4c20-8d0f-dace4dab76e5" providerId="ADAL" clId="{21A971EF-7D21-4985-85F0-D13E7DEAE05E}" dt="2022-05-16T12:08:02.232" v="1441" actId="1076"/>
           <ac:spMkLst>
             <pc:docMk/>
             <pc:sldMk cId="3889845563" sldId="282"/>
             <ac:spMk id="9" creationId="{5A060DB0-E153-4BBC-96E1-E3EFE441285A}"/>
+          </ac:spMkLst>
+        </pc:spChg>
+      </pc:sldChg>
+      <pc:sldChg chg="addSp delSp modSp add mod">
+        <pc:chgData name="RamanaReddy, Buchepalli" userId="1badf3cc-4aa7-4c20-8d0f-dace4dab76e5" providerId="ADAL" clId="{21A971EF-7D21-4985-85F0-D13E7DEAE05E}" dt="2022-05-16T12:55:01.878" v="1772" actId="1076"/>
+        <pc:sldMkLst>
+          <pc:docMk/>
+          <pc:sldMk cId="1806311175" sldId="283"/>
+        </pc:sldMkLst>
+        <pc:spChg chg="del">
+          <ac:chgData name="RamanaReddy, Buchepalli" userId="1badf3cc-4aa7-4c20-8d0f-dace4dab76e5" providerId="ADAL" clId="{21A971EF-7D21-4985-85F0-D13E7DEAE05E}" dt="2022-05-16T11:06:14.413" v="1348" actId="478"/>
+          <ac:spMkLst>
+            <pc:docMk/>
+            <pc:sldMk cId="1806311175" sldId="283"/>
+            <ac:spMk id="2" creationId="{B9EC39A4-4F9A-4D71-AE6D-7416B00F2204}"/>
+          </ac:spMkLst>
+        </pc:spChg>
+        <pc:spChg chg="mod">
+          <ac:chgData name="RamanaReddy, Buchepalli" userId="1badf3cc-4aa7-4c20-8d0f-dace4dab76e5" providerId="ADAL" clId="{21A971EF-7D21-4985-85F0-D13E7DEAE05E}" dt="2022-05-16T12:15:17.046" v="1465" actId="1076"/>
+          <ac:spMkLst>
+            <pc:docMk/>
+            <pc:sldMk cId="1806311175" sldId="283"/>
+            <ac:spMk id="7" creationId="{781201A3-EEB3-47D8-941D-179B7642FE59}"/>
+          </ac:spMkLst>
+        </pc:spChg>
+        <pc:spChg chg="del">
+          <ac:chgData name="RamanaReddy, Buchepalli" userId="1badf3cc-4aa7-4c20-8d0f-dace4dab76e5" providerId="ADAL" clId="{21A971EF-7D21-4985-85F0-D13E7DEAE05E}" dt="2022-05-16T11:06:08.902" v="1347" actId="478"/>
+          <ac:spMkLst>
+            <pc:docMk/>
+            <pc:sldMk cId="1806311175" sldId="283"/>
+            <ac:spMk id="9" creationId="{5A060DB0-E153-4BBC-96E1-E3EFE441285A}"/>
+          </ac:spMkLst>
+        </pc:spChg>
+        <pc:spChg chg="add mod">
+          <ac:chgData name="RamanaReddy, Buchepalli" userId="1badf3cc-4aa7-4c20-8d0f-dace4dab76e5" providerId="ADAL" clId="{21A971EF-7D21-4985-85F0-D13E7DEAE05E}" dt="2022-05-16T12:15:12.380" v="1464" actId="113"/>
+          <ac:spMkLst>
+            <pc:docMk/>
+            <pc:sldMk cId="1806311175" sldId="283"/>
+            <ac:spMk id="15" creationId="{940098EB-CF67-47A5-9A14-6B10B90C041A}"/>
+          </ac:spMkLst>
+        </pc:spChg>
+        <pc:picChg chg="add del mod">
+          <ac:chgData name="RamanaReddy, Buchepalli" userId="1badf3cc-4aa7-4c20-8d0f-dace4dab76e5" providerId="ADAL" clId="{21A971EF-7D21-4985-85F0-D13E7DEAE05E}" dt="2022-05-16T12:53:23.377" v="1766" actId="478"/>
+          <ac:picMkLst>
+            <pc:docMk/>
+            <pc:sldMk cId="1806311175" sldId="283"/>
+            <ac:picMk id="5" creationId="{7B310793-C6E9-46FD-85AF-49F89E40EA6B}"/>
+          </ac:picMkLst>
+        </pc:picChg>
+        <pc:picChg chg="add mod">
+          <ac:chgData name="RamanaReddy, Buchepalli" userId="1badf3cc-4aa7-4c20-8d0f-dace4dab76e5" providerId="ADAL" clId="{21A971EF-7D21-4985-85F0-D13E7DEAE05E}" dt="2022-05-16T11:36:45.444" v="1359" actId="1076"/>
+          <ac:picMkLst>
+            <pc:docMk/>
+            <pc:sldMk cId="1806311175" sldId="283"/>
+            <ac:picMk id="13" creationId="{99A39DBB-41C0-4208-AD88-8A77F4311FFA}"/>
+          </ac:picMkLst>
+        </pc:picChg>
+        <pc:picChg chg="add mod">
+          <ac:chgData name="RamanaReddy, Buchepalli" userId="1badf3cc-4aa7-4c20-8d0f-dace4dab76e5" providerId="ADAL" clId="{21A971EF-7D21-4985-85F0-D13E7DEAE05E}" dt="2022-05-16T12:55:01.878" v="1772" actId="1076"/>
+          <ac:picMkLst>
+            <pc:docMk/>
+            <pc:sldMk cId="1806311175" sldId="283"/>
+            <ac:picMk id="21" creationId="{A3300036-E575-4331-A2EB-678474EC4625}"/>
+          </ac:picMkLst>
+        </pc:picChg>
+      </pc:sldChg>
+      <pc:sldChg chg="addSp delSp modSp add mod">
+        <pc:chgData name="RamanaReddy, Buchepalli" userId="1badf3cc-4aa7-4c20-8d0f-dace4dab76e5" providerId="ADAL" clId="{21A971EF-7D21-4985-85F0-D13E7DEAE05E}" dt="2022-05-16T12:09:09.911" v="1448" actId="1076"/>
+        <pc:sldMkLst>
+          <pc:docMk/>
+          <pc:sldMk cId="1366290483" sldId="284"/>
+        </pc:sldMkLst>
+        <pc:spChg chg="add mod">
+          <ac:chgData name="RamanaReddy, Buchepalli" userId="1badf3cc-4aa7-4c20-8d0f-dace4dab76e5" providerId="ADAL" clId="{21A971EF-7D21-4985-85F0-D13E7DEAE05E}" dt="2022-05-16T12:06:55.114" v="1433" actId="207"/>
+          <ac:spMkLst>
+            <pc:docMk/>
+            <pc:sldMk cId="1366290483" sldId="284"/>
+            <ac:spMk id="2" creationId="{8C08B752-EE36-4579-8CB1-A539A7F08FF6}"/>
+          </ac:spMkLst>
+        </pc:spChg>
+        <pc:spChg chg="mod">
+          <ac:chgData name="RamanaReddy, Buchepalli" userId="1badf3cc-4aa7-4c20-8d0f-dace4dab76e5" providerId="ADAL" clId="{21A971EF-7D21-4985-85F0-D13E7DEAE05E}" dt="2022-05-16T12:02:49.273" v="1363" actId="1076"/>
+          <ac:spMkLst>
+            <pc:docMk/>
+            <pc:sldMk cId="1366290483" sldId="284"/>
+            <ac:spMk id="7" creationId="{781201A3-EEB3-47D8-941D-179B7642FE59}"/>
+          </ac:spMkLst>
+        </pc:spChg>
+        <pc:spChg chg="add mod">
+          <ac:chgData name="RamanaReddy, Buchepalli" userId="1badf3cc-4aa7-4c20-8d0f-dace4dab76e5" providerId="ADAL" clId="{21A971EF-7D21-4985-85F0-D13E7DEAE05E}" dt="2022-05-16T12:07:10.851" v="1439" actId="1076"/>
+          <ac:spMkLst>
+            <pc:docMk/>
+            <pc:sldMk cId="1366290483" sldId="284"/>
+            <ac:spMk id="24" creationId="{FADB9867-4865-4B0D-A333-4B3077224F51}"/>
+          </ac:spMkLst>
+        </pc:spChg>
+        <pc:picChg chg="del">
+          <ac:chgData name="RamanaReddy, Buchepalli" userId="1badf3cc-4aa7-4c20-8d0f-dace4dab76e5" providerId="ADAL" clId="{21A971EF-7D21-4985-85F0-D13E7DEAE05E}" dt="2022-05-16T12:02:43.709" v="1361" actId="478"/>
+          <ac:picMkLst>
+            <pc:docMk/>
+            <pc:sldMk cId="1366290483" sldId="284"/>
+            <ac:picMk id="5" creationId="{7B310793-C6E9-46FD-85AF-49F89E40EA6B}"/>
+          </ac:picMkLst>
+        </pc:picChg>
+        <pc:picChg chg="add mod">
+          <ac:chgData name="RamanaReddy, Buchepalli" userId="1badf3cc-4aa7-4c20-8d0f-dace4dab76e5" providerId="ADAL" clId="{21A971EF-7D21-4985-85F0-D13E7DEAE05E}" dt="2022-05-16T12:09:09.911" v="1448" actId="1076"/>
+          <ac:picMkLst>
+            <pc:docMk/>
+            <pc:sldMk cId="1366290483" sldId="284"/>
+            <ac:picMk id="6" creationId="{005C385A-0193-4007-84E4-9741352E7010}"/>
+          </ac:picMkLst>
+        </pc:picChg>
+        <pc:picChg chg="del">
+          <ac:chgData name="RamanaReddy, Buchepalli" userId="1badf3cc-4aa7-4c20-8d0f-dace4dab76e5" providerId="ADAL" clId="{21A971EF-7D21-4985-85F0-D13E7DEAE05E}" dt="2022-05-16T12:02:45.157" v="1362" actId="478"/>
+          <ac:picMkLst>
+            <pc:docMk/>
+            <pc:sldMk cId="1366290483" sldId="284"/>
+            <ac:picMk id="13" creationId="{99A39DBB-41C0-4208-AD88-8A77F4311FFA}"/>
+          </ac:picMkLst>
+        </pc:picChg>
+        <pc:picChg chg="add mod">
+          <ac:chgData name="RamanaReddy, Buchepalli" userId="1badf3cc-4aa7-4c20-8d0f-dace4dab76e5" providerId="ADAL" clId="{21A971EF-7D21-4985-85F0-D13E7DEAE05E}" dt="2022-05-16T12:09:06.287" v="1447" actId="14100"/>
+          <ac:picMkLst>
+            <pc:docMk/>
+            <pc:sldMk cId="1366290483" sldId="284"/>
+            <ac:picMk id="15" creationId="{FD973562-3D3F-4F18-B769-14FDCFC3F616}"/>
+          </ac:picMkLst>
+        </pc:picChg>
+        <pc:picChg chg="add mod">
+          <ac:chgData name="RamanaReddy, Buchepalli" userId="1badf3cc-4aa7-4c20-8d0f-dace4dab76e5" providerId="ADAL" clId="{21A971EF-7D21-4985-85F0-D13E7DEAE05E}" dt="2022-05-16T12:08:59.171" v="1445" actId="14100"/>
+          <ac:picMkLst>
+            <pc:docMk/>
+            <pc:sldMk cId="1366290483" sldId="284"/>
+            <ac:picMk id="21" creationId="{BADE6718-9F23-4E73-B704-9DF5297D7556}"/>
+          </ac:picMkLst>
+        </pc:picChg>
+        <pc:picChg chg="add mod">
+          <ac:chgData name="RamanaReddy, Buchepalli" userId="1badf3cc-4aa7-4c20-8d0f-dace4dab76e5" providerId="ADAL" clId="{21A971EF-7D21-4985-85F0-D13E7DEAE05E}" dt="2022-05-16T12:06:28.141" v="1424" actId="1076"/>
+          <ac:picMkLst>
+            <pc:docMk/>
+            <pc:sldMk cId="1366290483" sldId="284"/>
+            <ac:picMk id="26" creationId="{13D4DF1C-5845-4214-AA0B-42A698A2A5CE}"/>
+          </ac:picMkLst>
+        </pc:picChg>
+        <pc:picChg chg="add mod">
+          <ac:chgData name="RamanaReddy, Buchepalli" userId="1badf3cc-4aa7-4c20-8d0f-dace4dab76e5" providerId="ADAL" clId="{21A971EF-7D21-4985-85F0-D13E7DEAE05E}" dt="2022-05-16T12:06:37.420" v="1427" actId="1076"/>
+          <ac:picMkLst>
+            <pc:docMk/>
+            <pc:sldMk cId="1366290483" sldId="284"/>
+            <ac:picMk id="30" creationId="{F25D722D-B2C6-4E2E-BA33-0D78B1D70ED4}"/>
+          </ac:picMkLst>
+        </pc:picChg>
+        <pc:picChg chg="add mod">
+          <ac:chgData name="RamanaReddy, Buchepalli" userId="1badf3cc-4aa7-4c20-8d0f-dace4dab76e5" providerId="ADAL" clId="{21A971EF-7D21-4985-85F0-D13E7DEAE05E}" dt="2022-05-16T12:06:35.102" v="1426" actId="1076"/>
+          <ac:picMkLst>
+            <pc:docMk/>
+            <pc:sldMk cId="1366290483" sldId="284"/>
+            <ac:picMk id="34" creationId="{C1DB4A3D-313D-474C-B491-091149718D46}"/>
+          </ac:picMkLst>
+        </pc:picChg>
+        <pc:picChg chg="add mod">
+          <ac:chgData name="RamanaReddy, Buchepalli" userId="1badf3cc-4aa7-4c20-8d0f-dace4dab76e5" providerId="ADAL" clId="{21A971EF-7D21-4985-85F0-D13E7DEAE05E}" dt="2022-05-16T12:06:39.092" v="1428" actId="1076"/>
+          <ac:picMkLst>
+            <pc:docMk/>
+            <pc:sldMk cId="1366290483" sldId="284"/>
+            <ac:picMk id="38" creationId="{7362AFC1-DDBC-47F1-8219-AD07B83719A0}"/>
+          </ac:picMkLst>
+        </pc:picChg>
+        <pc:picChg chg="add mod">
+          <ac:chgData name="RamanaReddy, Buchepalli" userId="1badf3cc-4aa7-4c20-8d0f-dace4dab76e5" providerId="ADAL" clId="{21A971EF-7D21-4985-85F0-D13E7DEAE05E}" dt="2022-05-16T12:06:30.283" v="1425" actId="1076"/>
+          <ac:picMkLst>
+            <pc:docMk/>
+            <pc:sldMk cId="1366290483" sldId="284"/>
+            <ac:picMk id="40" creationId="{D8B4BBFE-F660-4E05-9C43-CF80E2746FAE}"/>
+          </ac:picMkLst>
+        </pc:picChg>
+      </pc:sldChg>
+      <pc:sldChg chg="addSp delSp modSp add mod">
+        <pc:chgData name="RamanaReddy, Buchepalli" userId="1badf3cc-4aa7-4c20-8d0f-dace4dab76e5" providerId="ADAL" clId="{21A971EF-7D21-4985-85F0-D13E7DEAE05E}" dt="2022-05-16T12:59:24.641" v="1910" actId="113"/>
+        <pc:sldMkLst>
+          <pc:docMk/>
+          <pc:sldMk cId="3210965929" sldId="285"/>
+        </pc:sldMkLst>
+        <pc:spChg chg="del">
+          <ac:chgData name="RamanaReddy, Buchepalli" userId="1badf3cc-4aa7-4c20-8d0f-dace4dab76e5" providerId="ADAL" clId="{21A971EF-7D21-4985-85F0-D13E7DEAE05E}" dt="2022-05-16T12:18:44.679" v="1468" actId="478"/>
+          <ac:spMkLst>
+            <pc:docMk/>
+            <pc:sldMk cId="3210965929" sldId="285"/>
+            <ac:spMk id="2" creationId="{8C08B752-EE36-4579-8CB1-A539A7F08FF6}"/>
+          </ac:spMkLst>
+        </pc:spChg>
+        <pc:spChg chg="add del mod">
+          <ac:chgData name="RamanaReddy, Buchepalli" userId="1badf3cc-4aa7-4c20-8d0f-dace4dab76e5" providerId="ADAL" clId="{21A971EF-7D21-4985-85F0-D13E7DEAE05E}" dt="2022-05-16T12:28:30.186" v="1620" actId="478"/>
+          <ac:spMkLst>
+            <pc:docMk/>
+            <pc:sldMk cId="3210965929" sldId="285"/>
+            <ac:spMk id="4" creationId="{B40EC76D-AE56-4071-A822-60AA0DA7F600}"/>
+          </ac:spMkLst>
+        </pc:spChg>
+        <pc:spChg chg="add mod">
+          <ac:chgData name="RamanaReddy, Buchepalli" userId="1badf3cc-4aa7-4c20-8d0f-dace4dab76e5" providerId="ADAL" clId="{21A971EF-7D21-4985-85F0-D13E7DEAE05E}" dt="2022-05-16T12:51:20.991" v="1659" actId="20577"/>
+          <ac:spMkLst>
+            <pc:docMk/>
+            <pc:sldMk cId="3210965929" sldId="285"/>
+            <ac:spMk id="5" creationId="{34F8B000-1200-4DDE-B999-BAC92D306A72}"/>
+          </ac:spMkLst>
+        </pc:spChg>
+        <pc:spChg chg="add del mod">
+          <ac:chgData name="RamanaReddy, Buchepalli" userId="1badf3cc-4aa7-4c20-8d0f-dace4dab76e5" providerId="ADAL" clId="{21A971EF-7D21-4985-85F0-D13E7DEAE05E}" dt="2022-05-16T12:51:28.403" v="1663"/>
+          <ac:spMkLst>
+            <pc:docMk/>
+            <pc:sldMk cId="3210965929" sldId="285"/>
+            <ac:spMk id="9" creationId="{D903EF29-FD23-4333-8FB5-B5F927EBE8BB}"/>
+          </ac:spMkLst>
+        </pc:spChg>
+        <pc:spChg chg="add mod">
+          <ac:chgData name="RamanaReddy, Buchepalli" userId="1badf3cc-4aa7-4c20-8d0f-dace4dab76e5" providerId="ADAL" clId="{21A971EF-7D21-4985-85F0-D13E7DEAE05E}" dt="2022-05-16T12:59:24.641" v="1910" actId="113"/>
+          <ac:spMkLst>
+            <pc:docMk/>
+            <pc:sldMk cId="3210965929" sldId="285"/>
+            <ac:spMk id="13" creationId="{0FBD8E5A-C9B5-4FC8-BECF-79EECB0496F7}"/>
+          </ac:spMkLst>
+        </pc:spChg>
+        <pc:spChg chg="del mod">
+          <ac:chgData name="RamanaReddy, Buchepalli" userId="1badf3cc-4aa7-4c20-8d0f-dace4dab76e5" providerId="ADAL" clId="{21A971EF-7D21-4985-85F0-D13E7DEAE05E}" dt="2022-05-16T12:28:34.046" v="1621" actId="478"/>
+          <ac:spMkLst>
+            <pc:docMk/>
+            <pc:sldMk cId="3210965929" sldId="285"/>
+            <ac:spMk id="24" creationId="{FADB9867-4865-4B0D-A333-4B3077224F51}"/>
+          </ac:spMkLst>
+        </pc:spChg>
+        <pc:picChg chg="del">
+          <ac:chgData name="RamanaReddy, Buchepalli" userId="1badf3cc-4aa7-4c20-8d0f-dace4dab76e5" providerId="ADAL" clId="{21A971EF-7D21-4985-85F0-D13E7DEAE05E}" dt="2022-05-16T12:18:39.875" v="1467" actId="478"/>
+          <ac:picMkLst>
+            <pc:docMk/>
+            <pc:sldMk cId="3210965929" sldId="285"/>
+            <ac:picMk id="6" creationId="{005C385A-0193-4007-84E4-9741352E7010}"/>
+          </ac:picMkLst>
+        </pc:picChg>
+        <pc:picChg chg="del">
+          <ac:chgData name="RamanaReddy, Buchepalli" userId="1badf3cc-4aa7-4c20-8d0f-dace4dab76e5" providerId="ADAL" clId="{21A971EF-7D21-4985-85F0-D13E7DEAE05E}" dt="2022-05-16T12:18:39.875" v="1467" actId="478"/>
+          <ac:picMkLst>
+            <pc:docMk/>
+            <pc:sldMk cId="3210965929" sldId="285"/>
+            <ac:picMk id="15" creationId="{FD973562-3D3F-4F18-B769-14FDCFC3F616}"/>
+          </ac:picMkLst>
+        </pc:picChg>
+        <pc:picChg chg="del">
+          <ac:chgData name="RamanaReddy, Buchepalli" userId="1badf3cc-4aa7-4c20-8d0f-dace4dab76e5" providerId="ADAL" clId="{21A971EF-7D21-4985-85F0-D13E7DEAE05E}" dt="2022-05-16T12:18:39.875" v="1467" actId="478"/>
+          <ac:picMkLst>
+            <pc:docMk/>
+            <pc:sldMk cId="3210965929" sldId="285"/>
+            <ac:picMk id="21" creationId="{BADE6718-9F23-4E73-B704-9DF5297D7556}"/>
+          </ac:picMkLst>
+        </pc:picChg>
+        <pc:picChg chg="del">
+          <ac:chgData name="RamanaReddy, Buchepalli" userId="1badf3cc-4aa7-4c20-8d0f-dace4dab76e5" providerId="ADAL" clId="{21A971EF-7D21-4985-85F0-D13E7DEAE05E}" dt="2022-05-16T12:18:39.875" v="1467" actId="478"/>
+          <ac:picMkLst>
+            <pc:docMk/>
+            <pc:sldMk cId="3210965929" sldId="285"/>
+            <ac:picMk id="26" creationId="{13D4DF1C-5845-4214-AA0B-42A698A2A5CE}"/>
+          </ac:picMkLst>
+        </pc:picChg>
+        <pc:picChg chg="del">
+          <ac:chgData name="RamanaReddy, Buchepalli" userId="1badf3cc-4aa7-4c20-8d0f-dace4dab76e5" providerId="ADAL" clId="{21A971EF-7D21-4985-85F0-D13E7DEAE05E}" dt="2022-05-16T12:18:39.875" v="1467" actId="478"/>
+          <ac:picMkLst>
+            <pc:docMk/>
+            <pc:sldMk cId="3210965929" sldId="285"/>
+            <ac:picMk id="30" creationId="{F25D722D-B2C6-4E2E-BA33-0D78B1D70ED4}"/>
+          </ac:picMkLst>
+        </pc:picChg>
+        <pc:picChg chg="del">
+          <ac:chgData name="RamanaReddy, Buchepalli" userId="1badf3cc-4aa7-4c20-8d0f-dace4dab76e5" providerId="ADAL" clId="{21A971EF-7D21-4985-85F0-D13E7DEAE05E}" dt="2022-05-16T12:18:39.875" v="1467" actId="478"/>
+          <ac:picMkLst>
+            <pc:docMk/>
+            <pc:sldMk cId="3210965929" sldId="285"/>
+            <ac:picMk id="34" creationId="{C1DB4A3D-313D-474C-B491-091149718D46}"/>
+          </ac:picMkLst>
+        </pc:picChg>
+        <pc:picChg chg="del">
+          <ac:chgData name="RamanaReddy, Buchepalli" userId="1badf3cc-4aa7-4c20-8d0f-dace4dab76e5" providerId="ADAL" clId="{21A971EF-7D21-4985-85F0-D13E7DEAE05E}" dt="2022-05-16T12:18:39.875" v="1467" actId="478"/>
+          <ac:picMkLst>
+            <pc:docMk/>
+            <pc:sldMk cId="3210965929" sldId="285"/>
+            <ac:picMk id="38" creationId="{7362AFC1-DDBC-47F1-8219-AD07B83719A0}"/>
+          </ac:picMkLst>
+        </pc:picChg>
+        <pc:picChg chg="del">
+          <ac:chgData name="RamanaReddy, Buchepalli" userId="1badf3cc-4aa7-4c20-8d0f-dace4dab76e5" providerId="ADAL" clId="{21A971EF-7D21-4985-85F0-D13E7DEAE05E}" dt="2022-05-16T12:18:39.875" v="1467" actId="478"/>
+          <ac:picMkLst>
+            <pc:docMk/>
+            <pc:sldMk cId="3210965929" sldId="285"/>
+            <ac:picMk id="40" creationId="{D8B4BBFE-F660-4E05-9C43-CF80E2746FAE}"/>
+          </ac:picMkLst>
+        </pc:picChg>
+      </pc:sldChg>
+      <pc:sldChg chg="addSp delSp modSp add mod ord">
+        <pc:chgData name="RamanaReddy, Buchepalli" userId="1badf3cc-4aa7-4c20-8d0f-dace4dab76e5" providerId="ADAL" clId="{21A971EF-7D21-4985-85F0-D13E7DEAE05E}" dt="2022-05-16T12:28:05.947" v="1619"/>
+        <pc:sldMkLst>
+          <pc:docMk/>
+          <pc:sldMk cId="739376775" sldId="286"/>
+        </pc:sldMkLst>
+        <pc:spChg chg="add mod">
+          <ac:chgData name="RamanaReddy, Buchepalli" userId="1badf3cc-4aa7-4c20-8d0f-dace4dab76e5" providerId="ADAL" clId="{21A971EF-7D21-4985-85F0-D13E7DEAE05E}" dt="2022-05-16T12:27:26.369" v="1601" actId="1076"/>
+          <ac:spMkLst>
+            <pc:docMk/>
+            <pc:sldMk cId="739376775" sldId="286"/>
+            <ac:spMk id="2" creationId="{A07B8ACE-9F0C-4FEE-9118-A4AFC7CE0AD3}"/>
+          </ac:spMkLst>
+        </pc:spChg>
+        <pc:spChg chg="del">
+          <ac:chgData name="RamanaReddy, Buchepalli" userId="1badf3cc-4aa7-4c20-8d0f-dace4dab76e5" providerId="ADAL" clId="{21A971EF-7D21-4985-85F0-D13E7DEAE05E}" dt="2022-05-16T12:22:09.754" v="1536" actId="478"/>
+          <ac:spMkLst>
+            <pc:docMk/>
+            <pc:sldMk cId="739376775" sldId="286"/>
+            <ac:spMk id="4" creationId="{B40EC76D-AE56-4071-A822-60AA0DA7F600}"/>
+          </ac:spMkLst>
+        </pc:spChg>
+        <pc:spChg chg="add mod">
+          <ac:chgData name="RamanaReddy, Buchepalli" userId="1badf3cc-4aa7-4c20-8d0f-dace4dab76e5" providerId="ADAL" clId="{21A971EF-7D21-4985-85F0-D13E7DEAE05E}" dt="2022-05-16T12:27:59.612" v="1617" actId="255"/>
+          <ac:spMkLst>
+            <pc:docMk/>
+            <pc:sldMk cId="739376775" sldId="286"/>
+            <ac:spMk id="5" creationId="{825D9D11-9A30-45DF-8EF5-3F5CA7B5C58E}"/>
+          </ac:spMkLst>
+        </pc:spChg>
+        <pc:spChg chg="del">
+          <ac:chgData name="RamanaReddy, Buchepalli" userId="1badf3cc-4aa7-4c20-8d0f-dace4dab76e5" providerId="ADAL" clId="{21A971EF-7D21-4985-85F0-D13E7DEAE05E}" dt="2022-05-16T12:22:12.224" v="1537" actId="478"/>
+          <ac:spMkLst>
+            <pc:docMk/>
+            <pc:sldMk cId="739376775" sldId="286"/>
+            <ac:spMk id="24" creationId="{FADB9867-4865-4B0D-A333-4B3077224F51}"/>
           </ac:spMkLst>
         </pc:spChg>
       </pc:sldChg>
@@ -761,7 +1127,7 @@
           <a:p>
             <a:fld id="{DFE1DBC8-23A8-42A7-B2FD-E5AAA12F60B4}" type="datetimeFigureOut">
               <a:rPr lang="en-IN" smtClean="0"/>
-              <a:t>16-05-2022</a:t>
+              <a:t>17-05-2022</a:t>
             </a:fld>
             <a:endParaRPr lang="en-IN"/>
           </a:p>
@@ -983,7 +1349,7 @@
           <a:p>
             <a:fld id="{EC922C80-6E11-4D98-AA0B-1CAA7CE08F22}" type="datetimeFigureOut">
               <a:rPr lang="en-IN" smtClean="0"/>
-              <a:t>16-05-2022</a:t>
+              <a:t>17-05-2022</a:t>
             </a:fld>
             <a:endParaRPr lang="en-IN"/>
           </a:p>
@@ -1400,7 +1766,7 @@
           <a:p>
             <a:fld id="{E6BA112A-52B1-4D4D-8A4A-C999F6D4724A}" type="datetime1">
               <a:rPr lang="en-IN" smtClean="0"/>
-              <a:t>16-05-2022</a:t>
+              <a:t>17-05-2022</a:t>
             </a:fld>
             <a:endParaRPr lang="en-IN"/>
           </a:p>
@@ -1600,7 +1966,7 @@
           <a:p>
             <a:fld id="{C6436444-5DED-4F85-903F-3ABFCE1C71A2}" type="datetime1">
               <a:rPr lang="en-IN" smtClean="0"/>
-              <a:t>16-05-2022</a:t>
+              <a:t>17-05-2022</a:t>
             </a:fld>
             <a:endParaRPr lang="en-IN"/>
           </a:p>
@@ -1810,7 +2176,7 @@
           <a:p>
             <a:fld id="{85941C61-722E-459F-9080-D81B6C49B3CC}" type="datetime1">
               <a:rPr lang="en-IN" smtClean="0"/>
-              <a:t>16-05-2022</a:t>
+              <a:t>17-05-2022</a:t>
             </a:fld>
             <a:endParaRPr lang="en-IN"/>
           </a:p>
@@ -2010,7 +2376,7 @@
           <a:p>
             <a:fld id="{EC3EE996-5B1B-4A56-B7A5-B33970CAB36D}" type="datetime1">
               <a:rPr lang="en-IN" smtClean="0"/>
-              <a:t>16-05-2022</a:t>
+              <a:t>17-05-2022</a:t>
             </a:fld>
             <a:endParaRPr lang="en-IN"/>
           </a:p>
@@ -2286,7 +2652,7 @@
           <a:p>
             <a:fld id="{8C8AE83B-3D17-4ED7-9D08-9FB60CE10B2A}" type="datetime1">
               <a:rPr lang="en-IN" smtClean="0"/>
-              <a:t>16-05-2022</a:t>
+              <a:t>17-05-2022</a:t>
             </a:fld>
             <a:endParaRPr lang="en-IN"/>
           </a:p>
@@ -2554,7 +2920,7 @@
           <a:p>
             <a:fld id="{ADAC01FB-4B30-44DD-8EAE-2A7638980843}" type="datetime1">
               <a:rPr lang="en-IN" smtClean="0"/>
-              <a:t>16-05-2022</a:t>
+              <a:t>17-05-2022</a:t>
             </a:fld>
             <a:endParaRPr lang="en-IN"/>
           </a:p>
@@ -2969,7 +3335,7 @@
           <a:p>
             <a:fld id="{EFFBD672-3DA4-4D0E-9BDC-49BBFB13B5F6}" type="datetime1">
               <a:rPr lang="en-IN" smtClean="0"/>
-              <a:t>16-05-2022</a:t>
+              <a:t>17-05-2022</a:t>
             </a:fld>
             <a:endParaRPr lang="en-IN"/>
           </a:p>
@@ -3111,7 +3477,7 @@
           <a:p>
             <a:fld id="{80763A9B-9F99-4B2B-BE3E-98C84384B7F8}" type="datetime1">
               <a:rPr lang="en-IN" smtClean="0"/>
-              <a:t>16-05-2022</a:t>
+              <a:t>17-05-2022</a:t>
             </a:fld>
             <a:endParaRPr lang="en-IN"/>
           </a:p>
@@ -3224,7 +3590,7 @@
           <a:p>
             <a:fld id="{5D511AE9-535C-4B43-BA68-5DE6CDEE9E3C}" type="datetime1">
               <a:rPr lang="en-IN" smtClean="0"/>
-              <a:t>16-05-2022</a:t>
+              <a:t>17-05-2022</a:t>
             </a:fld>
             <a:endParaRPr lang="en-IN"/>
           </a:p>
@@ -3537,7 +3903,7 @@
           <a:p>
             <a:fld id="{BF28005D-A40D-4C01-AD77-FACFE810AF96}" type="datetime1">
               <a:rPr lang="en-IN" smtClean="0"/>
-              <a:t>16-05-2022</a:t>
+              <a:t>17-05-2022</a:t>
             </a:fld>
             <a:endParaRPr lang="en-IN"/>
           </a:p>
@@ -3826,7 +4192,7 @@
           <a:p>
             <a:fld id="{12CE1FEC-ACC6-410B-9E6F-6D4F497BEAF9}" type="datetime1">
               <a:rPr lang="en-IN" smtClean="0"/>
-              <a:t>16-05-2022</a:t>
+              <a:t>17-05-2022</a:t>
             </a:fld>
             <a:endParaRPr lang="en-IN"/>
           </a:p>
@@ -4078,7 +4444,7 @@
           <a:p>
             <a:fld id="{E8FB4BB8-FD4B-49F4-9679-861DA2D5CF14}" type="datetime1">
               <a:rPr lang="en-IN" smtClean="0"/>
-              <a:t>16-05-2022</a:t>
+              <a:t>17-05-2022</a:t>
             </a:fld>
             <a:endParaRPr lang="en-IN"/>
           </a:p>
@@ -6464,10 +6830,10 @@
       </p:pic>
       <p:sp>
         <p:nvSpPr>
-          <p:cNvPr id="2" name="TextBox 1">
-            <a:extLst>
-              <a:ext uri="{FF2B5EF4-FFF2-40B4-BE49-F238E27FC236}">
-                <a16:creationId xmlns:a16="http://schemas.microsoft.com/office/drawing/2014/main" id="{160A88C6-5C6A-45EC-A97B-1A6441707965}"/>
+          <p:cNvPr id="7" name="TextBox 6">
+            <a:extLst>
+              <a:ext uri="{FF2B5EF4-FFF2-40B4-BE49-F238E27FC236}">
+                <a16:creationId xmlns:a16="http://schemas.microsoft.com/office/drawing/2014/main" id="{781201A3-EEB3-47D8-941D-179B7642FE59}"/>
               </a:ext>
             </a:extLst>
           </p:cNvPr>
@@ -6476,8 +6842,8 @@
         </p:nvSpPr>
         <p:spPr>
           <a:xfrm>
-            <a:off x="3684232" y="2847686"/>
-            <a:ext cx="3213717" cy="646331"/>
+            <a:off x="3541522" y="304133"/>
+            <a:ext cx="3561937" cy="523220"/>
           </a:xfrm>
           <a:prstGeom prst="rect">
             <a:avLst/>
@@ -6485,28 +6851,144 @@
           <a:noFill/>
         </p:spPr>
         <p:txBody>
-          <a:bodyPr wrap="square" rtlCol="0">
+          <a:bodyPr wrap="none" rtlCol="0">
             <a:spAutoFit/>
           </a:bodyPr>
           <a:lstStyle/>
           <a:p>
             <a:r>
-              <a:rPr lang="en-IN" sz="3600" b="1" i="1" dirty="0">
+              <a:rPr lang="en-IN" sz="2800" b="1" i="1" dirty="0">
                 <a:solidFill>
-                  <a:schemeClr val="accent6">
-                    <a:lumMod val="50000"/>
+                  <a:schemeClr val="accent2">
+                    <a:lumMod val="75000"/>
                   </a:schemeClr>
                 </a:solidFill>
+                <a:latin typeface="+mj-lt"/>
               </a:rPr>
-              <a:t>Thank you…!!!</a:t>
-            </a:r>
+              <a:t>Linux Operating System </a:t>
+            </a:r>
+            <a:endParaRPr lang="en-IN" b="1" i="1" u="sng" dirty="0">
+              <a:solidFill>
+                <a:schemeClr val="accent1">
+                  <a:lumMod val="75000"/>
+                </a:schemeClr>
+              </a:solidFill>
+              <a:latin typeface="+mj-lt"/>
+            </a:endParaRPr>
           </a:p>
         </p:txBody>
       </p:sp>
+      <p:pic>
+        <p:nvPicPr>
+          <p:cNvPr id="13" name="Picture 12">
+            <a:extLst>
+              <a:ext uri="{FF2B5EF4-FFF2-40B4-BE49-F238E27FC236}">
+                <a16:creationId xmlns:a16="http://schemas.microsoft.com/office/drawing/2014/main" id="{99A39DBB-41C0-4208-AD88-8A77F4311FFA}"/>
+              </a:ext>
+            </a:extLst>
+          </p:cNvPr>
+          <p:cNvPicPr>
+            <a:picLocks noChangeAspect="1"/>
+          </p:cNvPicPr>
+          <p:nvPr/>
+        </p:nvPicPr>
+        <p:blipFill>
+          <a:blip r:embed="rId12">
+            <a:extLst>
+              <a:ext uri="{28A0092B-C50C-407E-A947-70E740481C1C}">
+                <a14:useLocalDpi xmlns:a14="http://schemas.microsoft.com/office/drawing/2010/main" val="0"/>
+              </a:ext>
+            </a:extLst>
+          </a:blip>
+          <a:stretch>
+            <a:fillRect/>
+          </a:stretch>
+        </p:blipFill>
+        <p:spPr>
+          <a:xfrm>
+            <a:off x="5092711" y="1326631"/>
+            <a:ext cx="6032386" cy="4213245"/>
+          </a:xfrm>
+          <a:prstGeom prst="rect">
+            <a:avLst/>
+          </a:prstGeom>
+        </p:spPr>
+      </p:pic>
+      <p:sp>
+        <p:nvSpPr>
+          <p:cNvPr id="15" name="TextBox 14">
+            <a:extLst>
+              <a:ext uri="{FF2B5EF4-FFF2-40B4-BE49-F238E27FC236}">
+                <a16:creationId xmlns:a16="http://schemas.microsoft.com/office/drawing/2014/main" id="{940098EB-CF67-47A5-9A14-6B10B90C041A}"/>
+              </a:ext>
+            </a:extLst>
+          </p:cNvPr>
+          <p:cNvSpPr txBox="1"/>
+          <p:nvPr/>
+        </p:nvSpPr>
+        <p:spPr>
+          <a:xfrm>
+            <a:off x="1006349" y="1582055"/>
+            <a:ext cx="1362424" cy="369332"/>
+          </a:xfrm>
+          <a:prstGeom prst="rect">
+            <a:avLst/>
+          </a:prstGeom>
+          <a:noFill/>
+        </p:spPr>
+        <p:txBody>
+          <a:bodyPr wrap="none" rtlCol="0">
+            <a:spAutoFit/>
+          </a:bodyPr>
+          <a:lstStyle/>
+          <a:p>
+            <a:r>
+              <a:rPr lang="en-IN" b="1" i="1" dirty="0"/>
+              <a:t>Architecture</a:t>
+            </a:r>
+          </a:p>
+        </p:txBody>
+      </p:sp>
+      <p:pic>
+        <p:nvPicPr>
+          <p:cNvPr id="21" name="Picture 20" descr="Chart, sunburst chart&#10;&#10;Description automatically generated">
+            <a:extLst>
+              <a:ext uri="{FF2B5EF4-FFF2-40B4-BE49-F238E27FC236}">
+                <a16:creationId xmlns:a16="http://schemas.microsoft.com/office/drawing/2014/main" id="{A3300036-E575-4331-A2EB-678474EC4625}"/>
+              </a:ext>
+            </a:extLst>
+          </p:cNvPr>
+          <p:cNvPicPr>
+            <a:picLocks noChangeAspect="1"/>
+          </p:cNvPicPr>
+          <p:nvPr/>
+        </p:nvPicPr>
+        <p:blipFill>
+          <a:blip r:embed="rId13">
+            <a:extLst>
+              <a:ext uri="{28A0092B-C50C-407E-A947-70E740481C1C}">
+                <a14:useLocalDpi xmlns:a14="http://schemas.microsoft.com/office/drawing/2010/main" val="0"/>
+              </a:ext>
+            </a:extLst>
+          </a:blip>
+          <a:stretch>
+            <a:fillRect/>
+          </a:stretch>
+        </p:blipFill>
+        <p:spPr>
+          <a:xfrm>
+            <a:off x="174619" y="1994288"/>
+            <a:ext cx="4388308" cy="3103161"/>
+          </a:xfrm>
+          <a:prstGeom prst="rect">
+            <a:avLst/>
+          </a:prstGeom>
+        </p:spPr>
+      </p:pic>
     </p:spTree>
     <p:extLst>
       <p:ext uri="{BB962C8B-B14F-4D97-AF65-F5344CB8AC3E}">
-        <p14:creationId xmlns:p14="http://schemas.microsoft.com/office/powerpoint/2010/main" val="233138643"/>
+        <p14:creationId xmlns:p14="http://schemas.microsoft.com/office/powerpoint/2010/main" val="1806311175"/>
       </p:ext>
     </p:extLst>
   </p:cSld>
@@ -6516,7 +6998,7 @@
 </p:sld>
 </file>
 
-<file path=ppt/slides/slide2.xml><?xml version="1.0" encoding="utf-8"?>
+<file path=ppt/slides/slide11.xml><?xml version="1.0" encoding="utf-8"?>
 <p:sld xmlns:a="http://schemas.openxmlformats.org/drawingml/2006/main" xmlns:r="http://schemas.openxmlformats.org/officeDocument/2006/relationships" xmlns:p="http://schemas.openxmlformats.org/presentationml/2006/main">
   <p:cSld>
     <p:spTree>
@@ -7105,7 +7587,7 @@
           <a:p>
             <a:fld id="{3326F55E-B2F8-46C6-958B-87902B1FD1A5}" type="slidenum">
               <a:rPr lang="en-IN" smtClean="0"/>
-              <a:t>2</a:t>
+              <a:t>11</a:t>
             </a:fld>
             <a:endParaRPr lang="en-IN"/>
           </a:p>
@@ -7482,10 +7964,10 @@
       </p:pic>
       <p:sp>
         <p:nvSpPr>
-          <p:cNvPr id="2" name="TextBox 1">
-            <a:extLst>
-              <a:ext uri="{FF2B5EF4-FFF2-40B4-BE49-F238E27FC236}">
-                <a16:creationId xmlns:a16="http://schemas.microsoft.com/office/drawing/2014/main" id="{7299A437-A261-446D-95F9-A5CC2045D6C6}"/>
+          <p:cNvPr id="7" name="TextBox 6">
+            <a:extLst>
+              <a:ext uri="{FF2B5EF4-FFF2-40B4-BE49-F238E27FC236}">
+                <a16:creationId xmlns:a16="http://schemas.microsoft.com/office/drawing/2014/main" id="{781201A3-EEB3-47D8-941D-179B7642FE59}"/>
               </a:ext>
             </a:extLst>
           </p:cNvPr>
@@ -7494,8 +7976,8 @@
         </p:nvSpPr>
         <p:spPr>
           <a:xfrm>
-            <a:off x="1394917" y="931560"/>
-            <a:ext cx="2929647" cy="523220"/>
+            <a:off x="846721" y="809801"/>
+            <a:ext cx="3561937" cy="523220"/>
           </a:xfrm>
           <a:prstGeom prst="rect">
             <a:avLst/>
@@ -7503,7 +7985,7 @@
           <a:noFill/>
         </p:spPr>
         <p:txBody>
-          <a:bodyPr wrap="square" rtlCol="0">
+          <a:bodyPr wrap="none" rtlCol="0">
             <a:spAutoFit/>
           </a:bodyPr>
           <a:lstStyle/>
@@ -7517,17 +7999,25 @@
                 </a:solidFill>
                 <a:latin typeface="+mj-lt"/>
               </a:rPr>
-              <a:t>Operating System ?</a:t>
-            </a:r>
+              <a:t>Linux Operating System </a:t>
+            </a:r>
+            <a:endParaRPr lang="en-IN" b="1" i="1" u="sng" dirty="0">
+              <a:solidFill>
+                <a:schemeClr val="accent1">
+                  <a:lumMod val="75000"/>
+                </a:schemeClr>
+              </a:solidFill>
+              <a:latin typeface="+mj-lt"/>
+            </a:endParaRPr>
           </a:p>
         </p:txBody>
       </p:sp>
       <p:sp>
         <p:nvSpPr>
-          <p:cNvPr id="4" name="TextBox 3">
-            <a:extLst>
-              <a:ext uri="{FF2B5EF4-FFF2-40B4-BE49-F238E27FC236}">
-                <a16:creationId xmlns:a16="http://schemas.microsoft.com/office/drawing/2014/main" id="{274D5DD5-352F-4A45-A36B-0119A1786ED1}"/>
+          <p:cNvPr id="2" name="TextBox 1">
+            <a:extLst>
+              <a:ext uri="{FF2B5EF4-FFF2-40B4-BE49-F238E27FC236}">
+                <a16:creationId xmlns:a16="http://schemas.microsoft.com/office/drawing/2014/main" id="{A07B8ACE-9F0C-4FEE-9118-A4AFC7CE0AD3}"/>
               </a:ext>
             </a:extLst>
           </p:cNvPr>
@@ -7536,8 +8026,8 @@
         </p:nvSpPr>
         <p:spPr>
           <a:xfrm>
-            <a:off x="1394917" y="1703066"/>
-            <a:ext cx="7516930" cy="523220"/>
+            <a:off x="863808" y="2239598"/>
+            <a:ext cx="10837197" cy="2492990"/>
           </a:xfrm>
           <a:prstGeom prst="rect">
             <a:avLst/>
@@ -7550,102 +8040,208 @@
           </a:bodyPr>
           <a:lstStyle/>
           <a:p>
-            <a:r>
-              <a:rPr lang="en-IN" sz="1400" b="0" i="1" dirty="0">
+            <a:pPr algn="l"/>
+            <a:r>
+              <a:rPr lang="en-IN" sz="1200" b="1" i="0" dirty="0">
                 <a:solidFill>
-                  <a:schemeClr val="accent3">
-                    <a:lumMod val="50000"/>
-                  </a:schemeClr>
+                  <a:schemeClr val="accent1"/>
                 </a:solidFill>
                 <a:effectLst/>
               </a:rPr>
-              <a:t>An </a:t>
-            </a:r>
-            <a:r>
-              <a:rPr lang="en-IN" sz="1400" b="1" i="1" dirty="0">
+              <a:t>Hardware layer:</a:t>
+            </a:r>
+            <a:r>
+              <a:rPr lang="en-IN" sz="1200" b="0" i="0" dirty="0">
                 <a:solidFill>
-                  <a:schemeClr val="accent3">
-                    <a:lumMod val="50000"/>
-                  </a:schemeClr>
+                  <a:schemeClr val="accent1"/>
                 </a:solidFill>
                 <a:effectLst/>
               </a:rPr>
-              <a:t>operating system</a:t>
-            </a:r>
-            <a:r>
-              <a:rPr lang="en-IN" sz="1400" b="0" i="1" dirty="0">
+              <a:t> </a:t>
+            </a:r>
+            <a:r>
+              <a:rPr lang="en-IN" sz="1200" b="0" i="0" dirty="0">
+                <a:effectLst/>
+              </a:rPr>
+              <a:t>This layer comprises all the peripheral devices such as (RAM/ HDD/ CPU etc.).</a:t>
+            </a:r>
+          </a:p>
+          <a:p>
+            <a:pPr algn="l">
+              <a:buFont typeface="Arial" panose="020B0604020202020204" pitchFamily="34" charset="0"/>
+              <a:buChar char="•"/>
+            </a:pPr>
+            <a:endParaRPr lang="en-IN" sz="1200" b="0" i="0" dirty="0">
+              <a:solidFill>
+                <a:srgbClr val="7A7A7A"/>
+              </a:solidFill>
+              <a:effectLst/>
+            </a:endParaRPr>
+          </a:p>
+          <a:p>
+            <a:r>
+              <a:rPr lang="en-IN" sz="1200" b="1" dirty="0">
                 <a:solidFill>
-                  <a:schemeClr val="accent3">
-                    <a:lumMod val="50000"/>
+                  <a:schemeClr val="accent1"/>
+                </a:solidFill>
+              </a:rPr>
+              <a:t>Kernel: </a:t>
+            </a:r>
+            <a:r>
+              <a:rPr lang="en-IN" sz="1200" dirty="0"/>
+              <a:t>It is Linux's main component and is also in charge of many of the LINUX operating system's functions. </a:t>
+            </a:r>
+          </a:p>
+          <a:p>
+            <a:r>
+              <a:rPr lang="en-IN" sz="1200" dirty="0"/>
+              <a:t>	It communicates with hardware directly and delivers low-level operations to upper-layer elements.</a:t>
+            </a:r>
+          </a:p>
+          <a:p>
+            <a:r>
+              <a:rPr lang="en-IN" sz="1200" b="1" dirty="0">
+                <a:solidFill>
+                  <a:schemeClr val="accent1"/>
+                </a:solidFill>
+              </a:rPr>
+              <a:t>Shell/GCC: </a:t>
+            </a:r>
+            <a:r>
+              <a:rPr lang="en-IN" sz="1200" dirty="0"/>
+              <a:t>It is a user-to-kernel interface that hides the complexities of the kernel's operations from users. </a:t>
+            </a:r>
+          </a:p>
+          <a:p>
+            <a:r>
+              <a:rPr lang="en-IN" sz="1200" dirty="0"/>
+              <a:t>	Shell processes the user's command and performs the kernel's functions.</a:t>
+            </a:r>
+          </a:p>
+          <a:p>
+            <a:r>
+              <a:rPr lang="en-IN" sz="1200" b="1" dirty="0">
+                <a:solidFill>
+                  <a:schemeClr val="accent1"/>
+                </a:solidFill>
+              </a:rPr>
+              <a:t>Application Software: </a:t>
+            </a:r>
+            <a:r>
+              <a:rPr lang="en-IN" sz="1200" dirty="0"/>
+              <a:t>The desktop environment that comes with your Linux OS or that you choose to install will not be able to meet all of your application requirements; </a:t>
+            </a:r>
+          </a:p>
+          <a:p>
+            <a:pPr marL="0" lvl="1"/>
+            <a:r>
+              <a:rPr lang="en-IN" sz="1200" dirty="0"/>
+              <a:t>	there are far too many. Therefore, individual applications are installed. </a:t>
+            </a:r>
+          </a:p>
+          <a:p>
+            <a:pPr marL="0" lvl="1"/>
+            <a:r>
+              <a:rPr lang="en-IN" sz="1200" dirty="0"/>
+              <a:t>	Most Linux distributions, such as ubuntu, come with dedicated app stores to find and install the software.</a:t>
+            </a:r>
+          </a:p>
+          <a:p>
+            <a:r>
+              <a:rPr lang="en-IN" sz="1200" b="1" dirty="0">
+                <a:solidFill>
+                  <a:schemeClr val="accent1"/>
+                </a:solidFill>
+              </a:rPr>
+              <a:t>Bootloader: </a:t>
+            </a:r>
+            <a:r>
+              <a:rPr lang="en-IN" sz="1200" dirty="0"/>
+              <a:t>Computers go through a </a:t>
+            </a:r>
+            <a:r>
+              <a:rPr lang="en-IN" sz="1200" dirty="0" err="1"/>
+              <a:t>startup</a:t>
+            </a:r>
+            <a:r>
+              <a:rPr lang="en-IN" sz="1200" dirty="0"/>
+              <a:t> process known as booting. This boot process requires instruction, and your operating system is in charge of it. </a:t>
+            </a:r>
+          </a:p>
+          <a:p>
+            <a:r>
+              <a:rPr lang="en-IN" sz="1200" dirty="0"/>
+              <a:t>	The bootloader for your operating system precedes the process when you turn on your computer.</a:t>
+            </a:r>
+          </a:p>
+          <a:p>
+            <a:r>
+              <a:rPr lang="en-IN" sz="1200" b="1" dirty="0">
+                <a:solidFill>
+                  <a:schemeClr val="accent1"/>
+                </a:solidFill>
+              </a:rPr>
+              <a:t>Background services: </a:t>
+            </a:r>
+            <a:r>
+              <a:rPr lang="en-IN" sz="1200" dirty="0"/>
+              <a:t>Also known as "daemons," these small systems serve as workers in the background, assuring that critical tasks such as scheduling, publishing, </a:t>
+            </a:r>
+          </a:p>
+          <a:p>
+            <a:r>
+              <a:rPr lang="en-IN" sz="1200" dirty="0"/>
+              <a:t>	and multimedia work properly. They begin to run once the user logs in into the computer or right after the system gets booted. </a:t>
+            </a:r>
+          </a:p>
+        </p:txBody>
+      </p:sp>
+      <p:sp>
+        <p:nvSpPr>
+          <p:cNvPr id="5" name="TextBox 4">
+            <a:extLst>
+              <a:ext uri="{FF2B5EF4-FFF2-40B4-BE49-F238E27FC236}">
+                <a16:creationId xmlns:a16="http://schemas.microsoft.com/office/drawing/2014/main" id="{825D9D11-9A30-45DF-8EF5-3F5CA7B5C58E}"/>
+              </a:ext>
+            </a:extLst>
+          </p:cNvPr>
+          <p:cNvSpPr txBox="1"/>
+          <p:nvPr/>
+        </p:nvSpPr>
+        <p:spPr>
+          <a:xfrm>
+            <a:off x="820333" y="1641026"/>
+            <a:ext cx="1323760" cy="369332"/>
+          </a:xfrm>
+          <a:prstGeom prst="rect">
+            <a:avLst/>
+          </a:prstGeom>
+          <a:noFill/>
+        </p:spPr>
+        <p:txBody>
+          <a:bodyPr wrap="none" rtlCol="0">
+            <a:spAutoFit/>
+          </a:bodyPr>
+          <a:lstStyle/>
+          <a:p>
+            <a:r>
+              <a:rPr lang="en-IN" b="1" i="1" dirty="0">
+                <a:solidFill>
+                  <a:schemeClr val="accent2">
+                    <a:lumMod val="75000"/>
                   </a:schemeClr>
                 </a:solidFill>
-                <a:effectLst/>
+                <a:latin typeface="+mj-lt"/>
               </a:rPr>
-              <a:t> (OS) is system software that manages computer hardware, software resources, </a:t>
-            </a:r>
-          </a:p>
-          <a:p>
-            <a:r>
-              <a:rPr lang="en-IN" sz="1400" b="0" i="1" dirty="0">
-                <a:solidFill>
-                  <a:schemeClr val="accent3">
-                    <a:lumMod val="50000"/>
-                  </a:schemeClr>
-                </a:solidFill>
-                <a:effectLst/>
-              </a:rPr>
-              <a:t>and provides common services for computer programs.</a:t>
-            </a:r>
-            <a:endParaRPr lang="en-IN" sz="1400" i="1" dirty="0">
-              <a:solidFill>
-                <a:schemeClr val="accent3">
-                  <a:lumMod val="50000"/>
-                </a:schemeClr>
-              </a:solidFill>
-            </a:endParaRPr>
+              <a:t>Components</a:t>
+            </a:r>
           </a:p>
         </p:txBody>
       </p:sp>
-      <p:pic>
-        <p:nvPicPr>
-          <p:cNvPr id="6" name="Picture 5" descr="Diagram&#10;&#10;Description automatically generated">
-            <a:extLst>
-              <a:ext uri="{FF2B5EF4-FFF2-40B4-BE49-F238E27FC236}">
-                <a16:creationId xmlns:a16="http://schemas.microsoft.com/office/drawing/2014/main" id="{B0D92CDF-DC55-4D6A-8CB1-997E19042FE5}"/>
-              </a:ext>
-            </a:extLst>
-          </p:cNvPr>
-          <p:cNvPicPr>
-            <a:picLocks noChangeAspect="1"/>
-          </p:cNvPicPr>
-          <p:nvPr/>
-        </p:nvPicPr>
-        <p:blipFill>
-          <a:blip r:embed="rId12">
-            <a:extLst>
-              <a:ext uri="{28A0092B-C50C-407E-A947-70E740481C1C}">
-                <a14:useLocalDpi xmlns:a14="http://schemas.microsoft.com/office/drawing/2010/main" val="0"/>
-              </a:ext>
-            </a:extLst>
-          </a:blip>
-          <a:stretch>
-            <a:fillRect/>
-          </a:stretch>
-        </p:blipFill>
-        <p:spPr>
-          <a:xfrm>
-            <a:off x="2691026" y="2386340"/>
-            <a:ext cx="4171413" cy="3381375"/>
-          </a:xfrm>
-          <a:prstGeom prst="rect">
-            <a:avLst/>
-          </a:prstGeom>
-        </p:spPr>
-      </p:pic>
     </p:spTree>
     <p:extLst>
       <p:ext uri="{BB962C8B-B14F-4D97-AF65-F5344CB8AC3E}">
-        <p14:creationId xmlns:p14="http://schemas.microsoft.com/office/powerpoint/2010/main" val="3872201841"/>
+        <p14:creationId xmlns:p14="http://schemas.microsoft.com/office/powerpoint/2010/main" val="739376775"/>
       </p:ext>
     </p:extLst>
   </p:cSld>
@@ -7655,7 +8251,7 @@
 </p:sld>
 </file>
 
-<file path=ppt/slides/slide3.xml><?xml version="1.0" encoding="utf-8"?>
+<file path=ppt/slides/slide12.xml><?xml version="1.0" encoding="utf-8"?>
 <p:sld xmlns:a="http://schemas.openxmlformats.org/drawingml/2006/main" xmlns:r="http://schemas.openxmlformats.org/officeDocument/2006/relationships" xmlns:p="http://schemas.openxmlformats.org/presentationml/2006/main">
   <p:cSld>
     <p:spTree>
@@ -8244,7 +8840,7 @@
           <a:p>
             <a:fld id="{3326F55E-B2F8-46C6-958B-87902B1FD1A5}" type="slidenum">
               <a:rPr lang="en-IN" smtClean="0"/>
-              <a:t>3</a:t>
+              <a:t>12</a:t>
             </a:fld>
             <a:endParaRPr lang="en-IN"/>
           </a:p>
@@ -8621,10 +9217,10 @@
       </p:pic>
       <p:sp>
         <p:nvSpPr>
-          <p:cNvPr id="2" name="TextBox 1">
-            <a:extLst>
-              <a:ext uri="{FF2B5EF4-FFF2-40B4-BE49-F238E27FC236}">
-                <a16:creationId xmlns:a16="http://schemas.microsoft.com/office/drawing/2014/main" id="{7299A437-A261-446D-95F9-A5CC2045D6C6}"/>
+          <p:cNvPr id="7" name="TextBox 6">
+            <a:extLst>
+              <a:ext uri="{FF2B5EF4-FFF2-40B4-BE49-F238E27FC236}">
+                <a16:creationId xmlns:a16="http://schemas.microsoft.com/office/drawing/2014/main" id="{781201A3-EEB3-47D8-941D-179B7642FE59}"/>
               </a:ext>
             </a:extLst>
           </p:cNvPr>
@@ -8633,8 +9229,8 @@
         </p:nvSpPr>
         <p:spPr>
           <a:xfrm>
-            <a:off x="1394917" y="931560"/>
-            <a:ext cx="4260157" cy="523220"/>
+            <a:off x="846721" y="809801"/>
+            <a:ext cx="3561937" cy="523220"/>
           </a:xfrm>
           <a:prstGeom prst="rect">
             <a:avLst/>
@@ -8642,7 +9238,7 @@
           <a:noFill/>
         </p:spPr>
         <p:txBody>
-          <a:bodyPr wrap="square" rtlCol="0">
+          <a:bodyPr wrap="none" rtlCol="0">
             <a:spAutoFit/>
           </a:bodyPr>
           <a:lstStyle/>
@@ -8656,17 +9252,25 @@
                 </a:solidFill>
                 <a:latin typeface="+mj-lt"/>
               </a:rPr>
-              <a:t>Common Operating Systems </a:t>
-            </a:r>
+              <a:t>Linux Operating System </a:t>
+            </a:r>
+            <a:endParaRPr lang="en-IN" b="1" i="1" u="sng" dirty="0">
+              <a:solidFill>
+                <a:schemeClr val="accent1">
+                  <a:lumMod val="75000"/>
+                </a:schemeClr>
+              </a:solidFill>
+              <a:latin typeface="+mj-lt"/>
+            </a:endParaRPr>
           </a:p>
         </p:txBody>
       </p:sp>
       <p:sp>
         <p:nvSpPr>
-          <p:cNvPr id="4" name="TextBox 3">
-            <a:extLst>
-              <a:ext uri="{FF2B5EF4-FFF2-40B4-BE49-F238E27FC236}">
-                <a16:creationId xmlns:a16="http://schemas.microsoft.com/office/drawing/2014/main" id="{274D5DD5-352F-4A45-A36B-0119A1786ED1}"/>
+          <p:cNvPr id="2" name="TextBox 1">
+            <a:extLst>
+              <a:ext uri="{FF2B5EF4-FFF2-40B4-BE49-F238E27FC236}">
+                <a16:creationId xmlns:a16="http://schemas.microsoft.com/office/drawing/2014/main" id="{8C08B752-EE36-4579-8CB1-A539A7F08FF6}"/>
               </a:ext>
             </a:extLst>
           </p:cNvPr>
@@ -8675,8 +9279,8 @@
         </p:nvSpPr>
         <p:spPr>
           <a:xfrm>
-            <a:off x="1394916" y="1703066"/>
-            <a:ext cx="4260159" cy="2246769"/>
+            <a:off x="2192538" y="1570916"/>
+            <a:ext cx="670376" cy="400110"/>
           </a:xfrm>
           <a:prstGeom prst="rect">
             <a:avLst/>
@@ -8684,73 +9288,67 @@
           <a:noFill/>
         </p:spPr>
         <p:txBody>
-          <a:bodyPr wrap="square" rtlCol="0">
+          <a:bodyPr wrap="none" rtlCol="0">
             <a:spAutoFit/>
           </a:bodyPr>
           <a:lstStyle/>
           <a:p>
             <a:r>
-              <a:rPr lang="en-IN" sz="2800" b="1" i="1" dirty="0">
+              <a:rPr lang="en-IN" sz="2000" b="1" i="1" u="sng" dirty="0">
                 <a:solidFill>
-                  <a:schemeClr val="tx2"/>
+                  <a:srgbClr val="FF0000"/>
                 </a:solidFill>
-                <a:latin typeface="+mj-lt"/>
               </a:rPr>
-              <a:t>Microsoft windows</a:t>
-            </a:r>
-          </a:p>
-          <a:p>
-            <a:r>
-              <a:rPr lang="en-IN" sz="2800" b="1" i="1" dirty="0">
+              <a:t>Unix</a:t>
+            </a:r>
+          </a:p>
+        </p:txBody>
+      </p:sp>
+      <p:sp>
+        <p:nvSpPr>
+          <p:cNvPr id="24" name="TextBox 23">
+            <a:extLst>
+              <a:ext uri="{FF2B5EF4-FFF2-40B4-BE49-F238E27FC236}">
+                <a16:creationId xmlns:a16="http://schemas.microsoft.com/office/drawing/2014/main" id="{FADB9867-4865-4B0D-A333-4B3077224F51}"/>
+              </a:ext>
+            </a:extLst>
+          </p:cNvPr>
+          <p:cNvSpPr txBox="1"/>
+          <p:nvPr/>
+        </p:nvSpPr>
+        <p:spPr>
+          <a:xfrm>
+            <a:off x="6494292" y="1543826"/>
+            <a:ext cx="744114" cy="400110"/>
+          </a:xfrm>
+          <a:prstGeom prst="rect">
+            <a:avLst/>
+          </a:prstGeom>
+          <a:noFill/>
+        </p:spPr>
+        <p:txBody>
+          <a:bodyPr wrap="none" rtlCol="0">
+            <a:spAutoFit/>
+          </a:bodyPr>
+          <a:lstStyle/>
+          <a:p>
+            <a:r>
+              <a:rPr lang="en-IN" sz="2000" b="1" i="1" u="sng" dirty="0">
                 <a:solidFill>
-                  <a:schemeClr val="tx2"/>
+                  <a:srgbClr val="FF0000"/>
                 </a:solidFill>
-                <a:latin typeface="+mj-lt"/>
               </a:rPr>
               <a:t>Linux</a:t>
-            </a:r>
-          </a:p>
-          <a:p>
-            <a:r>
-              <a:rPr lang="en-IN" sz="2800" b="1" i="1" dirty="0">
-                <a:solidFill>
-                  <a:schemeClr val="tx2"/>
-                </a:solidFill>
-                <a:latin typeface="+mj-lt"/>
-              </a:rPr>
-              <a:t>Apple Macinthosh OS</a:t>
-            </a:r>
-          </a:p>
-          <a:p>
-            <a:r>
-              <a:rPr lang="en-IN" sz="2800" b="1" i="1" dirty="0">
-                <a:solidFill>
-                  <a:schemeClr val="tx2"/>
-                </a:solidFill>
-                <a:latin typeface="+mj-lt"/>
-              </a:rPr>
-              <a:t>Apple iphone OS</a:t>
-            </a:r>
-          </a:p>
-          <a:p>
-            <a:r>
-              <a:rPr lang="en-IN" sz="2800" b="1" i="1" dirty="0">
-                <a:solidFill>
-                  <a:schemeClr val="tx2"/>
-                </a:solidFill>
-                <a:latin typeface="+mj-lt"/>
-              </a:rPr>
-              <a:t>Android</a:t>
             </a:r>
           </a:p>
         </p:txBody>
       </p:sp>
       <p:pic>
         <p:nvPicPr>
-          <p:cNvPr id="9" name="Picture 8" descr="Icon&#10;&#10;Description automatically generated">
-            <a:extLst>
-              <a:ext uri="{FF2B5EF4-FFF2-40B4-BE49-F238E27FC236}">
-                <a16:creationId xmlns:a16="http://schemas.microsoft.com/office/drawing/2014/main" id="{FBCC209C-55E5-4FB9-8E96-DEFAFAB1A787}"/>
+          <p:cNvPr id="6" name="Picture 5" descr="A picture containing text, clipart&#10;&#10;Description automatically generated">
+            <a:extLst>
+              <a:ext uri="{FF2B5EF4-FFF2-40B4-BE49-F238E27FC236}">
+                <a16:creationId xmlns:a16="http://schemas.microsoft.com/office/drawing/2014/main" id="{005C385A-0193-4007-84E4-9741352E7010}"/>
               </a:ext>
             </a:extLst>
           </p:cNvPr>
@@ -8773,8 +9371,8 @@
         </p:blipFill>
         <p:spPr>
           <a:xfrm>
-            <a:off x="717507" y="3599375"/>
-            <a:ext cx="573534" cy="321179"/>
+            <a:off x="2349971" y="2662459"/>
+            <a:ext cx="1166406" cy="572268"/>
           </a:xfrm>
           <a:prstGeom prst="rect">
             <a:avLst/>
@@ -8783,10 +9381,10 @@
       </p:pic>
       <p:pic>
         <p:nvPicPr>
-          <p:cNvPr id="15" name="Picture 14" descr="Company name&#10;&#10;Description automatically generated with medium confidence">
-            <a:extLst>
-              <a:ext uri="{FF2B5EF4-FFF2-40B4-BE49-F238E27FC236}">
-                <a16:creationId xmlns:a16="http://schemas.microsoft.com/office/drawing/2014/main" id="{48EB10A1-41EE-4D4C-A89B-FD08BD766B53}"/>
+          <p:cNvPr id="15" name="Picture 14" descr="Logo&#10;&#10;Description automatically generated">
+            <a:extLst>
+              <a:ext uri="{FF2B5EF4-FFF2-40B4-BE49-F238E27FC236}">
+                <a16:creationId xmlns:a16="http://schemas.microsoft.com/office/drawing/2014/main" id="{FD973562-3D3F-4F18-B769-14FDCFC3F616}"/>
               </a:ext>
             </a:extLst>
           </p:cNvPr>
@@ -8809,8 +9407,8 @@
         </p:blipFill>
         <p:spPr>
           <a:xfrm>
-            <a:off x="717507" y="3049051"/>
-            <a:ext cx="496818" cy="496818"/>
+            <a:off x="714033" y="3189211"/>
+            <a:ext cx="1262320" cy="620462"/>
           </a:xfrm>
           <a:prstGeom prst="rect">
             <a:avLst/>
@@ -8819,10 +9417,10 @@
       </p:pic>
       <p:pic>
         <p:nvPicPr>
-          <p:cNvPr id="21" name="Picture 20" descr="Icon&#10;&#10;Description automatically generated">
-            <a:extLst>
-              <a:ext uri="{FF2B5EF4-FFF2-40B4-BE49-F238E27FC236}">
-                <a16:creationId xmlns:a16="http://schemas.microsoft.com/office/drawing/2014/main" id="{12DF0ACE-1C42-495E-AE66-91B3EED494E6}"/>
+          <p:cNvPr id="21" name="Picture 20" descr="Logo&#10;&#10;Description automatically generated">
+            <a:extLst>
+              <a:ext uri="{FF2B5EF4-FFF2-40B4-BE49-F238E27FC236}">
+                <a16:creationId xmlns:a16="http://schemas.microsoft.com/office/drawing/2014/main" id="{BADE6718-9F23-4E73-B704-9DF5297D7556}"/>
               </a:ext>
             </a:extLst>
           </p:cNvPr>
@@ -8845,8 +9443,8 @@
         </p:blipFill>
         <p:spPr>
           <a:xfrm>
-            <a:off x="852255" y="2673011"/>
-            <a:ext cx="270051" cy="331245"/>
+            <a:off x="711293" y="2283330"/>
+            <a:ext cx="1166406" cy="570673"/>
           </a:xfrm>
           <a:prstGeom prst="rect">
             <a:avLst/>
@@ -8855,10 +9453,10 @@
       </p:pic>
       <p:pic>
         <p:nvPicPr>
-          <p:cNvPr id="26" name="Picture 25" descr="A penguin with a yellow beak&#10;&#10;Description automatically generated with low confidence">
-            <a:extLst>
-              <a:ext uri="{FF2B5EF4-FFF2-40B4-BE49-F238E27FC236}">
-                <a16:creationId xmlns:a16="http://schemas.microsoft.com/office/drawing/2014/main" id="{5F2AED6E-5C25-4683-972A-7FFCD8BD1C5E}"/>
+          <p:cNvPr id="26" name="Picture 25" descr="Logo&#10;&#10;Description automatically generated">
+            <a:extLst>
+              <a:ext uri="{FF2B5EF4-FFF2-40B4-BE49-F238E27FC236}">
+                <a16:creationId xmlns:a16="http://schemas.microsoft.com/office/drawing/2014/main" id="{13D4DF1C-5845-4214-AA0B-42A698A2A5CE}"/>
               </a:ext>
             </a:extLst>
           </p:cNvPr>
@@ -8881,8 +9479,8 @@
         </p:blipFill>
         <p:spPr>
           <a:xfrm>
-            <a:off x="852255" y="2139337"/>
-            <a:ext cx="335691" cy="397614"/>
+            <a:off x="5670108" y="3416654"/>
+            <a:ext cx="1286669" cy="629305"/>
           </a:xfrm>
           <a:prstGeom prst="rect">
             <a:avLst/>
@@ -8891,10 +9489,10 @@
       </p:pic>
       <p:pic>
         <p:nvPicPr>
-          <p:cNvPr id="30" name="Picture 29" descr="Logo, company name&#10;&#10;Description automatically generated">
-            <a:extLst>
-              <a:ext uri="{FF2B5EF4-FFF2-40B4-BE49-F238E27FC236}">
-                <a16:creationId xmlns:a16="http://schemas.microsoft.com/office/drawing/2014/main" id="{F7848E75-3E1E-4887-9383-150D69F05573}"/>
+          <p:cNvPr id="30" name="Picture 29" descr="A picture containing text, clipart&#10;&#10;Description automatically generated">
+            <a:extLst>
+              <a:ext uri="{FF2B5EF4-FFF2-40B4-BE49-F238E27FC236}">
+                <a16:creationId xmlns:a16="http://schemas.microsoft.com/office/drawing/2014/main" id="{F25D722D-B2C6-4E2E-BA33-0D78B1D70ED4}"/>
               </a:ext>
             </a:extLst>
           </p:cNvPr>
@@ -8917,8 +9515,116 @@
         </p:blipFill>
         <p:spPr>
           <a:xfrm>
-            <a:off x="690873" y="1721083"/>
-            <a:ext cx="690525" cy="428852"/>
+            <a:off x="8054910" y="3403049"/>
+            <a:ext cx="928904" cy="280037"/>
+          </a:xfrm>
+          <a:prstGeom prst="rect">
+            <a:avLst/>
+          </a:prstGeom>
+        </p:spPr>
+      </p:pic>
+      <p:pic>
+        <p:nvPicPr>
+          <p:cNvPr id="34" name="Picture 33" descr="Logo&#10;&#10;Description automatically generated">
+            <a:extLst>
+              <a:ext uri="{FF2B5EF4-FFF2-40B4-BE49-F238E27FC236}">
+                <a16:creationId xmlns:a16="http://schemas.microsoft.com/office/drawing/2014/main" id="{C1DB4A3D-313D-474C-B491-091149718D46}"/>
+              </a:ext>
+            </a:extLst>
+          </p:cNvPr>
+          <p:cNvPicPr>
+            <a:picLocks noChangeAspect="1"/>
+          </p:cNvPicPr>
+          <p:nvPr/>
+        </p:nvPicPr>
+        <p:blipFill>
+          <a:blip r:embed="rId17">
+            <a:extLst>
+              <a:ext uri="{28A0092B-C50C-407E-A947-70E740481C1C}">
+                <a14:useLocalDpi xmlns:a14="http://schemas.microsoft.com/office/drawing/2010/main" val="0"/>
+              </a:ext>
+            </a:extLst>
+          </a:blip>
+          <a:stretch>
+            <a:fillRect/>
+          </a:stretch>
+        </p:blipFill>
+        <p:spPr>
+          <a:xfrm>
+            <a:off x="6982557" y="4092831"/>
+            <a:ext cx="928904" cy="805564"/>
+          </a:xfrm>
+          <a:prstGeom prst="rect">
+            <a:avLst/>
+          </a:prstGeom>
+        </p:spPr>
+      </p:pic>
+      <p:pic>
+        <p:nvPicPr>
+          <p:cNvPr id="38" name="Picture 37" descr="Logo, company name&#10;&#10;Description automatically generated">
+            <a:extLst>
+              <a:ext uri="{FF2B5EF4-FFF2-40B4-BE49-F238E27FC236}">
+                <a16:creationId xmlns:a16="http://schemas.microsoft.com/office/drawing/2014/main" id="{7362AFC1-DDBC-47F1-8219-AD07B83719A0}"/>
+              </a:ext>
+            </a:extLst>
+          </p:cNvPr>
+          <p:cNvPicPr>
+            <a:picLocks noChangeAspect="1"/>
+          </p:cNvPicPr>
+          <p:nvPr/>
+        </p:nvPicPr>
+        <p:blipFill>
+          <a:blip r:embed="rId18">
+            <a:extLst>
+              <a:ext uri="{28A0092B-C50C-407E-A947-70E740481C1C}">
+                <a14:useLocalDpi xmlns:a14="http://schemas.microsoft.com/office/drawing/2010/main" val="0"/>
+              </a:ext>
+            </a:extLst>
+          </a:blip>
+          <a:stretch>
+            <a:fillRect/>
+          </a:stretch>
+        </p:blipFill>
+        <p:spPr>
+          <a:xfrm>
+            <a:off x="7388738" y="2414992"/>
+            <a:ext cx="1139127" cy="641329"/>
+          </a:xfrm>
+          <a:prstGeom prst="rect">
+            <a:avLst/>
+          </a:prstGeom>
+        </p:spPr>
+      </p:pic>
+      <p:pic>
+        <p:nvPicPr>
+          <p:cNvPr id="40" name="Picture 39" descr="Logo&#10;&#10;Description automatically generated">
+            <a:extLst>
+              <a:ext uri="{FF2B5EF4-FFF2-40B4-BE49-F238E27FC236}">
+                <a16:creationId xmlns:a16="http://schemas.microsoft.com/office/drawing/2014/main" id="{D8B4BBFE-F660-4E05-9C43-CF80E2746FAE}"/>
+              </a:ext>
+            </a:extLst>
+          </p:cNvPr>
+          <p:cNvPicPr>
+            <a:picLocks noChangeAspect="1"/>
+          </p:cNvPicPr>
+          <p:nvPr/>
+        </p:nvPicPr>
+        <p:blipFill>
+          <a:blip r:embed="rId19">
+            <a:extLst>
+              <a:ext uri="{28A0092B-C50C-407E-A947-70E740481C1C}">
+                <a14:useLocalDpi xmlns:a14="http://schemas.microsoft.com/office/drawing/2010/main" val="0"/>
+              </a:ext>
+            </a:extLst>
+          </a:blip>
+          <a:stretch>
+            <a:fillRect/>
+          </a:stretch>
+        </p:blipFill>
+        <p:spPr>
+          <a:xfrm>
+            <a:off x="5840980" y="2312139"/>
+            <a:ext cx="898795" cy="716040"/>
           </a:xfrm>
           <a:prstGeom prst="rect">
             <a:avLst/>
@@ -8928,7 +9634,7 @@
     </p:spTree>
     <p:extLst>
       <p:ext uri="{BB962C8B-B14F-4D97-AF65-F5344CB8AC3E}">
-        <p14:creationId xmlns:p14="http://schemas.microsoft.com/office/powerpoint/2010/main" val="1886572131"/>
+        <p14:creationId xmlns:p14="http://schemas.microsoft.com/office/powerpoint/2010/main" val="1366290483"/>
       </p:ext>
     </p:extLst>
   </p:cSld>
@@ -8938,7 +9644,7 @@
 </p:sld>
 </file>
 
-<file path=ppt/slides/slide4.xml><?xml version="1.0" encoding="utf-8"?>
+<file path=ppt/slides/slide13.xml><?xml version="1.0" encoding="utf-8"?>
 <p:sld xmlns:a="http://schemas.openxmlformats.org/drawingml/2006/main" xmlns:r="http://schemas.openxmlformats.org/officeDocument/2006/relationships" xmlns:p="http://schemas.openxmlformats.org/presentationml/2006/main">
   <p:cSld>
     <p:spTree>
@@ -9527,6 +10233,6170 @@
           <a:p>
             <a:fld id="{3326F55E-B2F8-46C6-958B-87902B1FD1A5}" type="slidenum">
               <a:rPr lang="en-IN" smtClean="0"/>
+              <a:t>13</a:t>
+            </a:fld>
+            <a:endParaRPr lang="en-IN"/>
+          </a:p>
+        </p:txBody>
+      </p:sp>
+      <p:pic>
+        <p:nvPicPr>
+          <p:cNvPr id="3" name="Picture 2" descr="A picture containing application&#10;&#10;Description automatically generated">
+            <a:extLst>
+              <a:ext uri="{FF2B5EF4-FFF2-40B4-BE49-F238E27FC236}">
+                <a16:creationId xmlns:a16="http://schemas.microsoft.com/office/drawing/2014/main" id="{A8421A66-CF66-425E-B268-7816B9B1A4CC}"/>
+              </a:ext>
+            </a:extLst>
+          </p:cNvPr>
+          <p:cNvPicPr>
+            <a:picLocks noChangeAspect="1"/>
+          </p:cNvPicPr>
+          <p:nvPr/>
+        </p:nvPicPr>
+        <p:blipFill>
+          <a:blip r:embed="rId2">
+            <a:alphaModFix amt="5000"/>
+            <a:extLst>
+              <a:ext uri="{28A0092B-C50C-407E-A947-70E740481C1C}">
+                <a14:useLocalDpi xmlns:a14="http://schemas.microsoft.com/office/drawing/2010/main" val="0"/>
+              </a:ext>
+            </a:extLst>
+          </a:blip>
+          <a:stretch>
+            <a:fillRect/>
+          </a:stretch>
+        </p:blipFill>
+        <p:spPr>
+          <a:xfrm>
+            <a:off x="8242311" y="1799112"/>
+            <a:ext cx="2761742" cy="1546576"/>
+          </a:xfrm>
+          <a:prstGeom prst="rect">
+            <a:avLst/>
+          </a:prstGeom>
+        </p:spPr>
+      </p:pic>
+      <p:pic>
+        <p:nvPicPr>
+          <p:cNvPr id="8" name="Picture 7" descr="Icon&#10;&#10;Description automatically generated">
+            <a:extLst>
+              <a:ext uri="{FF2B5EF4-FFF2-40B4-BE49-F238E27FC236}">
+                <a16:creationId xmlns:a16="http://schemas.microsoft.com/office/drawing/2014/main" id="{8A1A7B1D-37CD-4C16-AF9C-2765E77E8242}"/>
+              </a:ext>
+            </a:extLst>
+          </p:cNvPr>
+          <p:cNvPicPr>
+            <a:picLocks noChangeAspect="1"/>
+          </p:cNvPicPr>
+          <p:nvPr/>
+        </p:nvPicPr>
+        <p:blipFill>
+          <a:blip r:embed="rId3">
+            <a:alphaModFix amt="20000"/>
+            <a:extLst>
+              <a:ext uri="{28A0092B-C50C-407E-A947-70E740481C1C}">
+                <a14:useLocalDpi xmlns:a14="http://schemas.microsoft.com/office/drawing/2010/main" val="0"/>
+              </a:ext>
+            </a:extLst>
+          </a:blip>
+          <a:stretch>
+            <a:fillRect/>
+          </a:stretch>
+        </p:blipFill>
+        <p:spPr>
+          <a:xfrm>
+            <a:off x="241451" y="5664502"/>
+            <a:ext cx="1095322" cy="1095322"/>
+          </a:xfrm>
+          <a:prstGeom prst="rect">
+            <a:avLst/>
+          </a:prstGeom>
+        </p:spPr>
+      </p:pic>
+      <p:pic>
+        <p:nvPicPr>
+          <p:cNvPr id="11" name="Picture 10" descr="Logo, company name&#10;&#10;Description automatically generated">
+            <a:extLst>
+              <a:ext uri="{FF2B5EF4-FFF2-40B4-BE49-F238E27FC236}">
+                <a16:creationId xmlns:a16="http://schemas.microsoft.com/office/drawing/2014/main" id="{45CD60BA-EFBE-4963-9084-F0CC2663D9DE}"/>
+              </a:ext>
+            </a:extLst>
+          </p:cNvPr>
+          <p:cNvPicPr>
+            <a:picLocks noChangeAspect="1"/>
+          </p:cNvPicPr>
+          <p:nvPr/>
+        </p:nvPicPr>
+        <p:blipFill>
+          <a:blip r:embed="rId4">
+            <a:alphaModFix amt="20000"/>
+            <a:extLst>
+              <a:ext uri="{28A0092B-C50C-407E-A947-70E740481C1C}">
+                <a14:useLocalDpi xmlns:a14="http://schemas.microsoft.com/office/drawing/2010/main" val="0"/>
+              </a:ext>
+            </a:extLst>
+          </a:blip>
+          <a:stretch>
+            <a:fillRect/>
+          </a:stretch>
+        </p:blipFill>
+        <p:spPr>
+          <a:xfrm>
+            <a:off x="440516" y="3683086"/>
+            <a:ext cx="1095321" cy="728886"/>
+          </a:xfrm>
+          <a:prstGeom prst="rect">
+            <a:avLst/>
+          </a:prstGeom>
+        </p:spPr>
+      </p:pic>
+      <p:pic>
+        <p:nvPicPr>
+          <p:cNvPr id="23" name="Picture 22" descr="Icon&#10;&#10;Description automatically generated">
+            <a:extLst>
+              <a:ext uri="{FF2B5EF4-FFF2-40B4-BE49-F238E27FC236}">
+                <a16:creationId xmlns:a16="http://schemas.microsoft.com/office/drawing/2014/main" id="{145C2445-9D33-41DC-A11E-E8225FD08D20}"/>
+              </a:ext>
+            </a:extLst>
+          </p:cNvPr>
+          <p:cNvPicPr>
+            <a:picLocks noChangeAspect="1"/>
+          </p:cNvPicPr>
+          <p:nvPr/>
+        </p:nvPicPr>
+        <p:blipFill>
+          <a:blip r:embed="rId5">
+            <a:alphaModFix amt="5000"/>
+            <a:extLst>
+              <a:ext uri="{28A0092B-C50C-407E-A947-70E740481C1C}">
+                <a14:useLocalDpi xmlns:a14="http://schemas.microsoft.com/office/drawing/2010/main" val="0"/>
+              </a:ext>
+            </a:extLst>
+          </a:blip>
+          <a:stretch>
+            <a:fillRect/>
+          </a:stretch>
+        </p:blipFill>
+        <p:spPr>
+          <a:xfrm>
+            <a:off x="679301" y="1856317"/>
+            <a:ext cx="991369" cy="991369"/>
+          </a:xfrm>
+          <a:prstGeom prst="rect">
+            <a:avLst/>
+          </a:prstGeom>
+        </p:spPr>
+      </p:pic>
+      <p:pic>
+        <p:nvPicPr>
+          <p:cNvPr id="27" name="Picture 26" descr="Icon&#10;&#10;Description automatically generated">
+            <a:extLst>
+              <a:ext uri="{FF2B5EF4-FFF2-40B4-BE49-F238E27FC236}">
+                <a16:creationId xmlns:a16="http://schemas.microsoft.com/office/drawing/2014/main" id="{AC689997-C9F1-473E-9628-717E2E675027}"/>
+              </a:ext>
+            </a:extLst>
+          </p:cNvPr>
+          <p:cNvPicPr>
+            <a:picLocks noChangeAspect="1"/>
+          </p:cNvPicPr>
+          <p:nvPr/>
+        </p:nvPicPr>
+        <p:blipFill>
+          <a:blip r:embed="rId6">
+            <a:alphaModFix amt="20000"/>
+            <a:extLst>
+              <a:ext uri="{28A0092B-C50C-407E-A947-70E740481C1C}">
+                <a14:useLocalDpi xmlns:a14="http://schemas.microsoft.com/office/drawing/2010/main" val="0"/>
+              </a:ext>
+            </a:extLst>
+          </a:blip>
+          <a:stretch>
+            <a:fillRect/>
+          </a:stretch>
+        </p:blipFill>
+        <p:spPr>
+          <a:xfrm>
+            <a:off x="10050680" y="4158335"/>
+            <a:ext cx="1210965" cy="1004215"/>
+          </a:xfrm>
+          <a:prstGeom prst="rect">
+            <a:avLst/>
+          </a:prstGeom>
+        </p:spPr>
+      </p:pic>
+      <p:pic>
+        <p:nvPicPr>
+          <p:cNvPr id="29" name="Picture 28" descr="Icon&#10;&#10;Description automatically generated">
+            <a:extLst>
+              <a:ext uri="{FF2B5EF4-FFF2-40B4-BE49-F238E27FC236}">
+                <a16:creationId xmlns:a16="http://schemas.microsoft.com/office/drawing/2014/main" id="{AB2C0348-A112-4CC4-A3E4-1C4E414EEB78}"/>
+              </a:ext>
+            </a:extLst>
+          </p:cNvPr>
+          <p:cNvPicPr>
+            <a:picLocks noChangeAspect="1"/>
+          </p:cNvPicPr>
+          <p:nvPr/>
+        </p:nvPicPr>
+        <p:blipFill>
+          <a:blip r:embed="rId7">
+            <a:alphaModFix amt="20000"/>
+            <a:extLst>
+              <a:ext uri="{28A0092B-C50C-407E-A947-70E740481C1C}">
+                <a14:useLocalDpi xmlns:a14="http://schemas.microsoft.com/office/drawing/2010/main" val="0"/>
+              </a:ext>
+            </a:extLst>
+          </a:blip>
+          <a:stretch>
+            <a:fillRect/>
+          </a:stretch>
+        </p:blipFill>
+        <p:spPr>
+          <a:xfrm>
+            <a:off x="5131575" y="129118"/>
+            <a:ext cx="1362717" cy="716525"/>
+          </a:xfrm>
+          <a:prstGeom prst="rect">
+            <a:avLst/>
+          </a:prstGeom>
+        </p:spPr>
+      </p:pic>
+      <p:pic>
+        <p:nvPicPr>
+          <p:cNvPr id="31" name="Picture 30" descr="Logo, company name&#10;&#10;Description automatically generated">
+            <a:extLst>
+              <a:ext uri="{FF2B5EF4-FFF2-40B4-BE49-F238E27FC236}">
+                <a16:creationId xmlns:a16="http://schemas.microsoft.com/office/drawing/2014/main" id="{ACF5D9A4-A045-46AD-BE40-50630DB00AF4}"/>
+              </a:ext>
+            </a:extLst>
+          </p:cNvPr>
+          <p:cNvPicPr>
+            <a:picLocks noChangeAspect="1"/>
+          </p:cNvPicPr>
+          <p:nvPr/>
+        </p:nvPicPr>
+        <p:blipFill>
+          <a:blip r:embed="rId8">
+            <a:alphaModFix amt="20000"/>
+            <a:extLst>
+              <a:ext uri="{28A0092B-C50C-407E-A947-70E740481C1C}">
+                <a14:useLocalDpi xmlns:a14="http://schemas.microsoft.com/office/drawing/2010/main" val="0"/>
+              </a:ext>
+            </a:extLst>
+          </a:blip>
+          <a:stretch>
+            <a:fillRect/>
+          </a:stretch>
+        </p:blipFill>
+        <p:spPr>
+          <a:xfrm>
+            <a:off x="7867437" y="-85917"/>
+            <a:ext cx="1157328" cy="1157328"/>
+          </a:xfrm>
+          <a:prstGeom prst="rect">
+            <a:avLst/>
+          </a:prstGeom>
+        </p:spPr>
+      </p:pic>
+      <p:pic>
+        <p:nvPicPr>
+          <p:cNvPr id="33" name="Picture 32" descr="Logo&#10;&#10;Description automatically generated with medium confidence">
+            <a:extLst>
+              <a:ext uri="{FF2B5EF4-FFF2-40B4-BE49-F238E27FC236}">
+                <a16:creationId xmlns:a16="http://schemas.microsoft.com/office/drawing/2014/main" id="{DD608B77-41A7-4C1F-839A-B3EC2597EC6E}"/>
+              </a:ext>
+            </a:extLst>
+          </p:cNvPr>
+          <p:cNvPicPr>
+            <a:picLocks noChangeAspect="1"/>
+          </p:cNvPicPr>
+          <p:nvPr/>
+        </p:nvPicPr>
+        <p:blipFill>
+          <a:blip r:embed="rId9">
+            <a:alphaModFix amt="20000"/>
+            <a:extLst>
+              <a:ext uri="{28A0092B-C50C-407E-A947-70E740481C1C}">
+                <a14:useLocalDpi xmlns:a14="http://schemas.microsoft.com/office/drawing/2010/main" val="0"/>
+              </a:ext>
+            </a:extLst>
+          </a:blip>
+          <a:stretch>
+            <a:fillRect/>
+          </a:stretch>
+        </p:blipFill>
+        <p:spPr>
+          <a:xfrm>
+            <a:off x="3541522" y="5328895"/>
+            <a:ext cx="928904" cy="671214"/>
+          </a:xfrm>
+          <a:prstGeom prst="rect">
+            <a:avLst/>
+          </a:prstGeom>
+        </p:spPr>
+      </p:pic>
+      <p:pic>
+        <p:nvPicPr>
+          <p:cNvPr id="35" name="Picture 34" descr="Icon&#10;&#10;Description automatically generated">
+            <a:extLst>
+              <a:ext uri="{FF2B5EF4-FFF2-40B4-BE49-F238E27FC236}">
+                <a16:creationId xmlns:a16="http://schemas.microsoft.com/office/drawing/2014/main" id="{A8F294EA-2D1A-4FD8-A191-CD721672A727}"/>
+              </a:ext>
+            </a:extLst>
+          </p:cNvPr>
+          <p:cNvPicPr>
+            <a:picLocks noChangeAspect="1"/>
+          </p:cNvPicPr>
+          <p:nvPr/>
+        </p:nvPicPr>
+        <p:blipFill>
+          <a:blip r:embed="rId10">
+            <a:alphaModFix amt="20000"/>
+            <a:extLst>
+              <a:ext uri="{28A0092B-C50C-407E-A947-70E740481C1C}">
+                <a14:useLocalDpi xmlns:a14="http://schemas.microsoft.com/office/drawing/2010/main" val="0"/>
+              </a:ext>
+            </a:extLst>
+          </a:blip>
+          <a:stretch>
+            <a:fillRect/>
+          </a:stretch>
+        </p:blipFill>
+        <p:spPr>
+          <a:xfrm>
+            <a:off x="1778274" y="148168"/>
+            <a:ext cx="650376" cy="689159"/>
+          </a:xfrm>
+          <a:prstGeom prst="rect">
+            <a:avLst/>
+          </a:prstGeom>
+        </p:spPr>
+      </p:pic>
+      <p:pic>
+        <p:nvPicPr>
+          <p:cNvPr id="37" name="Picture 36" descr="Logo, company name&#10;&#10;Description automatically generated">
+            <a:extLst>
+              <a:ext uri="{FF2B5EF4-FFF2-40B4-BE49-F238E27FC236}">
+                <a16:creationId xmlns:a16="http://schemas.microsoft.com/office/drawing/2014/main" id="{A70DFA68-C381-45CC-B6BA-275F026B67B1}"/>
+              </a:ext>
+            </a:extLst>
+          </p:cNvPr>
+          <p:cNvPicPr>
+            <a:picLocks noChangeAspect="1"/>
+          </p:cNvPicPr>
+          <p:nvPr/>
+        </p:nvPicPr>
+        <p:blipFill>
+          <a:blip r:embed="rId11">
+            <a:extLst>
+              <a:ext uri="{28A0092B-C50C-407E-A947-70E740481C1C}">
+                <a14:useLocalDpi xmlns:a14="http://schemas.microsoft.com/office/drawing/2010/main" val="0"/>
+              </a:ext>
+            </a:extLst>
+          </a:blip>
+          <a:stretch>
+            <a:fillRect/>
+          </a:stretch>
+        </p:blipFill>
+        <p:spPr>
+          <a:xfrm>
+            <a:off x="9747682" y="-24262"/>
+            <a:ext cx="2444318" cy="1480838"/>
+          </a:xfrm>
+          <a:prstGeom prst="rect">
+            <a:avLst/>
+          </a:prstGeom>
+        </p:spPr>
+      </p:pic>
+      <p:sp>
+        <p:nvSpPr>
+          <p:cNvPr id="7" name="TextBox 6">
+            <a:extLst>
+              <a:ext uri="{FF2B5EF4-FFF2-40B4-BE49-F238E27FC236}">
+                <a16:creationId xmlns:a16="http://schemas.microsoft.com/office/drawing/2014/main" id="{781201A3-EEB3-47D8-941D-179B7642FE59}"/>
+              </a:ext>
+            </a:extLst>
+          </p:cNvPr>
+          <p:cNvSpPr txBox="1"/>
+          <p:nvPr/>
+        </p:nvSpPr>
+        <p:spPr>
+          <a:xfrm>
+            <a:off x="846721" y="809801"/>
+            <a:ext cx="3561937" cy="523220"/>
+          </a:xfrm>
+          <a:prstGeom prst="rect">
+            <a:avLst/>
+          </a:prstGeom>
+          <a:noFill/>
+        </p:spPr>
+        <p:txBody>
+          <a:bodyPr wrap="none" rtlCol="0">
+            <a:spAutoFit/>
+          </a:bodyPr>
+          <a:lstStyle/>
+          <a:p>
+            <a:r>
+              <a:rPr lang="en-IN" sz="2800" b="1" i="1" dirty="0">
+                <a:solidFill>
+                  <a:schemeClr val="accent2">
+                    <a:lumMod val="75000"/>
+                  </a:schemeClr>
+                </a:solidFill>
+                <a:latin typeface="+mj-lt"/>
+              </a:rPr>
+              <a:t>Linux Operating System </a:t>
+            </a:r>
+            <a:endParaRPr lang="en-IN" b="1" i="1" u="sng" dirty="0">
+              <a:solidFill>
+                <a:schemeClr val="accent1">
+                  <a:lumMod val="75000"/>
+                </a:schemeClr>
+              </a:solidFill>
+              <a:latin typeface="+mj-lt"/>
+            </a:endParaRPr>
+          </a:p>
+        </p:txBody>
+      </p:sp>
+      <p:sp>
+        <p:nvSpPr>
+          <p:cNvPr id="5" name="TextBox 4">
+            <a:extLst>
+              <a:ext uri="{FF2B5EF4-FFF2-40B4-BE49-F238E27FC236}">
+                <a16:creationId xmlns:a16="http://schemas.microsoft.com/office/drawing/2014/main" id="{34F8B000-1200-4DDE-B999-BAC92D306A72}"/>
+              </a:ext>
+            </a:extLst>
+          </p:cNvPr>
+          <p:cNvSpPr txBox="1"/>
+          <p:nvPr/>
+        </p:nvSpPr>
+        <p:spPr>
+          <a:xfrm>
+            <a:off x="1685908" y="1625322"/>
+            <a:ext cx="2383666" cy="369332"/>
+          </a:xfrm>
+          <a:prstGeom prst="rect">
+            <a:avLst/>
+          </a:prstGeom>
+          <a:noFill/>
+        </p:spPr>
+        <p:txBody>
+          <a:bodyPr wrap="none" rtlCol="0">
+            <a:spAutoFit/>
+          </a:bodyPr>
+          <a:lstStyle/>
+          <a:p>
+            <a:r>
+              <a:rPr lang="en-IN" dirty="0"/>
+              <a:t>Different Shells in Linux</a:t>
+            </a:r>
+          </a:p>
+        </p:txBody>
+      </p:sp>
+      <p:sp>
+        <p:nvSpPr>
+          <p:cNvPr id="13" name="TextBox 12">
+            <a:extLst>
+              <a:ext uri="{FF2B5EF4-FFF2-40B4-BE49-F238E27FC236}">
+                <a16:creationId xmlns:a16="http://schemas.microsoft.com/office/drawing/2014/main" id="{0FBD8E5A-C9B5-4FC8-BECF-79EECB0496F7}"/>
+              </a:ext>
+            </a:extLst>
+          </p:cNvPr>
+          <p:cNvSpPr txBox="1"/>
+          <p:nvPr/>
+        </p:nvSpPr>
+        <p:spPr>
+          <a:xfrm>
+            <a:off x="1749634" y="2155443"/>
+            <a:ext cx="7572907" cy="1754326"/>
+          </a:xfrm>
+          <a:prstGeom prst="rect">
+            <a:avLst/>
+          </a:prstGeom>
+          <a:noFill/>
+        </p:spPr>
+        <p:txBody>
+          <a:bodyPr wrap="none" rtlCol="0">
+            <a:spAutoFit/>
+          </a:bodyPr>
+          <a:lstStyle/>
+          <a:p>
+            <a:pPr marL="342900" indent="-342900">
+              <a:buFont typeface="+mj-lt"/>
+              <a:buAutoNum type="arabicPeriod"/>
+            </a:pPr>
+            <a:r>
+              <a:rPr lang="en-IN" dirty="0" err="1"/>
+              <a:t>Bourne</a:t>
+            </a:r>
+            <a:r>
+              <a:rPr lang="en-IN" dirty="0"/>
+              <a:t> Shell - </a:t>
+            </a:r>
+          </a:p>
+          <a:p>
+            <a:pPr marL="342900" indent="-342900">
+              <a:buFont typeface="+mj-lt"/>
+              <a:buAutoNum type="arabicPeriod"/>
+            </a:pPr>
+            <a:r>
+              <a:rPr lang="en-IN" dirty="0"/>
+              <a:t>C Shell – Default prompt is ‘</a:t>
+            </a:r>
+            <a:r>
+              <a:rPr lang="en-IN" b="1" dirty="0">
+                <a:solidFill>
+                  <a:schemeClr val="accent1"/>
+                </a:solidFill>
+              </a:rPr>
+              <a:t>%’</a:t>
+            </a:r>
+            <a:r>
+              <a:rPr lang="en-IN" dirty="0"/>
+              <a:t> and root user prompt is </a:t>
+            </a:r>
+            <a:r>
+              <a:rPr lang="en-IN" b="1" i="1" dirty="0">
+                <a:solidFill>
+                  <a:schemeClr val="accent1"/>
+                </a:solidFill>
+              </a:rPr>
+              <a:t>‘#’</a:t>
+            </a:r>
+          </a:p>
+          <a:p>
+            <a:pPr marL="342900" indent="-342900">
+              <a:buFont typeface="+mj-lt"/>
+              <a:buAutoNum type="arabicPeriod"/>
+            </a:pPr>
+            <a:r>
+              <a:rPr lang="en-IN" dirty="0" err="1"/>
+              <a:t>Bourne</a:t>
+            </a:r>
+            <a:r>
+              <a:rPr lang="en-IN" dirty="0"/>
+              <a:t> Again Shell(bash) – Default prompt is ‘</a:t>
+            </a:r>
+            <a:r>
+              <a:rPr lang="en-IN" b="1" i="1" dirty="0">
+                <a:solidFill>
+                  <a:schemeClr val="accent1"/>
+                </a:solidFill>
+              </a:rPr>
+              <a:t>$</a:t>
+            </a:r>
+            <a:r>
+              <a:rPr lang="en-IN" dirty="0"/>
+              <a:t>’ and root user prompt is ‘</a:t>
+            </a:r>
+            <a:r>
+              <a:rPr lang="en-IN" b="1" i="1" dirty="0">
+                <a:solidFill>
+                  <a:schemeClr val="accent1"/>
+                </a:solidFill>
+              </a:rPr>
+              <a:t>#</a:t>
+            </a:r>
+            <a:r>
+              <a:rPr lang="en-IN" dirty="0"/>
+              <a:t>’</a:t>
+            </a:r>
+          </a:p>
+          <a:p>
+            <a:pPr marL="342900" indent="-342900">
+              <a:buFont typeface="+mj-lt"/>
+              <a:buAutoNum type="arabicPeriod"/>
+            </a:pPr>
+            <a:r>
+              <a:rPr lang="en-IN" dirty="0"/>
+              <a:t>Fish – Friendly interactive shell</a:t>
+            </a:r>
+          </a:p>
+          <a:p>
+            <a:pPr marL="342900" indent="-342900">
+              <a:buFont typeface="+mj-lt"/>
+              <a:buAutoNum type="arabicPeriod"/>
+            </a:pPr>
+            <a:r>
+              <a:rPr lang="en-IN" dirty="0"/>
+              <a:t>Korn Shell</a:t>
+            </a:r>
+          </a:p>
+          <a:p>
+            <a:pPr marL="342900" indent="-342900">
+              <a:buFont typeface="+mj-lt"/>
+              <a:buAutoNum type="arabicPeriod"/>
+            </a:pPr>
+            <a:r>
+              <a:rPr lang="en-IN" dirty="0" err="1"/>
+              <a:t>zsh</a:t>
+            </a:r>
+            <a:endParaRPr lang="en-IN" dirty="0"/>
+          </a:p>
+        </p:txBody>
+      </p:sp>
+    </p:spTree>
+    <p:extLst>
+      <p:ext uri="{BB962C8B-B14F-4D97-AF65-F5344CB8AC3E}">
+        <p14:creationId xmlns:p14="http://schemas.microsoft.com/office/powerpoint/2010/main" val="3210965929"/>
+      </p:ext>
+    </p:extLst>
+  </p:cSld>
+  <p:clrMapOvr>
+    <a:masterClrMapping/>
+  </p:clrMapOvr>
+</p:sld>
+</file>
+
+<file path=ppt/slides/slide14.xml><?xml version="1.0" encoding="utf-8"?>
+<p:sld xmlns:a="http://schemas.openxmlformats.org/drawingml/2006/main" xmlns:r="http://schemas.openxmlformats.org/officeDocument/2006/relationships" xmlns:p="http://schemas.openxmlformats.org/presentationml/2006/main">
+  <p:cSld>
+    <p:spTree>
+      <p:nvGrpSpPr>
+        <p:cNvPr id="1" name=""/>
+        <p:cNvGrpSpPr/>
+        <p:nvPr/>
+      </p:nvGrpSpPr>
+      <p:grpSpPr>
+        <a:xfrm>
+          <a:off x="0" y="0"/>
+          <a:ext cx="0" cy="0"/>
+          <a:chOff x="0" y="0"/>
+          <a:chExt cx="0" cy="0"/>
+        </a:xfrm>
+      </p:grpSpPr>
+      <p:sp>
+        <p:nvSpPr>
+          <p:cNvPr id="10" name="Rectangle 9">
+            <a:extLst>
+              <a:ext uri="{FF2B5EF4-FFF2-40B4-BE49-F238E27FC236}">
+                <a16:creationId xmlns:a16="http://schemas.microsoft.com/office/drawing/2014/main" id="{F3060C83-F051-4F0E-ABAD-AA0DFC48B218}"/>
+              </a:ext>
+              <a:ext uri="{C183D7F6-B498-43B3-948B-1728B52AA6E4}">
+                <adec:decorative xmlns:adec="http://schemas.microsoft.com/office/drawing/2017/decorative" val="1"/>
+              </a:ext>
+            </a:extLst>
+          </p:cNvPr>
+          <p:cNvSpPr>
+            <a:spLocks noGrp="1" noRot="1" noChangeAspect="1" noMove="1" noResize="1" noEditPoints="1" noAdjustHandles="1" noChangeArrowheads="1" noChangeShapeType="1" noTextEdit="1"/>
+          </p:cNvSpPr>
+          <p:nvPr>
+            <p:extLst>
+              <p:ext uri="{386F3935-93C4-4BCD-93E2-E3B085C9AB24}">
+                <p16:designElem xmlns:p16="http://schemas.microsoft.com/office/powerpoint/2015/main" val="1"/>
+              </p:ext>
+            </p:extLst>
+          </p:nvPr>
+        </p:nvSpPr>
+        <p:spPr>
+          <a:xfrm>
+            <a:off x="0" y="0"/>
+            <a:ext cx="12192000" cy="6858000"/>
+          </a:xfrm>
+          <a:prstGeom prst="rect">
+            <a:avLst/>
+          </a:prstGeom>
+          <a:solidFill>
+            <a:schemeClr val="bg1"/>
+          </a:solidFill>
+          <a:ln>
+            <a:noFill/>
+          </a:ln>
+        </p:spPr>
+        <p:style>
+          <a:lnRef idx="2">
+            <a:schemeClr val="accent1">
+              <a:shade val="50000"/>
+            </a:schemeClr>
+          </a:lnRef>
+          <a:fillRef idx="1">
+            <a:schemeClr val="accent1"/>
+          </a:fillRef>
+          <a:effectRef idx="0">
+            <a:schemeClr val="accent1"/>
+          </a:effectRef>
+          <a:fontRef idx="minor">
+            <a:schemeClr val="lt1"/>
+          </a:fontRef>
+        </p:style>
+        <p:txBody>
+          <a:bodyPr rtlCol="0" anchor="ctr"/>
+          <a:lstStyle/>
+          <a:p>
+            <a:pPr algn="ctr"/>
+            <a:endParaRPr lang="en-US" dirty="0"/>
+          </a:p>
+        </p:txBody>
+      </p:sp>
+      <p:sp>
+        <p:nvSpPr>
+          <p:cNvPr id="12" name="Freeform: Shape 11">
+            <a:extLst>
+              <a:ext uri="{FF2B5EF4-FFF2-40B4-BE49-F238E27FC236}">
+                <a16:creationId xmlns:a16="http://schemas.microsoft.com/office/drawing/2014/main" id="{83C98ABE-055B-441F-B07E-44F97F083C39}"/>
+              </a:ext>
+              <a:ext uri="{C183D7F6-B498-43B3-948B-1728B52AA6E4}">
+                <adec:decorative xmlns:adec="http://schemas.microsoft.com/office/drawing/2017/decorative" val="1"/>
+              </a:ext>
+            </a:extLst>
+          </p:cNvPr>
+          <p:cNvSpPr>
+            <a:spLocks noGrp="1" noRot="1" noChangeAspect="1" noMove="1" noResize="1" noEditPoints="1" noAdjustHandles="1" noChangeArrowheads="1" noChangeShapeType="1" noTextEdit="1"/>
+          </p:cNvSpPr>
+          <p:nvPr>
+            <p:extLst>
+              <p:ext uri="{386F3935-93C4-4BCD-93E2-E3B085C9AB24}">
+                <p16:designElem xmlns:p16="http://schemas.microsoft.com/office/powerpoint/2015/main" val="1"/>
+              </p:ext>
+            </p:extLst>
+          </p:nvPr>
+        </p:nvSpPr>
+        <p:spPr>
+          <a:xfrm rot="18900000" flipH="1">
+            <a:off x="-376156" y="-253670"/>
+            <a:ext cx="1827638" cy="1376989"/>
+          </a:xfrm>
+          <a:custGeom>
+            <a:avLst/>
+            <a:gdLst>
+              <a:gd name="connsiteX0" fmla="*/ 0 w 1827638"/>
+              <a:gd name="connsiteY0" fmla="*/ 987379 h 1376989"/>
+              <a:gd name="connsiteX1" fmla="*/ 987379 w 1827638"/>
+              <a:gd name="connsiteY1" fmla="*/ 0 h 1376989"/>
+              <a:gd name="connsiteX2" fmla="*/ 1827638 w 1827638"/>
+              <a:gd name="connsiteY2" fmla="*/ 840260 h 1376989"/>
+              <a:gd name="connsiteX3" fmla="*/ 1827638 w 1827638"/>
+              <a:gd name="connsiteY3" fmla="*/ 1376989 h 1376989"/>
+              <a:gd name="connsiteX4" fmla="*/ 0 w 1827638"/>
+              <a:gd name="connsiteY4" fmla="*/ 1376989 h 1376989"/>
+            </a:gdLst>
+            <a:ahLst/>
+            <a:cxnLst>
+              <a:cxn ang="0">
+                <a:pos x="connsiteX0" y="connsiteY0"/>
+              </a:cxn>
+              <a:cxn ang="0">
+                <a:pos x="connsiteX1" y="connsiteY1"/>
+              </a:cxn>
+              <a:cxn ang="0">
+                <a:pos x="connsiteX2" y="connsiteY2"/>
+              </a:cxn>
+              <a:cxn ang="0">
+                <a:pos x="connsiteX3" y="connsiteY3"/>
+              </a:cxn>
+              <a:cxn ang="0">
+                <a:pos x="connsiteX4" y="connsiteY4"/>
+              </a:cxn>
+            </a:cxnLst>
+            <a:rect l="l" t="t" r="r" b="b"/>
+            <a:pathLst>
+              <a:path w="1827638" h="1376989">
+                <a:moveTo>
+                  <a:pt x="0" y="987379"/>
+                </a:moveTo>
+                <a:lnTo>
+                  <a:pt x="987379" y="0"/>
+                </a:lnTo>
+                <a:lnTo>
+                  <a:pt x="1827638" y="840260"/>
+                </a:lnTo>
+                <a:lnTo>
+                  <a:pt x="1827638" y="1376989"/>
+                </a:lnTo>
+                <a:lnTo>
+                  <a:pt x="0" y="1376989"/>
+                </a:lnTo>
+                <a:close/>
+              </a:path>
+            </a:pathLst>
+          </a:custGeom>
+          <a:solidFill>
+            <a:schemeClr val="accent1">
+              <a:alpha val="30000"/>
+            </a:schemeClr>
+          </a:solidFill>
+          <a:ln>
+            <a:noFill/>
+          </a:ln>
+        </p:spPr>
+        <p:style>
+          <a:lnRef idx="2">
+            <a:schemeClr val="accent1">
+              <a:shade val="50000"/>
+            </a:schemeClr>
+          </a:lnRef>
+          <a:fillRef idx="1">
+            <a:schemeClr val="accent1"/>
+          </a:fillRef>
+          <a:effectRef idx="0">
+            <a:schemeClr val="accent1"/>
+          </a:effectRef>
+          <a:fontRef idx="minor">
+            <a:schemeClr val="lt1"/>
+          </a:fontRef>
+        </p:style>
+        <p:txBody>
+          <a:bodyPr rtlCol="0" anchor="ctr"/>
+          <a:lstStyle/>
+          <a:p>
+            <a:pPr algn="ctr"/>
+            <a:endParaRPr lang="en-US" dirty="0"/>
+          </a:p>
+        </p:txBody>
+      </p:sp>
+      <p:sp>
+        <p:nvSpPr>
+          <p:cNvPr id="14" name="Rectangle 13">
+            <a:extLst>
+              <a:ext uri="{FF2B5EF4-FFF2-40B4-BE49-F238E27FC236}">
+                <a16:creationId xmlns:a16="http://schemas.microsoft.com/office/drawing/2014/main" id="{29FDB030-9B49-4CED-8CCD-4D99382388AC}"/>
+              </a:ext>
+              <a:ext uri="{C183D7F6-B498-43B3-948B-1728B52AA6E4}">
+                <adec:decorative xmlns:adec="http://schemas.microsoft.com/office/drawing/2017/decorative" val="1"/>
+              </a:ext>
+            </a:extLst>
+          </p:cNvPr>
+          <p:cNvSpPr>
+            <a:spLocks noGrp="1" noRot="1" noChangeAspect="1" noMove="1" noResize="1" noEditPoints="1" noAdjustHandles="1" noChangeArrowheads="1" noChangeShapeType="1" noTextEdit="1"/>
+          </p:cNvSpPr>
+          <p:nvPr>
+            <p:extLst>
+              <p:ext uri="{386F3935-93C4-4BCD-93E2-E3B085C9AB24}">
+                <p16:designElem xmlns:p16="http://schemas.microsoft.com/office/powerpoint/2015/main" val="1"/>
+              </p:ext>
+            </p:extLst>
+          </p:nvPr>
+        </p:nvSpPr>
+        <p:spPr>
+          <a:xfrm rot="18900000" flipH="1">
+            <a:off x="891641" y="422146"/>
+            <a:ext cx="645368" cy="645368"/>
+          </a:xfrm>
+          <a:prstGeom prst="rect">
+            <a:avLst/>
+          </a:prstGeom>
+          <a:solidFill>
+            <a:schemeClr val="accent1">
+              <a:alpha val="30000"/>
+            </a:schemeClr>
+          </a:solidFill>
+          <a:ln>
+            <a:noFill/>
+          </a:ln>
+        </p:spPr>
+        <p:style>
+          <a:lnRef idx="2">
+            <a:schemeClr val="accent1">
+              <a:shade val="50000"/>
+            </a:schemeClr>
+          </a:lnRef>
+          <a:fillRef idx="1">
+            <a:schemeClr val="accent1"/>
+          </a:fillRef>
+          <a:effectRef idx="0">
+            <a:schemeClr val="accent1"/>
+          </a:effectRef>
+          <a:fontRef idx="minor">
+            <a:schemeClr val="lt1"/>
+          </a:fontRef>
+        </p:style>
+        <p:txBody>
+          <a:bodyPr rtlCol="0" anchor="ctr"/>
+          <a:lstStyle/>
+          <a:p>
+            <a:pPr algn="ctr"/>
+            <a:endParaRPr lang="en-US"/>
+          </a:p>
+        </p:txBody>
+      </p:sp>
+      <p:sp>
+        <p:nvSpPr>
+          <p:cNvPr id="16" name="Rectangle 15">
+            <a:extLst>
+              <a:ext uri="{FF2B5EF4-FFF2-40B4-BE49-F238E27FC236}">
+                <a16:creationId xmlns:a16="http://schemas.microsoft.com/office/drawing/2014/main" id="{3783CA14-24A1-485C-8B30-D6A5D87987AD}"/>
+              </a:ext>
+              <a:ext uri="{C183D7F6-B498-43B3-948B-1728B52AA6E4}">
+                <adec:decorative xmlns:adec="http://schemas.microsoft.com/office/drawing/2017/decorative" val="1"/>
+              </a:ext>
+            </a:extLst>
+          </p:cNvPr>
+          <p:cNvSpPr>
+            <a:spLocks noGrp="1" noRot="1" noChangeAspect="1" noMove="1" noResize="1" noEditPoints="1" noAdjustHandles="1" noChangeArrowheads="1" noChangeShapeType="1" noTextEdit="1"/>
+          </p:cNvSpPr>
+          <p:nvPr>
+            <p:extLst>
+              <p:ext uri="{386F3935-93C4-4BCD-93E2-E3B085C9AB24}">
+                <p16:designElem xmlns:p16="http://schemas.microsoft.com/office/powerpoint/2015/main" val="1"/>
+              </p:ext>
+            </p:extLst>
+          </p:nvPr>
+        </p:nvSpPr>
+        <p:spPr>
+          <a:xfrm rot="18900000" flipH="1">
+            <a:off x="10043482" y="655140"/>
+            <a:ext cx="687472" cy="687472"/>
+          </a:xfrm>
+          <a:prstGeom prst="rect">
+            <a:avLst/>
+          </a:prstGeom>
+          <a:solidFill>
+            <a:schemeClr val="accent4">
+              <a:alpha val="30000"/>
+            </a:schemeClr>
+          </a:solidFill>
+          <a:ln>
+            <a:noFill/>
+          </a:ln>
+        </p:spPr>
+        <p:style>
+          <a:lnRef idx="2">
+            <a:schemeClr val="accent1">
+              <a:shade val="50000"/>
+            </a:schemeClr>
+          </a:lnRef>
+          <a:fillRef idx="1">
+            <a:schemeClr val="accent1"/>
+          </a:fillRef>
+          <a:effectRef idx="0">
+            <a:schemeClr val="accent1"/>
+          </a:effectRef>
+          <a:fontRef idx="minor">
+            <a:schemeClr val="lt1"/>
+          </a:fontRef>
+        </p:style>
+        <p:txBody>
+          <a:bodyPr rtlCol="0" anchor="ctr"/>
+          <a:lstStyle/>
+          <a:p>
+            <a:pPr algn="ctr"/>
+            <a:endParaRPr lang="en-US"/>
+          </a:p>
+        </p:txBody>
+      </p:sp>
+      <p:sp>
+        <p:nvSpPr>
+          <p:cNvPr id="18" name="Freeform: Shape 17">
+            <a:extLst>
+              <a:ext uri="{FF2B5EF4-FFF2-40B4-BE49-F238E27FC236}">
+                <a16:creationId xmlns:a16="http://schemas.microsoft.com/office/drawing/2014/main" id="{9A97C86A-04D6-40F7-AE84-31AB43E6A846}"/>
+              </a:ext>
+              <a:ext uri="{C183D7F6-B498-43B3-948B-1728B52AA6E4}">
+                <adec:decorative xmlns:adec="http://schemas.microsoft.com/office/drawing/2017/decorative" val="1"/>
+              </a:ext>
+            </a:extLst>
+          </p:cNvPr>
+          <p:cNvSpPr>
+            <a:spLocks noGrp="1" noRot="1" noChangeAspect="1" noMove="1" noResize="1" noEditPoints="1" noAdjustHandles="1" noChangeArrowheads="1" noChangeShapeType="1" noTextEdit="1"/>
+          </p:cNvSpPr>
+          <p:nvPr>
+            <p:extLst>
+              <p:ext uri="{386F3935-93C4-4BCD-93E2-E3B085C9AB24}">
+                <p16:designElem xmlns:p16="http://schemas.microsoft.com/office/powerpoint/2015/main" val="1"/>
+              </p:ext>
+            </p:extLst>
+          </p:nvPr>
+        </p:nvSpPr>
+        <p:spPr>
+          <a:xfrm rot="10800000" flipH="1">
+            <a:off x="9356643" y="0"/>
+            <a:ext cx="2835357" cy="1480837"/>
+          </a:xfrm>
+          <a:custGeom>
+            <a:avLst/>
+            <a:gdLst>
+              <a:gd name="connsiteX0" fmla="*/ 2835357 w 2835357"/>
+              <a:gd name="connsiteY0" fmla="*/ 1480837 h 1480837"/>
+              <a:gd name="connsiteX1" fmla="*/ 0 w 2835357"/>
+              <a:gd name="connsiteY1" fmla="*/ 1480837 h 1480837"/>
+              <a:gd name="connsiteX2" fmla="*/ 1552727 w 2835357"/>
+              <a:gd name="connsiteY2" fmla="*/ 0 h 1480837"/>
+              <a:gd name="connsiteX3" fmla="*/ 2835357 w 2835357"/>
+              <a:gd name="connsiteY3" fmla="*/ 1223245 h 1480837"/>
+            </a:gdLst>
+            <a:ahLst/>
+            <a:cxnLst>
+              <a:cxn ang="0">
+                <a:pos x="connsiteX0" y="connsiteY0"/>
+              </a:cxn>
+              <a:cxn ang="0">
+                <a:pos x="connsiteX1" y="connsiteY1"/>
+              </a:cxn>
+              <a:cxn ang="0">
+                <a:pos x="connsiteX2" y="connsiteY2"/>
+              </a:cxn>
+              <a:cxn ang="0">
+                <a:pos x="connsiteX3" y="connsiteY3"/>
+              </a:cxn>
+            </a:cxnLst>
+            <a:rect l="l" t="t" r="r" b="b"/>
+            <a:pathLst>
+              <a:path w="2835357" h="1480837">
+                <a:moveTo>
+                  <a:pt x="2835357" y="1480837"/>
+                </a:moveTo>
+                <a:lnTo>
+                  <a:pt x="0" y="1480837"/>
+                </a:lnTo>
+                <a:lnTo>
+                  <a:pt x="1552727" y="0"/>
+                </a:lnTo>
+                <a:lnTo>
+                  <a:pt x="2835357" y="1223245"/>
+                </a:lnTo>
+                <a:close/>
+              </a:path>
+            </a:pathLst>
+          </a:custGeom>
+          <a:solidFill>
+            <a:schemeClr val="accent4">
+              <a:alpha val="30000"/>
+            </a:schemeClr>
+          </a:solidFill>
+          <a:ln>
+            <a:noFill/>
+          </a:ln>
+        </p:spPr>
+        <p:style>
+          <a:lnRef idx="2">
+            <a:schemeClr val="accent1">
+              <a:shade val="50000"/>
+            </a:schemeClr>
+          </a:lnRef>
+          <a:fillRef idx="1">
+            <a:schemeClr val="accent1"/>
+          </a:fillRef>
+          <a:effectRef idx="0">
+            <a:schemeClr val="accent1"/>
+          </a:effectRef>
+          <a:fontRef idx="minor">
+            <a:schemeClr val="lt1"/>
+          </a:fontRef>
+        </p:style>
+        <p:txBody>
+          <a:bodyPr wrap="square" rtlCol="0" anchor="ctr">
+            <a:noAutofit/>
+          </a:bodyPr>
+          <a:lstStyle/>
+          <a:p>
+            <a:pPr algn="ctr"/>
+            <a:endParaRPr lang="en-US" dirty="0"/>
+          </a:p>
+        </p:txBody>
+      </p:sp>
+      <p:sp>
+        <p:nvSpPr>
+          <p:cNvPr id="20" name="Isosceles Triangle 19">
+            <a:extLst>
+              <a:ext uri="{FF2B5EF4-FFF2-40B4-BE49-F238E27FC236}">
+                <a16:creationId xmlns:a16="http://schemas.microsoft.com/office/drawing/2014/main" id="{FF9F2414-84E8-453E-B1F3-389FDE8192D9}"/>
+              </a:ext>
+              <a:ext uri="{C183D7F6-B498-43B3-948B-1728B52AA6E4}">
+                <adec:decorative xmlns:adec="http://schemas.microsoft.com/office/drawing/2017/decorative" val="1"/>
+              </a:ext>
+            </a:extLst>
+          </p:cNvPr>
+          <p:cNvSpPr>
+            <a:spLocks noGrp="1" noRot="1" noChangeAspect="1" noMove="1" noResize="1" noEditPoints="1" noAdjustHandles="1" noChangeArrowheads="1" noChangeShapeType="1" noTextEdit="1"/>
+          </p:cNvSpPr>
+          <p:nvPr>
+            <p:extLst>
+              <p:ext uri="{386F3935-93C4-4BCD-93E2-E3B085C9AB24}">
+                <p16:designElem xmlns:p16="http://schemas.microsoft.com/office/powerpoint/2015/main" val="1"/>
+              </p:ext>
+            </p:extLst>
+          </p:nvPr>
+        </p:nvSpPr>
+        <p:spPr>
+          <a:xfrm flipH="1">
+            <a:off x="7976344" y="6115501"/>
+            <a:ext cx="1494513" cy="742499"/>
+          </a:xfrm>
+          <a:prstGeom prst="triangle">
+            <a:avLst/>
+          </a:prstGeom>
+          <a:solidFill>
+            <a:schemeClr val="accent1">
+              <a:alpha val="30000"/>
+            </a:schemeClr>
+          </a:solidFill>
+          <a:ln>
+            <a:noFill/>
+          </a:ln>
+        </p:spPr>
+        <p:style>
+          <a:lnRef idx="2">
+            <a:schemeClr val="accent1">
+              <a:shade val="50000"/>
+            </a:schemeClr>
+          </a:lnRef>
+          <a:fillRef idx="1">
+            <a:schemeClr val="accent1"/>
+          </a:fillRef>
+          <a:effectRef idx="0">
+            <a:schemeClr val="accent1"/>
+          </a:effectRef>
+          <a:fontRef idx="minor">
+            <a:schemeClr val="lt1"/>
+          </a:fontRef>
+        </p:style>
+        <p:txBody>
+          <a:bodyPr rtlCol="0" anchor="ctr"/>
+          <a:lstStyle/>
+          <a:p>
+            <a:pPr algn="ctr"/>
+            <a:endParaRPr lang="en-US"/>
+          </a:p>
+        </p:txBody>
+      </p:sp>
+      <p:sp>
+        <p:nvSpPr>
+          <p:cNvPr id="22" name="Isosceles Triangle 21">
+            <a:extLst>
+              <a:ext uri="{FF2B5EF4-FFF2-40B4-BE49-F238E27FC236}">
+                <a16:creationId xmlns:a16="http://schemas.microsoft.com/office/drawing/2014/main" id="{3ECA69A1-7536-43AC-85EF-C7106179F5ED}"/>
+              </a:ext>
+              <a:ext uri="{C183D7F6-B498-43B3-948B-1728B52AA6E4}">
+                <adec:decorative xmlns:adec="http://schemas.microsoft.com/office/drawing/2017/decorative" val="1"/>
+              </a:ext>
+            </a:extLst>
+          </p:cNvPr>
+          <p:cNvSpPr>
+            <a:spLocks noGrp="1" noRot="1" noChangeAspect="1" noMove="1" noResize="1" noEditPoints="1" noAdjustHandles="1" noChangeArrowheads="1" noChangeShapeType="1" noTextEdit="1"/>
+          </p:cNvSpPr>
+          <p:nvPr>
+            <p:extLst>
+              <p:ext uri="{386F3935-93C4-4BCD-93E2-E3B085C9AB24}">
+                <p16:designElem xmlns:p16="http://schemas.microsoft.com/office/powerpoint/2015/main" val="1"/>
+              </p:ext>
+            </p:extLst>
+          </p:nvPr>
+        </p:nvSpPr>
+        <p:spPr>
+          <a:xfrm flipH="1">
+            <a:off x="7604080" y="6453143"/>
+            <a:ext cx="814903" cy="404857"/>
+          </a:xfrm>
+          <a:prstGeom prst="triangle">
+            <a:avLst/>
+          </a:prstGeom>
+          <a:solidFill>
+            <a:schemeClr val="accent1">
+              <a:alpha val="30000"/>
+            </a:schemeClr>
+          </a:solidFill>
+          <a:ln>
+            <a:noFill/>
+          </a:ln>
+        </p:spPr>
+        <p:style>
+          <a:lnRef idx="2">
+            <a:schemeClr val="accent1">
+              <a:shade val="50000"/>
+            </a:schemeClr>
+          </a:lnRef>
+          <a:fillRef idx="1">
+            <a:schemeClr val="accent1"/>
+          </a:fillRef>
+          <a:effectRef idx="0">
+            <a:schemeClr val="accent1"/>
+          </a:effectRef>
+          <a:fontRef idx="minor">
+            <a:schemeClr val="lt1"/>
+          </a:fontRef>
+        </p:style>
+        <p:txBody>
+          <a:bodyPr rtlCol="0" anchor="ctr"/>
+          <a:lstStyle/>
+          <a:p>
+            <a:pPr algn="ctr"/>
+            <a:endParaRPr lang="en-US"/>
+          </a:p>
+        </p:txBody>
+      </p:sp>
+      <p:sp>
+        <p:nvSpPr>
+          <p:cNvPr id="17" name="Slide Number Placeholder 16">
+            <a:extLst>
+              <a:ext uri="{FF2B5EF4-FFF2-40B4-BE49-F238E27FC236}">
+                <a16:creationId xmlns:a16="http://schemas.microsoft.com/office/drawing/2014/main" id="{3340CAD5-E11B-476F-BC4B-3E2E19909B54}"/>
+              </a:ext>
+            </a:extLst>
+          </p:cNvPr>
+          <p:cNvSpPr>
+            <a:spLocks noGrp="1"/>
+          </p:cNvSpPr>
+          <p:nvPr>
+            <p:ph type="sldNum" sz="quarter" idx="12"/>
+          </p:nvPr>
+        </p:nvSpPr>
+        <p:spPr/>
+        <p:txBody>
+          <a:bodyPr/>
+          <a:lstStyle/>
+          <a:p>
+            <a:fld id="{3326F55E-B2F8-46C6-958B-87902B1FD1A5}" type="slidenum">
+              <a:rPr lang="en-IN" smtClean="0"/>
+              <a:t>14</a:t>
+            </a:fld>
+            <a:endParaRPr lang="en-IN"/>
+          </a:p>
+        </p:txBody>
+      </p:sp>
+      <p:pic>
+        <p:nvPicPr>
+          <p:cNvPr id="3" name="Picture 2" descr="A picture containing application&#10;&#10;Description automatically generated">
+            <a:extLst>
+              <a:ext uri="{FF2B5EF4-FFF2-40B4-BE49-F238E27FC236}">
+                <a16:creationId xmlns:a16="http://schemas.microsoft.com/office/drawing/2014/main" id="{A8421A66-CF66-425E-B268-7816B9B1A4CC}"/>
+              </a:ext>
+            </a:extLst>
+          </p:cNvPr>
+          <p:cNvPicPr>
+            <a:picLocks noChangeAspect="1"/>
+          </p:cNvPicPr>
+          <p:nvPr/>
+        </p:nvPicPr>
+        <p:blipFill>
+          <a:blip r:embed="rId2">
+            <a:alphaModFix amt="5000"/>
+            <a:extLst>
+              <a:ext uri="{28A0092B-C50C-407E-A947-70E740481C1C}">
+                <a14:useLocalDpi xmlns:a14="http://schemas.microsoft.com/office/drawing/2010/main" val="0"/>
+              </a:ext>
+            </a:extLst>
+          </a:blip>
+          <a:stretch>
+            <a:fillRect/>
+          </a:stretch>
+        </p:blipFill>
+        <p:spPr>
+          <a:xfrm>
+            <a:off x="8242311" y="1799112"/>
+            <a:ext cx="2761742" cy="1546576"/>
+          </a:xfrm>
+          <a:prstGeom prst="rect">
+            <a:avLst/>
+          </a:prstGeom>
+        </p:spPr>
+      </p:pic>
+      <p:pic>
+        <p:nvPicPr>
+          <p:cNvPr id="8" name="Picture 7" descr="Icon&#10;&#10;Description automatically generated">
+            <a:extLst>
+              <a:ext uri="{FF2B5EF4-FFF2-40B4-BE49-F238E27FC236}">
+                <a16:creationId xmlns:a16="http://schemas.microsoft.com/office/drawing/2014/main" id="{8A1A7B1D-37CD-4C16-AF9C-2765E77E8242}"/>
+              </a:ext>
+            </a:extLst>
+          </p:cNvPr>
+          <p:cNvPicPr>
+            <a:picLocks noChangeAspect="1"/>
+          </p:cNvPicPr>
+          <p:nvPr/>
+        </p:nvPicPr>
+        <p:blipFill>
+          <a:blip r:embed="rId3">
+            <a:alphaModFix amt="20000"/>
+            <a:extLst>
+              <a:ext uri="{28A0092B-C50C-407E-A947-70E740481C1C}">
+                <a14:useLocalDpi xmlns:a14="http://schemas.microsoft.com/office/drawing/2010/main" val="0"/>
+              </a:ext>
+            </a:extLst>
+          </a:blip>
+          <a:stretch>
+            <a:fillRect/>
+          </a:stretch>
+        </p:blipFill>
+        <p:spPr>
+          <a:xfrm>
+            <a:off x="241451" y="5664502"/>
+            <a:ext cx="1095322" cy="1095322"/>
+          </a:xfrm>
+          <a:prstGeom prst="rect">
+            <a:avLst/>
+          </a:prstGeom>
+        </p:spPr>
+      </p:pic>
+      <p:pic>
+        <p:nvPicPr>
+          <p:cNvPr id="11" name="Picture 10" descr="Logo, company name&#10;&#10;Description automatically generated">
+            <a:extLst>
+              <a:ext uri="{FF2B5EF4-FFF2-40B4-BE49-F238E27FC236}">
+                <a16:creationId xmlns:a16="http://schemas.microsoft.com/office/drawing/2014/main" id="{45CD60BA-EFBE-4963-9084-F0CC2663D9DE}"/>
+              </a:ext>
+            </a:extLst>
+          </p:cNvPr>
+          <p:cNvPicPr>
+            <a:picLocks noChangeAspect="1"/>
+          </p:cNvPicPr>
+          <p:nvPr/>
+        </p:nvPicPr>
+        <p:blipFill>
+          <a:blip r:embed="rId4">
+            <a:alphaModFix amt="20000"/>
+            <a:extLst>
+              <a:ext uri="{28A0092B-C50C-407E-A947-70E740481C1C}">
+                <a14:useLocalDpi xmlns:a14="http://schemas.microsoft.com/office/drawing/2010/main" val="0"/>
+              </a:ext>
+            </a:extLst>
+          </a:blip>
+          <a:stretch>
+            <a:fillRect/>
+          </a:stretch>
+        </p:blipFill>
+        <p:spPr>
+          <a:xfrm>
+            <a:off x="440516" y="3683086"/>
+            <a:ext cx="1095321" cy="728886"/>
+          </a:xfrm>
+          <a:prstGeom prst="rect">
+            <a:avLst/>
+          </a:prstGeom>
+        </p:spPr>
+      </p:pic>
+      <p:pic>
+        <p:nvPicPr>
+          <p:cNvPr id="23" name="Picture 22" descr="Icon&#10;&#10;Description automatically generated">
+            <a:extLst>
+              <a:ext uri="{FF2B5EF4-FFF2-40B4-BE49-F238E27FC236}">
+                <a16:creationId xmlns:a16="http://schemas.microsoft.com/office/drawing/2014/main" id="{145C2445-9D33-41DC-A11E-E8225FD08D20}"/>
+              </a:ext>
+            </a:extLst>
+          </p:cNvPr>
+          <p:cNvPicPr>
+            <a:picLocks noChangeAspect="1"/>
+          </p:cNvPicPr>
+          <p:nvPr/>
+        </p:nvPicPr>
+        <p:blipFill>
+          <a:blip r:embed="rId5">
+            <a:alphaModFix amt="5000"/>
+            <a:extLst>
+              <a:ext uri="{28A0092B-C50C-407E-A947-70E740481C1C}">
+                <a14:useLocalDpi xmlns:a14="http://schemas.microsoft.com/office/drawing/2010/main" val="0"/>
+              </a:ext>
+            </a:extLst>
+          </a:blip>
+          <a:stretch>
+            <a:fillRect/>
+          </a:stretch>
+        </p:blipFill>
+        <p:spPr>
+          <a:xfrm>
+            <a:off x="679301" y="1856317"/>
+            <a:ext cx="991369" cy="991369"/>
+          </a:xfrm>
+          <a:prstGeom prst="rect">
+            <a:avLst/>
+          </a:prstGeom>
+        </p:spPr>
+      </p:pic>
+      <p:pic>
+        <p:nvPicPr>
+          <p:cNvPr id="27" name="Picture 26" descr="Icon&#10;&#10;Description automatically generated">
+            <a:extLst>
+              <a:ext uri="{FF2B5EF4-FFF2-40B4-BE49-F238E27FC236}">
+                <a16:creationId xmlns:a16="http://schemas.microsoft.com/office/drawing/2014/main" id="{AC689997-C9F1-473E-9628-717E2E675027}"/>
+              </a:ext>
+            </a:extLst>
+          </p:cNvPr>
+          <p:cNvPicPr>
+            <a:picLocks noChangeAspect="1"/>
+          </p:cNvPicPr>
+          <p:nvPr/>
+        </p:nvPicPr>
+        <p:blipFill>
+          <a:blip r:embed="rId6">
+            <a:alphaModFix amt="20000"/>
+            <a:extLst>
+              <a:ext uri="{28A0092B-C50C-407E-A947-70E740481C1C}">
+                <a14:useLocalDpi xmlns:a14="http://schemas.microsoft.com/office/drawing/2010/main" val="0"/>
+              </a:ext>
+            </a:extLst>
+          </a:blip>
+          <a:stretch>
+            <a:fillRect/>
+          </a:stretch>
+        </p:blipFill>
+        <p:spPr>
+          <a:xfrm>
+            <a:off x="10050680" y="4158335"/>
+            <a:ext cx="1210965" cy="1004215"/>
+          </a:xfrm>
+          <a:prstGeom prst="rect">
+            <a:avLst/>
+          </a:prstGeom>
+        </p:spPr>
+      </p:pic>
+      <p:pic>
+        <p:nvPicPr>
+          <p:cNvPr id="29" name="Picture 28" descr="Icon&#10;&#10;Description automatically generated">
+            <a:extLst>
+              <a:ext uri="{FF2B5EF4-FFF2-40B4-BE49-F238E27FC236}">
+                <a16:creationId xmlns:a16="http://schemas.microsoft.com/office/drawing/2014/main" id="{AB2C0348-A112-4CC4-A3E4-1C4E414EEB78}"/>
+              </a:ext>
+            </a:extLst>
+          </p:cNvPr>
+          <p:cNvPicPr>
+            <a:picLocks noChangeAspect="1"/>
+          </p:cNvPicPr>
+          <p:nvPr/>
+        </p:nvPicPr>
+        <p:blipFill>
+          <a:blip r:embed="rId7">
+            <a:alphaModFix amt="20000"/>
+            <a:extLst>
+              <a:ext uri="{28A0092B-C50C-407E-A947-70E740481C1C}">
+                <a14:useLocalDpi xmlns:a14="http://schemas.microsoft.com/office/drawing/2010/main" val="0"/>
+              </a:ext>
+            </a:extLst>
+          </a:blip>
+          <a:stretch>
+            <a:fillRect/>
+          </a:stretch>
+        </p:blipFill>
+        <p:spPr>
+          <a:xfrm>
+            <a:off x="5131575" y="129118"/>
+            <a:ext cx="1362717" cy="716525"/>
+          </a:xfrm>
+          <a:prstGeom prst="rect">
+            <a:avLst/>
+          </a:prstGeom>
+        </p:spPr>
+      </p:pic>
+      <p:pic>
+        <p:nvPicPr>
+          <p:cNvPr id="31" name="Picture 30" descr="Logo, company name&#10;&#10;Description automatically generated">
+            <a:extLst>
+              <a:ext uri="{FF2B5EF4-FFF2-40B4-BE49-F238E27FC236}">
+                <a16:creationId xmlns:a16="http://schemas.microsoft.com/office/drawing/2014/main" id="{ACF5D9A4-A045-46AD-BE40-50630DB00AF4}"/>
+              </a:ext>
+            </a:extLst>
+          </p:cNvPr>
+          <p:cNvPicPr>
+            <a:picLocks noChangeAspect="1"/>
+          </p:cNvPicPr>
+          <p:nvPr/>
+        </p:nvPicPr>
+        <p:blipFill>
+          <a:blip r:embed="rId8">
+            <a:alphaModFix amt="20000"/>
+            <a:extLst>
+              <a:ext uri="{28A0092B-C50C-407E-A947-70E740481C1C}">
+                <a14:useLocalDpi xmlns:a14="http://schemas.microsoft.com/office/drawing/2010/main" val="0"/>
+              </a:ext>
+            </a:extLst>
+          </a:blip>
+          <a:stretch>
+            <a:fillRect/>
+          </a:stretch>
+        </p:blipFill>
+        <p:spPr>
+          <a:xfrm>
+            <a:off x="7867437" y="-85917"/>
+            <a:ext cx="1157328" cy="1157328"/>
+          </a:xfrm>
+          <a:prstGeom prst="rect">
+            <a:avLst/>
+          </a:prstGeom>
+        </p:spPr>
+      </p:pic>
+      <p:pic>
+        <p:nvPicPr>
+          <p:cNvPr id="33" name="Picture 32" descr="Logo&#10;&#10;Description automatically generated with medium confidence">
+            <a:extLst>
+              <a:ext uri="{FF2B5EF4-FFF2-40B4-BE49-F238E27FC236}">
+                <a16:creationId xmlns:a16="http://schemas.microsoft.com/office/drawing/2014/main" id="{DD608B77-41A7-4C1F-839A-B3EC2597EC6E}"/>
+              </a:ext>
+            </a:extLst>
+          </p:cNvPr>
+          <p:cNvPicPr>
+            <a:picLocks noChangeAspect="1"/>
+          </p:cNvPicPr>
+          <p:nvPr/>
+        </p:nvPicPr>
+        <p:blipFill>
+          <a:blip r:embed="rId9">
+            <a:alphaModFix amt="20000"/>
+            <a:extLst>
+              <a:ext uri="{28A0092B-C50C-407E-A947-70E740481C1C}">
+                <a14:useLocalDpi xmlns:a14="http://schemas.microsoft.com/office/drawing/2010/main" val="0"/>
+              </a:ext>
+            </a:extLst>
+          </a:blip>
+          <a:stretch>
+            <a:fillRect/>
+          </a:stretch>
+        </p:blipFill>
+        <p:spPr>
+          <a:xfrm>
+            <a:off x="3541522" y="5328895"/>
+            <a:ext cx="928904" cy="671214"/>
+          </a:xfrm>
+          <a:prstGeom prst="rect">
+            <a:avLst/>
+          </a:prstGeom>
+        </p:spPr>
+      </p:pic>
+      <p:pic>
+        <p:nvPicPr>
+          <p:cNvPr id="35" name="Picture 34" descr="Icon&#10;&#10;Description automatically generated">
+            <a:extLst>
+              <a:ext uri="{FF2B5EF4-FFF2-40B4-BE49-F238E27FC236}">
+                <a16:creationId xmlns:a16="http://schemas.microsoft.com/office/drawing/2014/main" id="{A8F294EA-2D1A-4FD8-A191-CD721672A727}"/>
+              </a:ext>
+            </a:extLst>
+          </p:cNvPr>
+          <p:cNvPicPr>
+            <a:picLocks noChangeAspect="1"/>
+          </p:cNvPicPr>
+          <p:nvPr/>
+        </p:nvPicPr>
+        <p:blipFill>
+          <a:blip r:embed="rId10">
+            <a:alphaModFix amt="20000"/>
+            <a:extLst>
+              <a:ext uri="{28A0092B-C50C-407E-A947-70E740481C1C}">
+                <a14:useLocalDpi xmlns:a14="http://schemas.microsoft.com/office/drawing/2010/main" val="0"/>
+              </a:ext>
+            </a:extLst>
+          </a:blip>
+          <a:stretch>
+            <a:fillRect/>
+          </a:stretch>
+        </p:blipFill>
+        <p:spPr>
+          <a:xfrm>
+            <a:off x="1778274" y="148168"/>
+            <a:ext cx="650376" cy="689159"/>
+          </a:xfrm>
+          <a:prstGeom prst="rect">
+            <a:avLst/>
+          </a:prstGeom>
+        </p:spPr>
+      </p:pic>
+      <p:pic>
+        <p:nvPicPr>
+          <p:cNvPr id="37" name="Picture 36" descr="Logo, company name&#10;&#10;Description automatically generated">
+            <a:extLst>
+              <a:ext uri="{FF2B5EF4-FFF2-40B4-BE49-F238E27FC236}">
+                <a16:creationId xmlns:a16="http://schemas.microsoft.com/office/drawing/2014/main" id="{A70DFA68-C381-45CC-B6BA-275F026B67B1}"/>
+              </a:ext>
+            </a:extLst>
+          </p:cNvPr>
+          <p:cNvPicPr>
+            <a:picLocks noChangeAspect="1"/>
+          </p:cNvPicPr>
+          <p:nvPr/>
+        </p:nvPicPr>
+        <p:blipFill>
+          <a:blip r:embed="rId11">
+            <a:extLst>
+              <a:ext uri="{28A0092B-C50C-407E-A947-70E740481C1C}">
+                <a14:useLocalDpi xmlns:a14="http://schemas.microsoft.com/office/drawing/2010/main" val="0"/>
+              </a:ext>
+            </a:extLst>
+          </a:blip>
+          <a:stretch>
+            <a:fillRect/>
+          </a:stretch>
+        </p:blipFill>
+        <p:spPr>
+          <a:xfrm>
+            <a:off x="9747682" y="-24262"/>
+            <a:ext cx="2444318" cy="1480838"/>
+          </a:xfrm>
+          <a:prstGeom prst="rect">
+            <a:avLst/>
+          </a:prstGeom>
+        </p:spPr>
+      </p:pic>
+      <p:sp>
+        <p:nvSpPr>
+          <p:cNvPr id="7" name="TextBox 6">
+            <a:extLst>
+              <a:ext uri="{FF2B5EF4-FFF2-40B4-BE49-F238E27FC236}">
+                <a16:creationId xmlns:a16="http://schemas.microsoft.com/office/drawing/2014/main" id="{781201A3-EEB3-47D8-941D-179B7642FE59}"/>
+              </a:ext>
+            </a:extLst>
+          </p:cNvPr>
+          <p:cNvSpPr txBox="1"/>
+          <p:nvPr/>
+        </p:nvSpPr>
+        <p:spPr>
+          <a:xfrm>
+            <a:off x="3847799" y="251149"/>
+            <a:ext cx="3561937" cy="523220"/>
+          </a:xfrm>
+          <a:prstGeom prst="rect">
+            <a:avLst/>
+          </a:prstGeom>
+          <a:noFill/>
+        </p:spPr>
+        <p:txBody>
+          <a:bodyPr wrap="none" rtlCol="0">
+            <a:spAutoFit/>
+          </a:bodyPr>
+          <a:lstStyle/>
+          <a:p>
+            <a:r>
+              <a:rPr lang="en-IN" sz="2800" b="1" i="1" dirty="0">
+                <a:solidFill>
+                  <a:schemeClr val="accent2">
+                    <a:lumMod val="75000"/>
+                  </a:schemeClr>
+                </a:solidFill>
+                <a:latin typeface="+mj-lt"/>
+              </a:rPr>
+              <a:t>Linux Operating System </a:t>
+            </a:r>
+            <a:endParaRPr lang="en-IN" b="1" i="1" u="sng" dirty="0">
+              <a:solidFill>
+                <a:schemeClr val="accent1">
+                  <a:lumMod val="75000"/>
+                </a:schemeClr>
+              </a:solidFill>
+              <a:latin typeface="+mj-lt"/>
+            </a:endParaRPr>
+          </a:p>
+        </p:txBody>
+      </p:sp>
+      <p:sp>
+        <p:nvSpPr>
+          <p:cNvPr id="5" name="TextBox 4">
+            <a:extLst>
+              <a:ext uri="{FF2B5EF4-FFF2-40B4-BE49-F238E27FC236}">
+                <a16:creationId xmlns:a16="http://schemas.microsoft.com/office/drawing/2014/main" id="{34F8B000-1200-4DDE-B999-BAC92D306A72}"/>
+              </a:ext>
+            </a:extLst>
+          </p:cNvPr>
+          <p:cNvSpPr txBox="1"/>
+          <p:nvPr/>
+        </p:nvSpPr>
+        <p:spPr>
+          <a:xfrm>
+            <a:off x="4341774" y="896400"/>
+            <a:ext cx="1608133" cy="461665"/>
+          </a:xfrm>
+          <a:prstGeom prst="rect">
+            <a:avLst/>
+          </a:prstGeom>
+          <a:noFill/>
+        </p:spPr>
+        <p:txBody>
+          <a:bodyPr wrap="none" rtlCol="0">
+            <a:spAutoFit/>
+          </a:bodyPr>
+          <a:lstStyle/>
+          <a:p>
+            <a:r>
+              <a:rPr lang="en-IN" sz="2400" b="1" i="1" dirty="0">
+                <a:solidFill>
+                  <a:schemeClr val="accent1">
+                    <a:lumMod val="75000"/>
+                  </a:schemeClr>
+                </a:solidFill>
+              </a:rPr>
+              <a:t>Commands</a:t>
+            </a:r>
+          </a:p>
+        </p:txBody>
+      </p:sp>
+      <p:sp>
+        <p:nvSpPr>
+          <p:cNvPr id="2" name="TextBox 1">
+            <a:extLst>
+              <a:ext uri="{FF2B5EF4-FFF2-40B4-BE49-F238E27FC236}">
+                <a16:creationId xmlns:a16="http://schemas.microsoft.com/office/drawing/2014/main" id="{9749728B-858A-4A05-8D41-1731AE7D21BB}"/>
+              </a:ext>
+            </a:extLst>
+          </p:cNvPr>
+          <p:cNvSpPr txBox="1"/>
+          <p:nvPr/>
+        </p:nvSpPr>
+        <p:spPr>
+          <a:xfrm>
+            <a:off x="1336773" y="1686757"/>
+            <a:ext cx="4318298" cy="4708981"/>
+          </a:xfrm>
+          <a:prstGeom prst="rect">
+            <a:avLst/>
+          </a:prstGeom>
+          <a:noFill/>
+        </p:spPr>
+        <p:txBody>
+          <a:bodyPr wrap="none" rtlCol="0">
+            <a:spAutoFit/>
+          </a:bodyPr>
+          <a:lstStyle/>
+          <a:p>
+            <a:r>
+              <a:rPr lang="en-IN" sz="1200" b="1" dirty="0" err="1"/>
+              <a:t>pwd</a:t>
+            </a:r>
+            <a:r>
+              <a:rPr lang="en-IN" sz="1200" b="1" dirty="0"/>
+              <a:t> </a:t>
+            </a:r>
+            <a:r>
+              <a:rPr lang="en-IN" sz="1200" dirty="0"/>
+              <a:t>– Display current working directory</a:t>
+            </a:r>
+          </a:p>
+          <a:p>
+            <a:r>
+              <a:rPr lang="en-IN" sz="1200" b="1" dirty="0" err="1"/>
+              <a:t>mkdir</a:t>
+            </a:r>
+            <a:r>
+              <a:rPr lang="en-IN" sz="1200" b="1" dirty="0"/>
+              <a:t> </a:t>
+            </a:r>
+            <a:r>
+              <a:rPr lang="en-IN" sz="1200" dirty="0"/>
+              <a:t>– Create new directory</a:t>
+            </a:r>
+          </a:p>
+          <a:p>
+            <a:r>
+              <a:rPr lang="en-IN" sz="1200" b="1" dirty="0"/>
+              <a:t>cd </a:t>
+            </a:r>
+            <a:r>
+              <a:rPr lang="en-IN" sz="1200" dirty="0"/>
+              <a:t>--  change directory</a:t>
+            </a:r>
+          </a:p>
+          <a:p>
+            <a:r>
+              <a:rPr lang="en-IN" sz="1200" b="1" dirty="0"/>
+              <a:t>cd - </a:t>
+            </a:r>
+            <a:r>
+              <a:rPr lang="en-IN" sz="1200" dirty="0"/>
+              <a:t>-- toggle between last two directories</a:t>
+            </a:r>
+          </a:p>
+          <a:p>
+            <a:r>
+              <a:rPr lang="en-IN" sz="1200" b="1" dirty="0"/>
+              <a:t>grep </a:t>
+            </a:r>
+            <a:r>
+              <a:rPr lang="en-IN" sz="1200" dirty="0"/>
+              <a:t>– search a file for a specific text</a:t>
+            </a:r>
+          </a:p>
+          <a:p>
+            <a:r>
+              <a:rPr lang="en-IN" sz="1200" b="1" dirty="0"/>
+              <a:t>find </a:t>
+            </a:r>
+            <a:r>
+              <a:rPr lang="en-IN" sz="1200" dirty="0"/>
+              <a:t>– search files in Linux/Unix file system</a:t>
+            </a:r>
+          </a:p>
+          <a:p>
+            <a:r>
+              <a:rPr lang="en-IN" sz="1200" b="1" dirty="0" err="1"/>
+              <a:t>sed</a:t>
+            </a:r>
+            <a:r>
+              <a:rPr lang="en-IN" sz="1200" b="1" dirty="0"/>
+              <a:t> s// </a:t>
+            </a:r>
+            <a:r>
+              <a:rPr lang="en-IN" sz="1200" dirty="0"/>
+              <a:t>-- substitute word in a file</a:t>
+            </a:r>
+          </a:p>
+          <a:p>
+            <a:r>
+              <a:rPr lang="en-IN" sz="1200" b="1" dirty="0" err="1"/>
+              <a:t>chmod</a:t>
+            </a:r>
+            <a:r>
+              <a:rPr lang="en-IN" sz="1200" b="1" dirty="0"/>
+              <a:t> </a:t>
+            </a:r>
+            <a:r>
+              <a:rPr lang="en-IN" sz="1200" dirty="0"/>
+              <a:t>– permissions on the file</a:t>
+            </a:r>
+          </a:p>
+          <a:p>
+            <a:r>
+              <a:rPr lang="en-IN" sz="1200" b="1" dirty="0" err="1"/>
+              <a:t>chmod</a:t>
+            </a:r>
+            <a:r>
+              <a:rPr lang="en-IN" sz="1200" b="1" dirty="0"/>
+              <a:t> –R </a:t>
+            </a:r>
+            <a:r>
+              <a:rPr lang="en-IN" sz="1200" dirty="0"/>
+              <a:t>– permissions on files in directory</a:t>
+            </a:r>
+          </a:p>
+          <a:p>
+            <a:r>
+              <a:rPr lang="en-IN" sz="1200" b="1" dirty="0"/>
+              <a:t>tail </a:t>
+            </a:r>
+            <a:r>
+              <a:rPr lang="en-IN" sz="1200" dirty="0"/>
+              <a:t>– get bottom lines of a file</a:t>
+            </a:r>
+          </a:p>
+          <a:p>
+            <a:r>
+              <a:rPr lang="en-IN" sz="1200" b="1" dirty="0"/>
+              <a:t>head </a:t>
+            </a:r>
+            <a:r>
+              <a:rPr lang="en-IN" sz="1200" dirty="0"/>
+              <a:t>– get first lines of a file</a:t>
+            </a:r>
+          </a:p>
+          <a:p>
+            <a:r>
+              <a:rPr lang="en-IN" sz="1200" b="1" dirty="0" err="1"/>
+              <a:t>wget</a:t>
+            </a:r>
+            <a:r>
+              <a:rPr lang="en-IN" sz="1200" b="1" dirty="0"/>
+              <a:t> </a:t>
+            </a:r>
+            <a:r>
+              <a:rPr lang="en-IN" sz="1200" dirty="0"/>
+              <a:t>– download file from internet</a:t>
+            </a:r>
+          </a:p>
+          <a:p>
+            <a:r>
+              <a:rPr lang="en-IN" sz="1200" b="1" dirty="0"/>
+              <a:t>curl </a:t>
+            </a:r>
+            <a:r>
+              <a:rPr lang="en-IN" sz="1200" dirty="0"/>
+              <a:t>– browse </a:t>
+            </a:r>
+            <a:r>
+              <a:rPr lang="en-IN" sz="1200" dirty="0" err="1"/>
+              <a:t>url</a:t>
+            </a:r>
+            <a:r>
+              <a:rPr lang="en-IN" sz="1200" dirty="0"/>
+              <a:t> in command prompt</a:t>
+            </a:r>
+          </a:p>
+          <a:p>
+            <a:r>
+              <a:rPr lang="en-IN" sz="1200" b="1" dirty="0"/>
+              <a:t>cat </a:t>
+            </a:r>
+            <a:r>
+              <a:rPr lang="en-IN" sz="1200" dirty="0"/>
+              <a:t>– display the contents</a:t>
+            </a:r>
+            <a:endParaRPr lang="en-IN" sz="1200" b="1" dirty="0"/>
+          </a:p>
+          <a:p>
+            <a:r>
+              <a:rPr lang="en-IN" sz="1200" b="1" dirty="0"/>
+              <a:t>cat /etc/</a:t>
+            </a:r>
+            <a:r>
+              <a:rPr lang="en-IN" sz="1200" b="1" dirty="0" err="1"/>
+              <a:t>ssh</a:t>
+            </a:r>
+            <a:r>
+              <a:rPr lang="en-IN" sz="1200" b="1" dirty="0"/>
+              <a:t>/</a:t>
+            </a:r>
+            <a:r>
+              <a:rPr lang="en-IN" sz="1200" b="1" dirty="0" err="1"/>
+              <a:t>sshd_config</a:t>
+            </a:r>
+            <a:r>
+              <a:rPr lang="en-IN" sz="1200" b="1" dirty="0"/>
+              <a:t> </a:t>
+            </a:r>
+            <a:r>
+              <a:rPr lang="en-IN" sz="1200" dirty="0"/>
+              <a:t>– display the contents of a file.</a:t>
+            </a:r>
+          </a:p>
+          <a:p>
+            <a:r>
+              <a:rPr lang="en-IN" sz="1200" b="1" dirty="0"/>
+              <a:t>date '+Current Date: %m/%d/%</a:t>
+            </a:r>
+            <a:r>
+              <a:rPr lang="en-IN" sz="1200" b="1" dirty="0" err="1"/>
+              <a:t>y%nCurrent</a:t>
+            </a:r>
+            <a:r>
+              <a:rPr lang="en-IN" sz="1200" b="1" dirty="0"/>
+              <a:t> Time:%H:%M:%S’ </a:t>
+            </a:r>
+            <a:r>
+              <a:rPr lang="en-IN" sz="1200" dirty="0"/>
+              <a:t>–</a:t>
+            </a:r>
+          </a:p>
+          <a:p>
+            <a:r>
+              <a:rPr lang="en-IN" sz="1200" b="1" dirty="0"/>
+              <a:t>    </a:t>
+            </a:r>
+            <a:r>
+              <a:rPr lang="en-IN" sz="1200" dirty="0"/>
+              <a:t>display date in particular format</a:t>
+            </a:r>
+          </a:p>
+          <a:p>
+            <a:r>
+              <a:rPr lang="en-IN" sz="1200" b="1" dirty="0"/>
+              <a:t>tar </a:t>
+            </a:r>
+            <a:r>
+              <a:rPr lang="en-IN" sz="1200" b="1" dirty="0" err="1"/>
+              <a:t>cvf</a:t>
+            </a:r>
+            <a:r>
+              <a:rPr lang="en-IN" sz="1200" b="1" dirty="0"/>
+              <a:t>  &lt;filename&gt;.tar &lt;</a:t>
+            </a:r>
+            <a:r>
+              <a:rPr lang="en-IN" sz="1200" b="1" dirty="0" err="1"/>
+              <a:t>sourcefilename</a:t>
+            </a:r>
+            <a:r>
+              <a:rPr lang="en-IN" sz="1200" b="1" dirty="0"/>
+              <a:t>&gt; </a:t>
+            </a:r>
+            <a:r>
+              <a:rPr lang="en-IN" sz="1200" dirty="0"/>
+              <a:t>- create tar(archive) files</a:t>
+            </a:r>
+          </a:p>
+          <a:p>
+            <a:r>
+              <a:rPr lang="en-IN" sz="1200" b="1" dirty="0"/>
+              <a:t>		</a:t>
+            </a:r>
+            <a:r>
+              <a:rPr lang="en-IN" sz="1200" dirty="0"/>
+              <a:t>of source file</a:t>
+            </a:r>
+          </a:p>
+          <a:p>
+            <a:r>
+              <a:rPr lang="en-IN" sz="1200" b="1" dirty="0"/>
+              <a:t>tar </a:t>
+            </a:r>
+            <a:r>
+              <a:rPr lang="en-IN" sz="1200" b="1" dirty="0" err="1"/>
+              <a:t>xvf</a:t>
+            </a:r>
+            <a:r>
+              <a:rPr lang="en-IN" sz="1200" b="1" dirty="0"/>
+              <a:t>  &lt;filename&gt;.tar </a:t>
+            </a:r>
+            <a:r>
+              <a:rPr lang="en-IN" sz="1200" dirty="0"/>
+              <a:t>– extract the tar files</a:t>
+            </a:r>
+          </a:p>
+          <a:p>
+            <a:r>
+              <a:rPr lang="en-IN" sz="1200" b="1" dirty="0"/>
+              <a:t>history </a:t>
+            </a:r>
+            <a:r>
+              <a:rPr lang="en-IN" sz="1200" dirty="0"/>
+              <a:t>– list the previous commands</a:t>
+            </a:r>
+          </a:p>
+          <a:p>
+            <a:r>
+              <a:rPr lang="en-IN" sz="1200" b="1" dirty="0" err="1"/>
+              <a:t>fdisk</a:t>
+            </a:r>
+            <a:r>
+              <a:rPr lang="en-IN" sz="1200" b="1" dirty="0"/>
+              <a:t> </a:t>
+            </a:r>
+            <a:r>
+              <a:rPr lang="en-IN" sz="1200" dirty="0"/>
+              <a:t>– create disk partition</a:t>
+            </a:r>
+          </a:p>
+          <a:p>
+            <a:r>
+              <a:rPr lang="en-IN" sz="1200" b="1" dirty="0"/>
+              <a:t>mount </a:t>
+            </a:r>
+            <a:r>
+              <a:rPr lang="en-IN" sz="1200" dirty="0"/>
+              <a:t>– mount or attach disk partition to filesystem</a:t>
+            </a:r>
+          </a:p>
+          <a:p>
+            <a:r>
+              <a:rPr lang="en-IN" sz="1200" b="1" dirty="0" err="1"/>
+              <a:t>useradd</a:t>
+            </a:r>
+            <a:r>
+              <a:rPr lang="en-IN" sz="1200" b="1" dirty="0"/>
+              <a:t> </a:t>
+            </a:r>
+            <a:r>
+              <a:rPr lang="en-IN" sz="1200" dirty="0"/>
+              <a:t>– create new user, check user exist in </a:t>
+            </a:r>
+            <a:r>
+              <a:rPr lang="en-IN" sz="1200" b="1" dirty="0"/>
+              <a:t>/etc/passwd</a:t>
+            </a:r>
+          </a:p>
+          <a:p>
+            <a:r>
+              <a:rPr lang="en-IN" sz="1200" b="1" dirty="0"/>
+              <a:t>passwd </a:t>
+            </a:r>
+            <a:r>
+              <a:rPr lang="en-IN" sz="1200" dirty="0"/>
+              <a:t>– change the user password</a:t>
+            </a:r>
+            <a:endParaRPr lang="en-IN" sz="1200" b="1" dirty="0"/>
+          </a:p>
+        </p:txBody>
+      </p:sp>
+      <p:sp>
+        <p:nvSpPr>
+          <p:cNvPr id="4" name="TextBox 3">
+            <a:extLst>
+              <a:ext uri="{FF2B5EF4-FFF2-40B4-BE49-F238E27FC236}">
+                <a16:creationId xmlns:a16="http://schemas.microsoft.com/office/drawing/2014/main" id="{9A1A3666-C9B7-4CC3-876A-11410F4D2863}"/>
+              </a:ext>
+            </a:extLst>
+          </p:cNvPr>
+          <p:cNvSpPr txBox="1"/>
+          <p:nvPr/>
+        </p:nvSpPr>
+        <p:spPr>
+          <a:xfrm>
+            <a:off x="5949907" y="1799112"/>
+            <a:ext cx="3610540" cy="1015663"/>
+          </a:xfrm>
+          <a:prstGeom prst="rect">
+            <a:avLst/>
+          </a:prstGeom>
+          <a:noFill/>
+        </p:spPr>
+        <p:txBody>
+          <a:bodyPr wrap="none" rtlCol="0">
+            <a:spAutoFit/>
+          </a:bodyPr>
+          <a:lstStyle/>
+          <a:p>
+            <a:r>
+              <a:rPr lang="en-IN" sz="1200" b="1" dirty="0" err="1"/>
+              <a:t>groupadd</a:t>
+            </a:r>
+            <a:r>
+              <a:rPr lang="en-IN" sz="1200" dirty="0"/>
+              <a:t> – create new group</a:t>
+            </a:r>
+          </a:p>
+          <a:p>
+            <a:r>
+              <a:rPr lang="en-IN" sz="1200" b="1" dirty="0"/>
+              <a:t>crontab</a:t>
+            </a:r>
+            <a:r>
+              <a:rPr lang="en-IN" sz="1200" dirty="0"/>
+              <a:t> – schedule the tasks</a:t>
+            </a:r>
+          </a:p>
+          <a:p>
+            <a:r>
+              <a:rPr lang="en-IN" sz="1200" b="1" dirty="0"/>
+              <a:t>Iptables</a:t>
+            </a:r>
+            <a:r>
+              <a:rPr lang="en-IN" sz="1200" dirty="0"/>
+              <a:t> – firewall rules</a:t>
+            </a:r>
+          </a:p>
+          <a:p>
+            <a:r>
+              <a:rPr lang="en-IN" sz="1200" b="1" dirty="0"/>
+              <a:t>yum</a:t>
+            </a:r>
+            <a:r>
+              <a:rPr lang="en-IN" sz="1200" dirty="0"/>
+              <a:t> – install, update, remove packages</a:t>
+            </a:r>
+          </a:p>
+          <a:p>
+            <a:r>
+              <a:rPr lang="en-IN" sz="1200" b="1" dirty="0"/>
+              <a:t>&lt;command&gt; --help </a:t>
+            </a:r>
+            <a:r>
+              <a:rPr lang="en-IN" sz="1200" dirty="0"/>
+              <a:t>– to get the help for the commands</a:t>
+            </a:r>
+          </a:p>
+        </p:txBody>
+      </p:sp>
+    </p:spTree>
+    <p:extLst>
+      <p:ext uri="{BB962C8B-B14F-4D97-AF65-F5344CB8AC3E}">
+        <p14:creationId xmlns:p14="http://schemas.microsoft.com/office/powerpoint/2010/main" val="162011292"/>
+      </p:ext>
+    </p:extLst>
+  </p:cSld>
+  <p:clrMapOvr>
+    <a:masterClrMapping/>
+  </p:clrMapOvr>
+</p:sld>
+</file>
+
+<file path=ppt/slides/slide15.xml><?xml version="1.0" encoding="utf-8"?>
+<p:sld xmlns:a="http://schemas.openxmlformats.org/drawingml/2006/main" xmlns:r="http://schemas.openxmlformats.org/officeDocument/2006/relationships" xmlns:p="http://schemas.openxmlformats.org/presentationml/2006/main">
+  <p:cSld>
+    <p:spTree>
+      <p:nvGrpSpPr>
+        <p:cNvPr id="1" name=""/>
+        <p:cNvGrpSpPr/>
+        <p:nvPr/>
+      </p:nvGrpSpPr>
+      <p:grpSpPr>
+        <a:xfrm>
+          <a:off x="0" y="0"/>
+          <a:ext cx="0" cy="0"/>
+          <a:chOff x="0" y="0"/>
+          <a:chExt cx="0" cy="0"/>
+        </a:xfrm>
+      </p:grpSpPr>
+      <p:sp>
+        <p:nvSpPr>
+          <p:cNvPr id="10" name="Rectangle 9">
+            <a:extLst>
+              <a:ext uri="{FF2B5EF4-FFF2-40B4-BE49-F238E27FC236}">
+                <a16:creationId xmlns:a16="http://schemas.microsoft.com/office/drawing/2014/main" id="{F3060C83-F051-4F0E-ABAD-AA0DFC48B218}"/>
+              </a:ext>
+              <a:ext uri="{C183D7F6-B498-43B3-948B-1728B52AA6E4}">
+                <adec:decorative xmlns:adec="http://schemas.microsoft.com/office/drawing/2017/decorative" val="1"/>
+              </a:ext>
+            </a:extLst>
+          </p:cNvPr>
+          <p:cNvSpPr>
+            <a:spLocks noGrp="1" noRot="1" noChangeAspect="1" noMove="1" noResize="1" noEditPoints="1" noAdjustHandles="1" noChangeArrowheads="1" noChangeShapeType="1" noTextEdit="1"/>
+          </p:cNvSpPr>
+          <p:nvPr>
+            <p:extLst>
+              <p:ext uri="{386F3935-93C4-4BCD-93E2-E3B085C9AB24}">
+                <p16:designElem xmlns:p16="http://schemas.microsoft.com/office/powerpoint/2015/main" val="1"/>
+              </p:ext>
+            </p:extLst>
+          </p:nvPr>
+        </p:nvSpPr>
+        <p:spPr>
+          <a:xfrm>
+            <a:off x="0" y="0"/>
+            <a:ext cx="12192000" cy="6858000"/>
+          </a:xfrm>
+          <a:prstGeom prst="rect">
+            <a:avLst/>
+          </a:prstGeom>
+          <a:solidFill>
+            <a:schemeClr val="bg1"/>
+          </a:solidFill>
+          <a:ln>
+            <a:noFill/>
+          </a:ln>
+        </p:spPr>
+        <p:style>
+          <a:lnRef idx="2">
+            <a:schemeClr val="accent1">
+              <a:shade val="50000"/>
+            </a:schemeClr>
+          </a:lnRef>
+          <a:fillRef idx="1">
+            <a:schemeClr val="accent1"/>
+          </a:fillRef>
+          <a:effectRef idx="0">
+            <a:schemeClr val="accent1"/>
+          </a:effectRef>
+          <a:fontRef idx="minor">
+            <a:schemeClr val="lt1"/>
+          </a:fontRef>
+        </p:style>
+        <p:txBody>
+          <a:bodyPr rtlCol="0" anchor="ctr"/>
+          <a:lstStyle/>
+          <a:p>
+            <a:pPr algn="ctr"/>
+            <a:endParaRPr lang="en-US" dirty="0"/>
+          </a:p>
+        </p:txBody>
+      </p:sp>
+      <p:sp>
+        <p:nvSpPr>
+          <p:cNvPr id="12" name="Freeform: Shape 11">
+            <a:extLst>
+              <a:ext uri="{FF2B5EF4-FFF2-40B4-BE49-F238E27FC236}">
+                <a16:creationId xmlns:a16="http://schemas.microsoft.com/office/drawing/2014/main" id="{83C98ABE-055B-441F-B07E-44F97F083C39}"/>
+              </a:ext>
+              <a:ext uri="{C183D7F6-B498-43B3-948B-1728B52AA6E4}">
+                <adec:decorative xmlns:adec="http://schemas.microsoft.com/office/drawing/2017/decorative" val="1"/>
+              </a:ext>
+            </a:extLst>
+          </p:cNvPr>
+          <p:cNvSpPr>
+            <a:spLocks noGrp="1" noRot="1" noChangeAspect="1" noMove="1" noResize="1" noEditPoints="1" noAdjustHandles="1" noChangeArrowheads="1" noChangeShapeType="1" noTextEdit="1"/>
+          </p:cNvSpPr>
+          <p:nvPr>
+            <p:extLst>
+              <p:ext uri="{386F3935-93C4-4BCD-93E2-E3B085C9AB24}">
+                <p16:designElem xmlns:p16="http://schemas.microsoft.com/office/powerpoint/2015/main" val="1"/>
+              </p:ext>
+            </p:extLst>
+          </p:nvPr>
+        </p:nvSpPr>
+        <p:spPr>
+          <a:xfrm rot="18900000" flipH="1">
+            <a:off x="-376156" y="-253670"/>
+            <a:ext cx="1827638" cy="1376989"/>
+          </a:xfrm>
+          <a:custGeom>
+            <a:avLst/>
+            <a:gdLst>
+              <a:gd name="connsiteX0" fmla="*/ 0 w 1827638"/>
+              <a:gd name="connsiteY0" fmla="*/ 987379 h 1376989"/>
+              <a:gd name="connsiteX1" fmla="*/ 987379 w 1827638"/>
+              <a:gd name="connsiteY1" fmla="*/ 0 h 1376989"/>
+              <a:gd name="connsiteX2" fmla="*/ 1827638 w 1827638"/>
+              <a:gd name="connsiteY2" fmla="*/ 840260 h 1376989"/>
+              <a:gd name="connsiteX3" fmla="*/ 1827638 w 1827638"/>
+              <a:gd name="connsiteY3" fmla="*/ 1376989 h 1376989"/>
+              <a:gd name="connsiteX4" fmla="*/ 0 w 1827638"/>
+              <a:gd name="connsiteY4" fmla="*/ 1376989 h 1376989"/>
+            </a:gdLst>
+            <a:ahLst/>
+            <a:cxnLst>
+              <a:cxn ang="0">
+                <a:pos x="connsiteX0" y="connsiteY0"/>
+              </a:cxn>
+              <a:cxn ang="0">
+                <a:pos x="connsiteX1" y="connsiteY1"/>
+              </a:cxn>
+              <a:cxn ang="0">
+                <a:pos x="connsiteX2" y="connsiteY2"/>
+              </a:cxn>
+              <a:cxn ang="0">
+                <a:pos x="connsiteX3" y="connsiteY3"/>
+              </a:cxn>
+              <a:cxn ang="0">
+                <a:pos x="connsiteX4" y="connsiteY4"/>
+              </a:cxn>
+            </a:cxnLst>
+            <a:rect l="l" t="t" r="r" b="b"/>
+            <a:pathLst>
+              <a:path w="1827638" h="1376989">
+                <a:moveTo>
+                  <a:pt x="0" y="987379"/>
+                </a:moveTo>
+                <a:lnTo>
+                  <a:pt x="987379" y="0"/>
+                </a:lnTo>
+                <a:lnTo>
+                  <a:pt x="1827638" y="840260"/>
+                </a:lnTo>
+                <a:lnTo>
+                  <a:pt x="1827638" y="1376989"/>
+                </a:lnTo>
+                <a:lnTo>
+                  <a:pt x="0" y="1376989"/>
+                </a:lnTo>
+                <a:close/>
+              </a:path>
+            </a:pathLst>
+          </a:custGeom>
+          <a:solidFill>
+            <a:schemeClr val="accent1">
+              <a:alpha val="30000"/>
+            </a:schemeClr>
+          </a:solidFill>
+          <a:ln>
+            <a:noFill/>
+          </a:ln>
+        </p:spPr>
+        <p:style>
+          <a:lnRef idx="2">
+            <a:schemeClr val="accent1">
+              <a:shade val="50000"/>
+            </a:schemeClr>
+          </a:lnRef>
+          <a:fillRef idx="1">
+            <a:schemeClr val="accent1"/>
+          </a:fillRef>
+          <a:effectRef idx="0">
+            <a:schemeClr val="accent1"/>
+          </a:effectRef>
+          <a:fontRef idx="minor">
+            <a:schemeClr val="lt1"/>
+          </a:fontRef>
+        </p:style>
+        <p:txBody>
+          <a:bodyPr rtlCol="0" anchor="ctr"/>
+          <a:lstStyle/>
+          <a:p>
+            <a:pPr algn="ctr"/>
+            <a:endParaRPr lang="en-US" dirty="0"/>
+          </a:p>
+        </p:txBody>
+      </p:sp>
+      <p:sp>
+        <p:nvSpPr>
+          <p:cNvPr id="14" name="Rectangle 13">
+            <a:extLst>
+              <a:ext uri="{FF2B5EF4-FFF2-40B4-BE49-F238E27FC236}">
+                <a16:creationId xmlns:a16="http://schemas.microsoft.com/office/drawing/2014/main" id="{29FDB030-9B49-4CED-8CCD-4D99382388AC}"/>
+              </a:ext>
+              <a:ext uri="{C183D7F6-B498-43B3-948B-1728B52AA6E4}">
+                <adec:decorative xmlns:adec="http://schemas.microsoft.com/office/drawing/2017/decorative" val="1"/>
+              </a:ext>
+            </a:extLst>
+          </p:cNvPr>
+          <p:cNvSpPr>
+            <a:spLocks noGrp="1" noRot="1" noChangeAspect="1" noMove="1" noResize="1" noEditPoints="1" noAdjustHandles="1" noChangeArrowheads="1" noChangeShapeType="1" noTextEdit="1"/>
+          </p:cNvSpPr>
+          <p:nvPr>
+            <p:extLst>
+              <p:ext uri="{386F3935-93C4-4BCD-93E2-E3B085C9AB24}">
+                <p16:designElem xmlns:p16="http://schemas.microsoft.com/office/powerpoint/2015/main" val="1"/>
+              </p:ext>
+            </p:extLst>
+          </p:nvPr>
+        </p:nvSpPr>
+        <p:spPr>
+          <a:xfrm rot="18900000" flipH="1">
+            <a:off x="891641" y="422146"/>
+            <a:ext cx="645368" cy="645368"/>
+          </a:xfrm>
+          <a:prstGeom prst="rect">
+            <a:avLst/>
+          </a:prstGeom>
+          <a:solidFill>
+            <a:schemeClr val="accent1">
+              <a:alpha val="30000"/>
+            </a:schemeClr>
+          </a:solidFill>
+          <a:ln>
+            <a:noFill/>
+          </a:ln>
+        </p:spPr>
+        <p:style>
+          <a:lnRef idx="2">
+            <a:schemeClr val="accent1">
+              <a:shade val="50000"/>
+            </a:schemeClr>
+          </a:lnRef>
+          <a:fillRef idx="1">
+            <a:schemeClr val="accent1"/>
+          </a:fillRef>
+          <a:effectRef idx="0">
+            <a:schemeClr val="accent1"/>
+          </a:effectRef>
+          <a:fontRef idx="minor">
+            <a:schemeClr val="lt1"/>
+          </a:fontRef>
+        </p:style>
+        <p:txBody>
+          <a:bodyPr rtlCol="0" anchor="ctr"/>
+          <a:lstStyle/>
+          <a:p>
+            <a:pPr algn="ctr"/>
+            <a:endParaRPr lang="en-US"/>
+          </a:p>
+        </p:txBody>
+      </p:sp>
+      <p:sp>
+        <p:nvSpPr>
+          <p:cNvPr id="16" name="Rectangle 15">
+            <a:extLst>
+              <a:ext uri="{FF2B5EF4-FFF2-40B4-BE49-F238E27FC236}">
+                <a16:creationId xmlns:a16="http://schemas.microsoft.com/office/drawing/2014/main" id="{3783CA14-24A1-485C-8B30-D6A5D87987AD}"/>
+              </a:ext>
+              <a:ext uri="{C183D7F6-B498-43B3-948B-1728B52AA6E4}">
+                <adec:decorative xmlns:adec="http://schemas.microsoft.com/office/drawing/2017/decorative" val="1"/>
+              </a:ext>
+            </a:extLst>
+          </p:cNvPr>
+          <p:cNvSpPr>
+            <a:spLocks noGrp="1" noRot="1" noChangeAspect="1" noMove="1" noResize="1" noEditPoints="1" noAdjustHandles="1" noChangeArrowheads="1" noChangeShapeType="1" noTextEdit="1"/>
+          </p:cNvSpPr>
+          <p:nvPr>
+            <p:extLst>
+              <p:ext uri="{386F3935-93C4-4BCD-93E2-E3B085C9AB24}">
+                <p16:designElem xmlns:p16="http://schemas.microsoft.com/office/powerpoint/2015/main" val="1"/>
+              </p:ext>
+            </p:extLst>
+          </p:nvPr>
+        </p:nvSpPr>
+        <p:spPr>
+          <a:xfrm rot="18900000" flipH="1">
+            <a:off x="10043482" y="655140"/>
+            <a:ext cx="687472" cy="687472"/>
+          </a:xfrm>
+          <a:prstGeom prst="rect">
+            <a:avLst/>
+          </a:prstGeom>
+          <a:solidFill>
+            <a:schemeClr val="accent4">
+              <a:alpha val="30000"/>
+            </a:schemeClr>
+          </a:solidFill>
+          <a:ln>
+            <a:noFill/>
+          </a:ln>
+        </p:spPr>
+        <p:style>
+          <a:lnRef idx="2">
+            <a:schemeClr val="accent1">
+              <a:shade val="50000"/>
+            </a:schemeClr>
+          </a:lnRef>
+          <a:fillRef idx="1">
+            <a:schemeClr val="accent1"/>
+          </a:fillRef>
+          <a:effectRef idx="0">
+            <a:schemeClr val="accent1"/>
+          </a:effectRef>
+          <a:fontRef idx="minor">
+            <a:schemeClr val="lt1"/>
+          </a:fontRef>
+        </p:style>
+        <p:txBody>
+          <a:bodyPr rtlCol="0" anchor="ctr"/>
+          <a:lstStyle/>
+          <a:p>
+            <a:pPr algn="ctr"/>
+            <a:endParaRPr lang="en-US"/>
+          </a:p>
+        </p:txBody>
+      </p:sp>
+      <p:sp>
+        <p:nvSpPr>
+          <p:cNvPr id="18" name="Freeform: Shape 17">
+            <a:extLst>
+              <a:ext uri="{FF2B5EF4-FFF2-40B4-BE49-F238E27FC236}">
+                <a16:creationId xmlns:a16="http://schemas.microsoft.com/office/drawing/2014/main" id="{9A97C86A-04D6-40F7-AE84-31AB43E6A846}"/>
+              </a:ext>
+              <a:ext uri="{C183D7F6-B498-43B3-948B-1728B52AA6E4}">
+                <adec:decorative xmlns:adec="http://schemas.microsoft.com/office/drawing/2017/decorative" val="1"/>
+              </a:ext>
+            </a:extLst>
+          </p:cNvPr>
+          <p:cNvSpPr>
+            <a:spLocks noGrp="1" noRot="1" noChangeAspect="1" noMove="1" noResize="1" noEditPoints="1" noAdjustHandles="1" noChangeArrowheads="1" noChangeShapeType="1" noTextEdit="1"/>
+          </p:cNvSpPr>
+          <p:nvPr>
+            <p:extLst>
+              <p:ext uri="{386F3935-93C4-4BCD-93E2-E3B085C9AB24}">
+                <p16:designElem xmlns:p16="http://schemas.microsoft.com/office/powerpoint/2015/main" val="1"/>
+              </p:ext>
+            </p:extLst>
+          </p:nvPr>
+        </p:nvSpPr>
+        <p:spPr>
+          <a:xfrm rot="10800000" flipH="1">
+            <a:off x="9356643" y="0"/>
+            <a:ext cx="2835357" cy="1480837"/>
+          </a:xfrm>
+          <a:custGeom>
+            <a:avLst/>
+            <a:gdLst>
+              <a:gd name="connsiteX0" fmla="*/ 2835357 w 2835357"/>
+              <a:gd name="connsiteY0" fmla="*/ 1480837 h 1480837"/>
+              <a:gd name="connsiteX1" fmla="*/ 0 w 2835357"/>
+              <a:gd name="connsiteY1" fmla="*/ 1480837 h 1480837"/>
+              <a:gd name="connsiteX2" fmla="*/ 1552727 w 2835357"/>
+              <a:gd name="connsiteY2" fmla="*/ 0 h 1480837"/>
+              <a:gd name="connsiteX3" fmla="*/ 2835357 w 2835357"/>
+              <a:gd name="connsiteY3" fmla="*/ 1223245 h 1480837"/>
+            </a:gdLst>
+            <a:ahLst/>
+            <a:cxnLst>
+              <a:cxn ang="0">
+                <a:pos x="connsiteX0" y="connsiteY0"/>
+              </a:cxn>
+              <a:cxn ang="0">
+                <a:pos x="connsiteX1" y="connsiteY1"/>
+              </a:cxn>
+              <a:cxn ang="0">
+                <a:pos x="connsiteX2" y="connsiteY2"/>
+              </a:cxn>
+              <a:cxn ang="0">
+                <a:pos x="connsiteX3" y="connsiteY3"/>
+              </a:cxn>
+            </a:cxnLst>
+            <a:rect l="l" t="t" r="r" b="b"/>
+            <a:pathLst>
+              <a:path w="2835357" h="1480837">
+                <a:moveTo>
+                  <a:pt x="2835357" y="1480837"/>
+                </a:moveTo>
+                <a:lnTo>
+                  <a:pt x="0" y="1480837"/>
+                </a:lnTo>
+                <a:lnTo>
+                  <a:pt x="1552727" y="0"/>
+                </a:lnTo>
+                <a:lnTo>
+                  <a:pt x="2835357" y="1223245"/>
+                </a:lnTo>
+                <a:close/>
+              </a:path>
+            </a:pathLst>
+          </a:custGeom>
+          <a:solidFill>
+            <a:schemeClr val="accent4">
+              <a:alpha val="30000"/>
+            </a:schemeClr>
+          </a:solidFill>
+          <a:ln>
+            <a:noFill/>
+          </a:ln>
+        </p:spPr>
+        <p:style>
+          <a:lnRef idx="2">
+            <a:schemeClr val="accent1">
+              <a:shade val="50000"/>
+            </a:schemeClr>
+          </a:lnRef>
+          <a:fillRef idx="1">
+            <a:schemeClr val="accent1"/>
+          </a:fillRef>
+          <a:effectRef idx="0">
+            <a:schemeClr val="accent1"/>
+          </a:effectRef>
+          <a:fontRef idx="minor">
+            <a:schemeClr val="lt1"/>
+          </a:fontRef>
+        </p:style>
+        <p:txBody>
+          <a:bodyPr wrap="square" rtlCol="0" anchor="ctr">
+            <a:noAutofit/>
+          </a:bodyPr>
+          <a:lstStyle/>
+          <a:p>
+            <a:pPr algn="ctr"/>
+            <a:endParaRPr lang="en-US" dirty="0"/>
+          </a:p>
+        </p:txBody>
+      </p:sp>
+      <p:sp>
+        <p:nvSpPr>
+          <p:cNvPr id="20" name="Isosceles Triangle 19">
+            <a:extLst>
+              <a:ext uri="{FF2B5EF4-FFF2-40B4-BE49-F238E27FC236}">
+                <a16:creationId xmlns:a16="http://schemas.microsoft.com/office/drawing/2014/main" id="{FF9F2414-84E8-453E-B1F3-389FDE8192D9}"/>
+              </a:ext>
+              <a:ext uri="{C183D7F6-B498-43B3-948B-1728B52AA6E4}">
+                <adec:decorative xmlns:adec="http://schemas.microsoft.com/office/drawing/2017/decorative" val="1"/>
+              </a:ext>
+            </a:extLst>
+          </p:cNvPr>
+          <p:cNvSpPr>
+            <a:spLocks noGrp="1" noRot="1" noChangeAspect="1" noMove="1" noResize="1" noEditPoints="1" noAdjustHandles="1" noChangeArrowheads="1" noChangeShapeType="1" noTextEdit="1"/>
+          </p:cNvSpPr>
+          <p:nvPr>
+            <p:extLst>
+              <p:ext uri="{386F3935-93C4-4BCD-93E2-E3B085C9AB24}">
+                <p16:designElem xmlns:p16="http://schemas.microsoft.com/office/powerpoint/2015/main" val="1"/>
+              </p:ext>
+            </p:extLst>
+          </p:nvPr>
+        </p:nvSpPr>
+        <p:spPr>
+          <a:xfrm flipH="1">
+            <a:off x="7976344" y="6115501"/>
+            <a:ext cx="1494513" cy="742499"/>
+          </a:xfrm>
+          <a:prstGeom prst="triangle">
+            <a:avLst/>
+          </a:prstGeom>
+          <a:solidFill>
+            <a:schemeClr val="accent1">
+              <a:alpha val="30000"/>
+            </a:schemeClr>
+          </a:solidFill>
+          <a:ln>
+            <a:noFill/>
+          </a:ln>
+        </p:spPr>
+        <p:style>
+          <a:lnRef idx="2">
+            <a:schemeClr val="accent1">
+              <a:shade val="50000"/>
+            </a:schemeClr>
+          </a:lnRef>
+          <a:fillRef idx="1">
+            <a:schemeClr val="accent1"/>
+          </a:fillRef>
+          <a:effectRef idx="0">
+            <a:schemeClr val="accent1"/>
+          </a:effectRef>
+          <a:fontRef idx="minor">
+            <a:schemeClr val="lt1"/>
+          </a:fontRef>
+        </p:style>
+        <p:txBody>
+          <a:bodyPr rtlCol="0" anchor="ctr"/>
+          <a:lstStyle/>
+          <a:p>
+            <a:pPr algn="ctr"/>
+            <a:endParaRPr lang="en-US"/>
+          </a:p>
+        </p:txBody>
+      </p:sp>
+      <p:sp>
+        <p:nvSpPr>
+          <p:cNvPr id="22" name="Isosceles Triangle 21">
+            <a:extLst>
+              <a:ext uri="{FF2B5EF4-FFF2-40B4-BE49-F238E27FC236}">
+                <a16:creationId xmlns:a16="http://schemas.microsoft.com/office/drawing/2014/main" id="{3ECA69A1-7536-43AC-85EF-C7106179F5ED}"/>
+              </a:ext>
+              <a:ext uri="{C183D7F6-B498-43B3-948B-1728B52AA6E4}">
+                <adec:decorative xmlns:adec="http://schemas.microsoft.com/office/drawing/2017/decorative" val="1"/>
+              </a:ext>
+            </a:extLst>
+          </p:cNvPr>
+          <p:cNvSpPr>
+            <a:spLocks noGrp="1" noRot="1" noChangeAspect="1" noMove="1" noResize="1" noEditPoints="1" noAdjustHandles="1" noChangeArrowheads="1" noChangeShapeType="1" noTextEdit="1"/>
+          </p:cNvSpPr>
+          <p:nvPr>
+            <p:extLst>
+              <p:ext uri="{386F3935-93C4-4BCD-93E2-E3B085C9AB24}">
+                <p16:designElem xmlns:p16="http://schemas.microsoft.com/office/powerpoint/2015/main" val="1"/>
+              </p:ext>
+            </p:extLst>
+          </p:nvPr>
+        </p:nvSpPr>
+        <p:spPr>
+          <a:xfrm flipH="1">
+            <a:off x="7604080" y="6453143"/>
+            <a:ext cx="814903" cy="404857"/>
+          </a:xfrm>
+          <a:prstGeom prst="triangle">
+            <a:avLst/>
+          </a:prstGeom>
+          <a:solidFill>
+            <a:schemeClr val="accent1">
+              <a:alpha val="30000"/>
+            </a:schemeClr>
+          </a:solidFill>
+          <a:ln>
+            <a:noFill/>
+          </a:ln>
+        </p:spPr>
+        <p:style>
+          <a:lnRef idx="2">
+            <a:schemeClr val="accent1">
+              <a:shade val="50000"/>
+            </a:schemeClr>
+          </a:lnRef>
+          <a:fillRef idx="1">
+            <a:schemeClr val="accent1"/>
+          </a:fillRef>
+          <a:effectRef idx="0">
+            <a:schemeClr val="accent1"/>
+          </a:effectRef>
+          <a:fontRef idx="minor">
+            <a:schemeClr val="lt1"/>
+          </a:fontRef>
+        </p:style>
+        <p:txBody>
+          <a:bodyPr rtlCol="0" anchor="ctr"/>
+          <a:lstStyle/>
+          <a:p>
+            <a:pPr algn="ctr"/>
+            <a:endParaRPr lang="en-US"/>
+          </a:p>
+        </p:txBody>
+      </p:sp>
+      <p:sp>
+        <p:nvSpPr>
+          <p:cNvPr id="17" name="Slide Number Placeholder 16">
+            <a:extLst>
+              <a:ext uri="{FF2B5EF4-FFF2-40B4-BE49-F238E27FC236}">
+                <a16:creationId xmlns:a16="http://schemas.microsoft.com/office/drawing/2014/main" id="{3340CAD5-E11B-476F-BC4B-3E2E19909B54}"/>
+              </a:ext>
+            </a:extLst>
+          </p:cNvPr>
+          <p:cNvSpPr>
+            <a:spLocks noGrp="1"/>
+          </p:cNvSpPr>
+          <p:nvPr>
+            <p:ph type="sldNum" sz="quarter" idx="12"/>
+          </p:nvPr>
+        </p:nvSpPr>
+        <p:spPr/>
+        <p:txBody>
+          <a:bodyPr/>
+          <a:lstStyle/>
+          <a:p>
+            <a:fld id="{3326F55E-B2F8-46C6-958B-87902B1FD1A5}" type="slidenum">
+              <a:rPr lang="en-IN" smtClean="0"/>
+              <a:t>15</a:t>
+            </a:fld>
+            <a:endParaRPr lang="en-IN"/>
+          </a:p>
+        </p:txBody>
+      </p:sp>
+      <p:pic>
+        <p:nvPicPr>
+          <p:cNvPr id="3" name="Picture 2" descr="A picture containing application&#10;&#10;Description automatically generated">
+            <a:extLst>
+              <a:ext uri="{FF2B5EF4-FFF2-40B4-BE49-F238E27FC236}">
+                <a16:creationId xmlns:a16="http://schemas.microsoft.com/office/drawing/2014/main" id="{A8421A66-CF66-425E-B268-7816B9B1A4CC}"/>
+              </a:ext>
+            </a:extLst>
+          </p:cNvPr>
+          <p:cNvPicPr>
+            <a:picLocks noChangeAspect="1"/>
+          </p:cNvPicPr>
+          <p:nvPr/>
+        </p:nvPicPr>
+        <p:blipFill>
+          <a:blip r:embed="rId2">
+            <a:alphaModFix amt="5000"/>
+            <a:extLst>
+              <a:ext uri="{28A0092B-C50C-407E-A947-70E740481C1C}">
+                <a14:useLocalDpi xmlns:a14="http://schemas.microsoft.com/office/drawing/2010/main" val="0"/>
+              </a:ext>
+            </a:extLst>
+          </a:blip>
+          <a:stretch>
+            <a:fillRect/>
+          </a:stretch>
+        </p:blipFill>
+        <p:spPr>
+          <a:xfrm>
+            <a:off x="8242311" y="1799112"/>
+            <a:ext cx="2761742" cy="1546576"/>
+          </a:xfrm>
+          <a:prstGeom prst="rect">
+            <a:avLst/>
+          </a:prstGeom>
+        </p:spPr>
+      </p:pic>
+      <p:pic>
+        <p:nvPicPr>
+          <p:cNvPr id="8" name="Picture 7" descr="Icon&#10;&#10;Description automatically generated">
+            <a:extLst>
+              <a:ext uri="{FF2B5EF4-FFF2-40B4-BE49-F238E27FC236}">
+                <a16:creationId xmlns:a16="http://schemas.microsoft.com/office/drawing/2014/main" id="{8A1A7B1D-37CD-4C16-AF9C-2765E77E8242}"/>
+              </a:ext>
+            </a:extLst>
+          </p:cNvPr>
+          <p:cNvPicPr>
+            <a:picLocks noChangeAspect="1"/>
+          </p:cNvPicPr>
+          <p:nvPr/>
+        </p:nvPicPr>
+        <p:blipFill>
+          <a:blip r:embed="rId3">
+            <a:alphaModFix amt="20000"/>
+            <a:extLst>
+              <a:ext uri="{28A0092B-C50C-407E-A947-70E740481C1C}">
+                <a14:useLocalDpi xmlns:a14="http://schemas.microsoft.com/office/drawing/2010/main" val="0"/>
+              </a:ext>
+            </a:extLst>
+          </a:blip>
+          <a:stretch>
+            <a:fillRect/>
+          </a:stretch>
+        </p:blipFill>
+        <p:spPr>
+          <a:xfrm>
+            <a:off x="241451" y="5664502"/>
+            <a:ext cx="1095322" cy="1095322"/>
+          </a:xfrm>
+          <a:prstGeom prst="rect">
+            <a:avLst/>
+          </a:prstGeom>
+        </p:spPr>
+      </p:pic>
+      <p:pic>
+        <p:nvPicPr>
+          <p:cNvPr id="11" name="Picture 10" descr="Logo, company name&#10;&#10;Description automatically generated">
+            <a:extLst>
+              <a:ext uri="{FF2B5EF4-FFF2-40B4-BE49-F238E27FC236}">
+                <a16:creationId xmlns:a16="http://schemas.microsoft.com/office/drawing/2014/main" id="{45CD60BA-EFBE-4963-9084-F0CC2663D9DE}"/>
+              </a:ext>
+            </a:extLst>
+          </p:cNvPr>
+          <p:cNvPicPr>
+            <a:picLocks noChangeAspect="1"/>
+          </p:cNvPicPr>
+          <p:nvPr/>
+        </p:nvPicPr>
+        <p:blipFill>
+          <a:blip r:embed="rId4">
+            <a:alphaModFix amt="20000"/>
+            <a:extLst>
+              <a:ext uri="{28A0092B-C50C-407E-A947-70E740481C1C}">
+                <a14:useLocalDpi xmlns:a14="http://schemas.microsoft.com/office/drawing/2010/main" val="0"/>
+              </a:ext>
+            </a:extLst>
+          </a:blip>
+          <a:stretch>
+            <a:fillRect/>
+          </a:stretch>
+        </p:blipFill>
+        <p:spPr>
+          <a:xfrm>
+            <a:off x="440516" y="3683086"/>
+            <a:ext cx="1095321" cy="728886"/>
+          </a:xfrm>
+          <a:prstGeom prst="rect">
+            <a:avLst/>
+          </a:prstGeom>
+        </p:spPr>
+      </p:pic>
+      <p:pic>
+        <p:nvPicPr>
+          <p:cNvPr id="23" name="Picture 22" descr="Icon&#10;&#10;Description automatically generated">
+            <a:extLst>
+              <a:ext uri="{FF2B5EF4-FFF2-40B4-BE49-F238E27FC236}">
+                <a16:creationId xmlns:a16="http://schemas.microsoft.com/office/drawing/2014/main" id="{145C2445-9D33-41DC-A11E-E8225FD08D20}"/>
+              </a:ext>
+            </a:extLst>
+          </p:cNvPr>
+          <p:cNvPicPr>
+            <a:picLocks noChangeAspect="1"/>
+          </p:cNvPicPr>
+          <p:nvPr/>
+        </p:nvPicPr>
+        <p:blipFill>
+          <a:blip r:embed="rId5">
+            <a:alphaModFix amt="5000"/>
+            <a:extLst>
+              <a:ext uri="{28A0092B-C50C-407E-A947-70E740481C1C}">
+                <a14:useLocalDpi xmlns:a14="http://schemas.microsoft.com/office/drawing/2010/main" val="0"/>
+              </a:ext>
+            </a:extLst>
+          </a:blip>
+          <a:stretch>
+            <a:fillRect/>
+          </a:stretch>
+        </p:blipFill>
+        <p:spPr>
+          <a:xfrm>
+            <a:off x="679301" y="1856317"/>
+            <a:ext cx="991369" cy="991369"/>
+          </a:xfrm>
+          <a:prstGeom prst="rect">
+            <a:avLst/>
+          </a:prstGeom>
+        </p:spPr>
+      </p:pic>
+      <p:pic>
+        <p:nvPicPr>
+          <p:cNvPr id="27" name="Picture 26" descr="Icon&#10;&#10;Description automatically generated">
+            <a:extLst>
+              <a:ext uri="{FF2B5EF4-FFF2-40B4-BE49-F238E27FC236}">
+                <a16:creationId xmlns:a16="http://schemas.microsoft.com/office/drawing/2014/main" id="{AC689997-C9F1-473E-9628-717E2E675027}"/>
+              </a:ext>
+            </a:extLst>
+          </p:cNvPr>
+          <p:cNvPicPr>
+            <a:picLocks noChangeAspect="1"/>
+          </p:cNvPicPr>
+          <p:nvPr/>
+        </p:nvPicPr>
+        <p:blipFill>
+          <a:blip r:embed="rId6">
+            <a:alphaModFix amt="20000"/>
+            <a:extLst>
+              <a:ext uri="{28A0092B-C50C-407E-A947-70E740481C1C}">
+                <a14:useLocalDpi xmlns:a14="http://schemas.microsoft.com/office/drawing/2010/main" val="0"/>
+              </a:ext>
+            </a:extLst>
+          </a:blip>
+          <a:stretch>
+            <a:fillRect/>
+          </a:stretch>
+        </p:blipFill>
+        <p:spPr>
+          <a:xfrm>
+            <a:off x="10050680" y="4158335"/>
+            <a:ext cx="1210965" cy="1004215"/>
+          </a:xfrm>
+          <a:prstGeom prst="rect">
+            <a:avLst/>
+          </a:prstGeom>
+        </p:spPr>
+      </p:pic>
+      <p:pic>
+        <p:nvPicPr>
+          <p:cNvPr id="29" name="Picture 28" descr="Icon&#10;&#10;Description automatically generated">
+            <a:extLst>
+              <a:ext uri="{FF2B5EF4-FFF2-40B4-BE49-F238E27FC236}">
+                <a16:creationId xmlns:a16="http://schemas.microsoft.com/office/drawing/2014/main" id="{AB2C0348-A112-4CC4-A3E4-1C4E414EEB78}"/>
+              </a:ext>
+            </a:extLst>
+          </p:cNvPr>
+          <p:cNvPicPr>
+            <a:picLocks noChangeAspect="1"/>
+          </p:cNvPicPr>
+          <p:nvPr/>
+        </p:nvPicPr>
+        <p:blipFill>
+          <a:blip r:embed="rId7">
+            <a:alphaModFix amt="20000"/>
+            <a:extLst>
+              <a:ext uri="{28A0092B-C50C-407E-A947-70E740481C1C}">
+                <a14:useLocalDpi xmlns:a14="http://schemas.microsoft.com/office/drawing/2010/main" val="0"/>
+              </a:ext>
+            </a:extLst>
+          </a:blip>
+          <a:stretch>
+            <a:fillRect/>
+          </a:stretch>
+        </p:blipFill>
+        <p:spPr>
+          <a:xfrm>
+            <a:off x="5131575" y="129118"/>
+            <a:ext cx="1362717" cy="716525"/>
+          </a:xfrm>
+          <a:prstGeom prst="rect">
+            <a:avLst/>
+          </a:prstGeom>
+        </p:spPr>
+      </p:pic>
+      <p:pic>
+        <p:nvPicPr>
+          <p:cNvPr id="31" name="Picture 30" descr="Logo, company name&#10;&#10;Description automatically generated">
+            <a:extLst>
+              <a:ext uri="{FF2B5EF4-FFF2-40B4-BE49-F238E27FC236}">
+                <a16:creationId xmlns:a16="http://schemas.microsoft.com/office/drawing/2014/main" id="{ACF5D9A4-A045-46AD-BE40-50630DB00AF4}"/>
+              </a:ext>
+            </a:extLst>
+          </p:cNvPr>
+          <p:cNvPicPr>
+            <a:picLocks noChangeAspect="1"/>
+          </p:cNvPicPr>
+          <p:nvPr/>
+        </p:nvPicPr>
+        <p:blipFill>
+          <a:blip r:embed="rId8">
+            <a:alphaModFix amt="20000"/>
+            <a:extLst>
+              <a:ext uri="{28A0092B-C50C-407E-A947-70E740481C1C}">
+                <a14:useLocalDpi xmlns:a14="http://schemas.microsoft.com/office/drawing/2010/main" val="0"/>
+              </a:ext>
+            </a:extLst>
+          </a:blip>
+          <a:stretch>
+            <a:fillRect/>
+          </a:stretch>
+        </p:blipFill>
+        <p:spPr>
+          <a:xfrm>
+            <a:off x="7867437" y="-85917"/>
+            <a:ext cx="1157328" cy="1157328"/>
+          </a:xfrm>
+          <a:prstGeom prst="rect">
+            <a:avLst/>
+          </a:prstGeom>
+        </p:spPr>
+      </p:pic>
+      <p:pic>
+        <p:nvPicPr>
+          <p:cNvPr id="33" name="Picture 32" descr="Logo&#10;&#10;Description automatically generated with medium confidence">
+            <a:extLst>
+              <a:ext uri="{FF2B5EF4-FFF2-40B4-BE49-F238E27FC236}">
+                <a16:creationId xmlns:a16="http://schemas.microsoft.com/office/drawing/2014/main" id="{DD608B77-41A7-4C1F-839A-B3EC2597EC6E}"/>
+              </a:ext>
+            </a:extLst>
+          </p:cNvPr>
+          <p:cNvPicPr>
+            <a:picLocks noChangeAspect="1"/>
+          </p:cNvPicPr>
+          <p:nvPr/>
+        </p:nvPicPr>
+        <p:blipFill>
+          <a:blip r:embed="rId9">
+            <a:alphaModFix amt="20000"/>
+            <a:extLst>
+              <a:ext uri="{28A0092B-C50C-407E-A947-70E740481C1C}">
+                <a14:useLocalDpi xmlns:a14="http://schemas.microsoft.com/office/drawing/2010/main" val="0"/>
+              </a:ext>
+            </a:extLst>
+          </a:blip>
+          <a:stretch>
+            <a:fillRect/>
+          </a:stretch>
+        </p:blipFill>
+        <p:spPr>
+          <a:xfrm>
+            <a:off x="3541522" y="5328895"/>
+            <a:ext cx="928904" cy="671214"/>
+          </a:xfrm>
+          <a:prstGeom prst="rect">
+            <a:avLst/>
+          </a:prstGeom>
+        </p:spPr>
+      </p:pic>
+      <p:pic>
+        <p:nvPicPr>
+          <p:cNvPr id="35" name="Picture 34" descr="Icon&#10;&#10;Description automatically generated">
+            <a:extLst>
+              <a:ext uri="{FF2B5EF4-FFF2-40B4-BE49-F238E27FC236}">
+                <a16:creationId xmlns:a16="http://schemas.microsoft.com/office/drawing/2014/main" id="{A8F294EA-2D1A-4FD8-A191-CD721672A727}"/>
+              </a:ext>
+            </a:extLst>
+          </p:cNvPr>
+          <p:cNvPicPr>
+            <a:picLocks noChangeAspect="1"/>
+          </p:cNvPicPr>
+          <p:nvPr/>
+        </p:nvPicPr>
+        <p:blipFill>
+          <a:blip r:embed="rId10">
+            <a:alphaModFix amt="20000"/>
+            <a:extLst>
+              <a:ext uri="{28A0092B-C50C-407E-A947-70E740481C1C}">
+                <a14:useLocalDpi xmlns:a14="http://schemas.microsoft.com/office/drawing/2010/main" val="0"/>
+              </a:ext>
+            </a:extLst>
+          </a:blip>
+          <a:stretch>
+            <a:fillRect/>
+          </a:stretch>
+        </p:blipFill>
+        <p:spPr>
+          <a:xfrm>
+            <a:off x="1778274" y="148168"/>
+            <a:ext cx="650376" cy="689159"/>
+          </a:xfrm>
+          <a:prstGeom prst="rect">
+            <a:avLst/>
+          </a:prstGeom>
+        </p:spPr>
+      </p:pic>
+      <p:pic>
+        <p:nvPicPr>
+          <p:cNvPr id="37" name="Picture 36" descr="Logo, company name&#10;&#10;Description automatically generated">
+            <a:extLst>
+              <a:ext uri="{FF2B5EF4-FFF2-40B4-BE49-F238E27FC236}">
+                <a16:creationId xmlns:a16="http://schemas.microsoft.com/office/drawing/2014/main" id="{A70DFA68-C381-45CC-B6BA-275F026B67B1}"/>
+              </a:ext>
+            </a:extLst>
+          </p:cNvPr>
+          <p:cNvPicPr>
+            <a:picLocks noChangeAspect="1"/>
+          </p:cNvPicPr>
+          <p:nvPr/>
+        </p:nvPicPr>
+        <p:blipFill>
+          <a:blip r:embed="rId11">
+            <a:extLst>
+              <a:ext uri="{28A0092B-C50C-407E-A947-70E740481C1C}">
+                <a14:useLocalDpi xmlns:a14="http://schemas.microsoft.com/office/drawing/2010/main" val="0"/>
+              </a:ext>
+            </a:extLst>
+          </a:blip>
+          <a:stretch>
+            <a:fillRect/>
+          </a:stretch>
+        </p:blipFill>
+        <p:spPr>
+          <a:xfrm>
+            <a:off x="9747682" y="-24262"/>
+            <a:ext cx="2444318" cy="1480838"/>
+          </a:xfrm>
+          <a:prstGeom prst="rect">
+            <a:avLst/>
+          </a:prstGeom>
+        </p:spPr>
+      </p:pic>
+      <p:sp>
+        <p:nvSpPr>
+          <p:cNvPr id="2" name="TextBox 1">
+            <a:extLst>
+              <a:ext uri="{FF2B5EF4-FFF2-40B4-BE49-F238E27FC236}">
+                <a16:creationId xmlns:a16="http://schemas.microsoft.com/office/drawing/2014/main" id="{160A88C6-5C6A-45EC-A97B-1A6441707965}"/>
+              </a:ext>
+            </a:extLst>
+          </p:cNvPr>
+          <p:cNvSpPr txBox="1"/>
+          <p:nvPr/>
+        </p:nvSpPr>
+        <p:spPr>
+          <a:xfrm>
+            <a:off x="3684232" y="2847686"/>
+            <a:ext cx="3213717" cy="646331"/>
+          </a:xfrm>
+          <a:prstGeom prst="rect">
+            <a:avLst/>
+          </a:prstGeom>
+          <a:noFill/>
+        </p:spPr>
+        <p:txBody>
+          <a:bodyPr wrap="square" rtlCol="0">
+            <a:spAutoFit/>
+          </a:bodyPr>
+          <a:lstStyle/>
+          <a:p>
+            <a:r>
+              <a:rPr lang="en-IN" sz="3600" b="1" i="1" dirty="0">
+                <a:solidFill>
+                  <a:schemeClr val="accent6">
+                    <a:lumMod val="50000"/>
+                  </a:schemeClr>
+                </a:solidFill>
+              </a:rPr>
+              <a:t>Thank you…!!!</a:t>
+            </a:r>
+          </a:p>
+        </p:txBody>
+      </p:sp>
+    </p:spTree>
+    <p:extLst>
+      <p:ext uri="{BB962C8B-B14F-4D97-AF65-F5344CB8AC3E}">
+        <p14:creationId xmlns:p14="http://schemas.microsoft.com/office/powerpoint/2010/main" val="233138643"/>
+      </p:ext>
+    </p:extLst>
+  </p:cSld>
+  <p:clrMapOvr>
+    <a:masterClrMapping/>
+  </p:clrMapOvr>
+</p:sld>
+</file>
+
+<file path=ppt/slides/slide2.xml><?xml version="1.0" encoding="utf-8"?>
+<p:sld xmlns:a="http://schemas.openxmlformats.org/drawingml/2006/main" xmlns:r="http://schemas.openxmlformats.org/officeDocument/2006/relationships" xmlns:p="http://schemas.openxmlformats.org/presentationml/2006/main">
+  <p:cSld>
+    <p:spTree>
+      <p:nvGrpSpPr>
+        <p:cNvPr id="1" name=""/>
+        <p:cNvGrpSpPr/>
+        <p:nvPr/>
+      </p:nvGrpSpPr>
+      <p:grpSpPr>
+        <a:xfrm>
+          <a:off x="0" y="0"/>
+          <a:ext cx="0" cy="0"/>
+          <a:chOff x="0" y="0"/>
+          <a:chExt cx="0" cy="0"/>
+        </a:xfrm>
+      </p:grpSpPr>
+      <p:sp>
+        <p:nvSpPr>
+          <p:cNvPr id="10" name="Rectangle 9">
+            <a:extLst>
+              <a:ext uri="{FF2B5EF4-FFF2-40B4-BE49-F238E27FC236}">
+                <a16:creationId xmlns:a16="http://schemas.microsoft.com/office/drawing/2014/main" id="{F3060C83-F051-4F0E-ABAD-AA0DFC48B218}"/>
+              </a:ext>
+              <a:ext uri="{C183D7F6-B498-43B3-948B-1728B52AA6E4}">
+                <adec:decorative xmlns:adec="http://schemas.microsoft.com/office/drawing/2017/decorative" val="1"/>
+              </a:ext>
+            </a:extLst>
+          </p:cNvPr>
+          <p:cNvSpPr>
+            <a:spLocks noGrp="1" noRot="1" noChangeAspect="1" noMove="1" noResize="1" noEditPoints="1" noAdjustHandles="1" noChangeArrowheads="1" noChangeShapeType="1" noTextEdit="1"/>
+          </p:cNvSpPr>
+          <p:nvPr>
+            <p:extLst>
+              <p:ext uri="{386F3935-93C4-4BCD-93E2-E3B085C9AB24}">
+                <p16:designElem xmlns:p16="http://schemas.microsoft.com/office/powerpoint/2015/main" val="1"/>
+              </p:ext>
+            </p:extLst>
+          </p:nvPr>
+        </p:nvSpPr>
+        <p:spPr>
+          <a:xfrm>
+            <a:off x="0" y="0"/>
+            <a:ext cx="12192000" cy="6858000"/>
+          </a:xfrm>
+          <a:prstGeom prst="rect">
+            <a:avLst/>
+          </a:prstGeom>
+          <a:solidFill>
+            <a:schemeClr val="bg1"/>
+          </a:solidFill>
+          <a:ln>
+            <a:noFill/>
+          </a:ln>
+        </p:spPr>
+        <p:style>
+          <a:lnRef idx="2">
+            <a:schemeClr val="accent1">
+              <a:shade val="50000"/>
+            </a:schemeClr>
+          </a:lnRef>
+          <a:fillRef idx="1">
+            <a:schemeClr val="accent1"/>
+          </a:fillRef>
+          <a:effectRef idx="0">
+            <a:schemeClr val="accent1"/>
+          </a:effectRef>
+          <a:fontRef idx="minor">
+            <a:schemeClr val="lt1"/>
+          </a:fontRef>
+        </p:style>
+        <p:txBody>
+          <a:bodyPr rtlCol="0" anchor="ctr"/>
+          <a:lstStyle/>
+          <a:p>
+            <a:pPr algn="ctr"/>
+            <a:endParaRPr lang="en-US" dirty="0"/>
+          </a:p>
+        </p:txBody>
+      </p:sp>
+      <p:sp>
+        <p:nvSpPr>
+          <p:cNvPr id="12" name="Freeform: Shape 11">
+            <a:extLst>
+              <a:ext uri="{FF2B5EF4-FFF2-40B4-BE49-F238E27FC236}">
+                <a16:creationId xmlns:a16="http://schemas.microsoft.com/office/drawing/2014/main" id="{83C98ABE-055B-441F-B07E-44F97F083C39}"/>
+              </a:ext>
+              <a:ext uri="{C183D7F6-B498-43B3-948B-1728B52AA6E4}">
+                <adec:decorative xmlns:adec="http://schemas.microsoft.com/office/drawing/2017/decorative" val="1"/>
+              </a:ext>
+            </a:extLst>
+          </p:cNvPr>
+          <p:cNvSpPr>
+            <a:spLocks noGrp="1" noRot="1" noChangeAspect="1" noMove="1" noResize="1" noEditPoints="1" noAdjustHandles="1" noChangeArrowheads="1" noChangeShapeType="1" noTextEdit="1"/>
+          </p:cNvSpPr>
+          <p:nvPr>
+            <p:extLst>
+              <p:ext uri="{386F3935-93C4-4BCD-93E2-E3B085C9AB24}">
+                <p16:designElem xmlns:p16="http://schemas.microsoft.com/office/powerpoint/2015/main" val="1"/>
+              </p:ext>
+            </p:extLst>
+          </p:nvPr>
+        </p:nvSpPr>
+        <p:spPr>
+          <a:xfrm rot="18900000" flipH="1">
+            <a:off x="-376156" y="-253670"/>
+            <a:ext cx="1827638" cy="1376989"/>
+          </a:xfrm>
+          <a:custGeom>
+            <a:avLst/>
+            <a:gdLst>
+              <a:gd name="connsiteX0" fmla="*/ 0 w 1827638"/>
+              <a:gd name="connsiteY0" fmla="*/ 987379 h 1376989"/>
+              <a:gd name="connsiteX1" fmla="*/ 987379 w 1827638"/>
+              <a:gd name="connsiteY1" fmla="*/ 0 h 1376989"/>
+              <a:gd name="connsiteX2" fmla="*/ 1827638 w 1827638"/>
+              <a:gd name="connsiteY2" fmla="*/ 840260 h 1376989"/>
+              <a:gd name="connsiteX3" fmla="*/ 1827638 w 1827638"/>
+              <a:gd name="connsiteY3" fmla="*/ 1376989 h 1376989"/>
+              <a:gd name="connsiteX4" fmla="*/ 0 w 1827638"/>
+              <a:gd name="connsiteY4" fmla="*/ 1376989 h 1376989"/>
+            </a:gdLst>
+            <a:ahLst/>
+            <a:cxnLst>
+              <a:cxn ang="0">
+                <a:pos x="connsiteX0" y="connsiteY0"/>
+              </a:cxn>
+              <a:cxn ang="0">
+                <a:pos x="connsiteX1" y="connsiteY1"/>
+              </a:cxn>
+              <a:cxn ang="0">
+                <a:pos x="connsiteX2" y="connsiteY2"/>
+              </a:cxn>
+              <a:cxn ang="0">
+                <a:pos x="connsiteX3" y="connsiteY3"/>
+              </a:cxn>
+              <a:cxn ang="0">
+                <a:pos x="connsiteX4" y="connsiteY4"/>
+              </a:cxn>
+            </a:cxnLst>
+            <a:rect l="l" t="t" r="r" b="b"/>
+            <a:pathLst>
+              <a:path w="1827638" h="1376989">
+                <a:moveTo>
+                  <a:pt x="0" y="987379"/>
+                </a:moveTo>
+                <a:lnTo>
+                  <a:pt x="987379" y="0"/>
+                </a:lnTo>
+                <a:lnTo>
+                  <a:pt x="1827638" y="840260"/>
+                </a:lnTo>
+                <a:lnTo>
+                  <a:pt x="1827638" y="1376989"/>
+                </a:lnTo>
+                <a:lnTo>
+                  <a:pt x="0" y="1376989"/>
+                </a:lnTo>
+                <a:close/>
+              </a:path>
+            </a:pathLst>
+          </a:custGeom>
+          <a:solidFill>
+            <a:schemeClr val="accent1">
+              <a:alpha val="30000"/>
+            </a:schemeClr>
+          </a:solidFill>
+          <a:ln>
+            <a:noFill/>
+          </a:ln>
+        </p:spPr>
+        <p:style>
+          <a:lnRef idx="2">
+            <a:schemeClr val="accent1">
+              <a:shade val="50000"/>
+            </a:schemeClr>
+          </a:lnRef>
+          <a:fillRef idx="1">
+            <a:schemeClr val="accent1"/>
+          </a:fillRef>
+          <a:effectRef idx="0">
+            <a:schemeClr val="accent1"/>
+          </a:effectRef>
+          <a:fontRef idx="minor">
+            <a:schemeClr val="lt1"/>
+          </a:fontRef>
+        </p:style>
+        <p:txBody>
+          <a:bodyPr rtlCol="0" anchor="ctr"/>
+          <a:lstStyle/>
+          <a:p>
+            <a:pPr algn="ctr"/>
+            <a:endParaRPr lang="en-US" dirty="0"/>
+          </a:p>
+        </p:txBody>
+      </p:sp>
+      <p:sp>
+        <p:nvSpPr>
+          <p:cNvPr id="14" name="Rectangle 13">
+            <a:extLst>
+              <a:ext uri="{FF2B5EF4-FFF2-40B4-BE49-F238E27FC236}">
+                <a16:creationId xmlns:a16="http://schemas.microsoft.com/office/drawing/2014/main" id="{29FDB030-9B49-4CED-8CCD-4D99382388AC}"/>
+              </a:ext>
+              <a:ext uri="{C183D7F6-B498-43B3-948B-1728B52AA6E4}">
+                <adec:decorative xmlns:adec="http://schemas.microsoft.com/office/drawing/2017/decorative" val="1"/>
+              </a:ext>
+            </a:extLst>
+          </p:cNvPr>
+          <p:cNvSpPr>
+            <a:spLocks noGrp="1" noRot="1" noChangeAspect="1" noMove="1" noResize="1" noEditPoints="1" noAdjustHandles="1" noChangeArrowheads="1" noChangeShapeType="1" noTextEdit="1"/>
+          </p:cNvSpPr>
+          <p:nvPr>
+            <p:extLst>
+              <p:ext uri="{386F3935-93C4-4BCD-93E2-E3B085C9AB24}">
+                <p16:designElem xmlns:p16="http://schemas.microsoft.com/office/powerpoint/2015/main" val="1"/>
+              </p:ext>
+            </p:extLst>
+          </p:nvPr>
+        </p:nvSpPr>
+        <p:spPr>
+          <a:xfrm rot="18900000" flipH="1">
+            <a:off x="891641" y="422146"/>
+            <a:ext cx="645368" cy="645368"/>
+          </a:xfrm>
+          <a:prstGeom prst="rect">
+            <a:avLst/>
+          </a:prstGeom>
+          <a:solidFill>
+            <a:schemeClr val="accent1">
+              <a:alpha val="30000"/>
+            </a:schemeClr>
+          </a:solidFill>
+          <a:ln>
+            <a:noFill/>
+          </a:ln>
+        </p:spPr>
+        <p:style>
+          <a:lnRef idx="2">
+            <a:schemeClr val="accent1">
+              <a:shade val="50000"/>
+            </a:schemeClr>
+          </a:lnRef>
+          <a:fillRef idx="1">
+            <a:schemeClr val="accent1"/>
+          </a:fillRef>
+          <a:effectRef idx="0">
+            <a:schemeClr val="accent1"/>
+          </a:effectRef>
+          <a:fontRef idx="minor">
+            <a:schemeClr val="lt1"/>
+          </a:fontRef>
+        </p:style>
+        <p:txBody>
+          <a:bodyPr rtlCol="0" anchor="ctr"/>
+          <a:lstStyle/>
+          <a:p>
+            <a:pPr algn="ctr"/>
+            <a:endParaRPr lang="en-US"/>
+          </a:p>
+        </p:txBody>
+      </p:sp>
+      <p:sp>
+        <p:nvSpPr>
+          <p:cNvPr id="16" name="Rectangle 15">
+            <a:extLst>
+              <a:ext uri="{FF2B5EF4-FFF2-40B4-BE49-F238E27FC236}">
+                <a16:creationId xmlns:a16="http://schemas.microsoft.com/office/drawing/2014/main" id="{3783CA14-24A1-485C-8B30-D6A5D87987AD}"/>
+              </a:ext>
+              <a:ext uri="{C183D7F6-B498-43B3-948B-1728B52AA6E4}">
+                <adec:decorative xmlns:adec="http://schemas.microsoft.com/office/drawing/2017/decorative" val="1"/>
+              </a:ext>
+            </a:extLst>
+          </p:cNvPr>
+          <p:cNvSpPr>
+            <a:spLocks noGrp="1" noRot="1" noChangeAspect="1" noMove="1" noResize="1" noEditPoints="1" noAdjustHandles="1" noChangeArrowheads="1" noChangeShapeType="1" noTextEdit="1"/>
+          </p:cNvSpPr>
+          <p:nvPr>
+            <p:extLst>
+              <p:ext uri="{386F3935-93C4-4BCD-93E2-E3B085C9AB24}">
+                <p16:designElem xmlns:p16="http://schemas.microsoft.com/office/powerpoint/2015/main" val="1"/>
+              </p:ext>
+            </p:extLst>
+          </p:nvPr>
+        </p:nvSpPr>
+        <p:spPr>
+          <a:xfrm rot="18900000" flipH="1">
+            <a:off x="10043482" y="655140"/>
+            <a:ext cx="687472" cy="687472"/>
+          </a:xfrm>
+          <a:prstGeom prst="rect">
+            <a:avLst/>
+          </a:prstGeom>
+          <a:solidFill>
+            <a:schemeClr val="accent4">
+              <a:alpha val="30000"/>
+            </a:schemeClr>
+          </a:solidFill>
+          <a:ln>
+            <a:noFill/>
+          </a:ln>
+        </p:spPr>
+        <p:style>
+          <a:lnRef idx="2">
+            <a:schemeClr val="accent1">
+              <a:shade val="50000"/>
+            </a:schemeClr>
+          </a:lnRef>
+          <a:fillRef idx="1">
+            <a:schemeClr val="accent1"/>
+          </a:fillRef>
+          <a:effectRef idx="0">
+            <a:schemeClr val="accent1"/>
+          </a:effectRef>
+          <a:fontRef idx="minor">
+            <a:schemeClr val="lt1"/>
+          </a:fontRef>
+        </p:style>
+        <p:txBody>
+          <a:bodyPr rtlCol="0" anchor="ctr"/>
+          <a:lstStyle/>
+          <a:p>
+            <a:pPr algn="ctr"/>
+            <a:endParaRPr lang="en-US"/>
+          </a:p>
+        </p:txBody>
+      </p:sp>
+      <p:sp>
+        <p:nvSpPr>
+          <p:cNvPr id="18" name="Freeform: Shape 17">
+            <a:extLst>
+              <a:ext uri="{FF2B5EF4-FFF2-40B4-BE49-F238E27FC236}">
+                <a16:creationId xmlns:a16="http://schemas.microsoft.com/office/drawing/2014/main" id="{9A97C86A-04D6-40F7-AE84-31AB43E6A846}"/>
+              </a:ext>
+              <a:ext uri="{C183D7F6-B498-43B3-948B-1728B52AA6E4}">
+                <adec:decorative xmlns:adec="http://schemas.microsoft.com/office/drawing/2017/decorative" val="1"/>
+              </a:ext>
+            </a:extLst>
+          </p:cNvPr>
+          <p:cNvSpPr>
+            <a:spLocks noGrp="1" noRot="1" noChangeAspect="1" noMove="1" noResize="1" noEditPoints="1" noAdjustHandles="1" noChangeArrowheads="1" noChangeShapeType="1" noTextEdit="1"/>
+          </p:cNvSpPr>
+          <p:nvPr>
+            <p:extLst>
+              <p:ext uri="{386F3935-93C4-4BCD-93E2-E3B085C9AB24}">
+                <p16:designElem xmlns:p16="http://schemas.microsoft.com/office/powerpoint/2015/main" val="1"/>
+              </p:ext>
+            </p:extLst>
+          </p:nvPr>
+        </p:nvSpPr>
+        <p:spPr>
+          <a:xfrm rot="10800000" flipH="1">
+            <a:off x="9356643" y="0"/>
+            <a:ext cx="2835357" cy="1480837"/>
+          </a:xfrm>
+          <a:custGeom>
+            <a:avLst/>
+            <a:gdLst>
+              <a:gd name="connsiteX0" fmla="*/ 2835357 w 2835357"/>
+              <a:gd name="connsiteY0" fmla="*/ 1480837 h 1480837"/>
+              <a:gd name="connsiteX1" fmla="*/ 0 w 2835357"/>
+              <a:gd name="connsiteY1" fmla="*/ 1480837 h 1480837"/>
+              <a:gd name="connsiteX2" fmla="*/ 1552727 w 2835357"/>
+              <a:gd name="connsiteY2" fmla="*/ 0 h 1480837"/>
+              <a:gd name="connsiteX3" fmla="*/ 2835357 w 2835357"/>
+              <a:gd name="connsiteY3" fmla="*/ 1223245 h 1480837"/>
+            </a:gdLst>
+            <a:ahLst/>
+            <a:cxnLst>
+              <a:cxn ang="0">
+                <a:pos x="connsiteX0" y="connsiteY0"/>
+              </a:cxn>
+              <a:cxn ang="0">
+                <a:pos x="connsiteX1" y="connsiteY1"/>
+              </a:cxn>
+              <a:cxn ang="0">
+                <a:pos x="connsiteX2" y="connsiteY2"/>
+              </a:cxn>
+              <a:cxn ang="0">
+                <a:pos x="connsiteX3" y="connsiteY3"/>
+              </a:cxn>
+            </a:cxnLst>
+            <a:rect l="l" t="t" r="r" b="b"/>
+            <a:pathLst>
+              <a:path w="2835357" h="1480837">
+                <a:moveTo>
+                  <a:pt x="2835357" y="1480837"/>
+                </a:moveTo>
+                <a:lnTo>
+                  <a:pt x="0" y="1480837"/>
+                </a:lnTo>
+                <a:lnTo>
+                  <a:pt x="1552727" y="0"/>
+                </a:lnTo>
+                <a:lnTo>
+                  <a:pt x="2835357" y="1223245"/>
+                </a:lnTo>
+                <a:close/>
+              </a:path>
+            </a:pathLst>
+          </a:custGeom>
+          <a:solidFill>
+            <a:schemeClr val="accent4">
+              <a:alpha val="30000"/>
+            </a:schemeClr>
+          </a:solidFill>
+          <a:ln>
+            <a:noFill/>
+          </a:ln>
+        </p:spPr>
+        <p:style>
+          <a:lnRef idx="2">
+            <a:schemeClr val="accent1">
+              <a:shade val="50000"/>
+            </a:schemeClr>
+          </a:lnRef>
+          <a:fillRef idx="1">
+            <a:schemeClr val="accent1"/>
+          </a:fillRef>
+          <a:effectRef idx="0">
+            <a:schemeClr val="accent1"/>
+          </a:effectRef>
+          <a:fontRef idx="minor">
+            <a:schemeClr val="lt1"/>
+          </a:fontRef>
+        </p:style>
+        <p:txBody>
+          <a:bodyPr wrap="square" rtlCol="0" anchor="ctr">
+            <a:noAutofit/>
+          </a:bodyPr>
+          <a:lstStyle/>
+          <a:p>
+            <a:pPr algn="ctr"/>
+            <a:endParaRPr lang="en-US" dirty="0"/>
+          </a:p>
+        </p:txBody>
+      </p:sp>
+      <p:sp>
+        <p:nvSpPr>
+          <p:cNvPr id="20" name="Isosceles Triangle 19">
+            <a:extLst>
+              <a:ext uri="{FF2B5EF4-FFF2-40B4-BE49-F238E27FC236}">
+                <a16:creationId xmlns:a16="http://schemas.microsoft.com/office/drawing/2014/main" id="{FF9F2414-84E8-453E-B1F3-389FDE8192D9}"/>
+              </a:ext>
+              <a:ext uri="{C183D7F6-B498-43B3-948B-1728B52AA6E4}">
+                <adec:decorative xmlns:adec="http://schemas.microsoft.com/office/drawing/2017/decorative" val="1"/>
+              </a:ext>
+            </a:extLst>
+          </p:cNvPr>
+          <p:cNvSpPr>
+            <a:spLocks noGrp="1" noRot="1" noChangeAspect="1" noMove="1" noResize="1" noEditPoints="1" noAdjustHandles="1" noChangeArrowheads="1" noChangeShapeType="1" noTextEdit="1"/>
+          </p:cNvSpPr>
+          <p:nvPr>
+            <p:extLst>
+              <p:ext uri="{386F3935-93C4-4BCD-93E2-E3B085C9AB24}">
+                <p16:designElem xmlns:p16="http://schemas.microsoft.com/office/powerpoint/2015/main" val="1"/>
+              </p:ext>
+            </p:extLst>
+          </p:nvPr>
+        </p:nvSpPr>
+        <p:spPr>
+          <a:xfrm flipH="1">
+            <a:off x="7976344" y="6115501"/>
+            <a:ext cx="1494513" cy="742499"/>
+          </a:xfrm>
+          <a:prstGeom prst="triangle">
+            <a:avLst/>
+          </a:prstGeom>
+          <a:solidFill>
+            <a:schemeClr val="accent1">
+              <a:alpha val="30000"/>
+            </a:schemeClr>
+          </a:solidFill>
+          <a:ln>
+            <a:noFill/>
+          </a:ln>
+        </p:spPr>
+        <p:style>
+          <a:lnRef idx="2">
+            <a:schemeClr val="accent1">
+              <a:shade val="50000"/>
+            </a:schemeClr>
+          </a:lnRef>
+          <a:fillRef idx="1">
+            <a:schemeClr val="accent1"/>
+          </a:fillRef>
+          <a:effectRef idx="0">
+            <a:schemeClr val="accent1"/>
+          </a:effectRef>
+          <a:fontRef idx="minor">
+            <a:schemeClr val="lt1"/>
+          </a:fontRef>
+        </p:style>
+        <p:txBody>
+          <a:bodyPr rtlCol="0" anchor="ctr"/>
+          <a:lstStyle/>
+          <a:p>
+            <a:pPr algn="ctr"/>
+            <a:endParaRPr lang="en-US"/>
+          </a:p>
+        </p:txBody>
+      </p:sp>
+      <p:sp>
+        <p:nvSpPr>
+          <p:cNvPr id="22" name="Isosceles Triangle 21">
+            <a:extLst>
+              <a:ext uri="{FF2B5EF4-FFF2-40B4-BE49-F238E27FC236}">
+                <a16:creationId xmlns:a16="http://schemas.microsoft.com/office/drawing/2014/main" id="{3ECA69A1-7536-43AC-85EF-C7106179F5ED}"/>
+              </a:ext>
+              <a:ext uri="{C183D7F6-B498-43B3-948B-1728B52AA6E4}">
+                <adec:decorative xmlns:adec="http://schemas.microsoft.com/office/drawing/2017/decorative" val="1"/>
+              </a:ext>
+            </a:extLst>
+          </p:cNvPr>
+          <p:cNvSpPr>
+            <a:spLocks noGrp="1" noRot="1" noChangeAspect="1" noMove="1" noResize="1" noEditPoints="1" noAdjustHandles="1" noChangeArrowheads="1" noChangeShapeType="1" noTextEdit="1"/>
+          </p:cNvSpPr>
+          <p:nvPr>
+            <p:extLst>
+              <p:ext uri="{386F3935-93C4-4BCD-93E2-E3B085C9AB24}">
+                <p16:designElem xmlns:p16="http://schemas.microsoft.com/office/powerpoint/2015/main" val="1"/>
+              </p:ext>
+            </p:extLst>
+          </p:nvPr>
+        </p:nvSpPr>
+        <p:spPr>
+          <a:xfrm flipH="1">
+            <a:off x="7604080" y="6453143"/>
+            <a:ext cx="814903" cy="404857"/>
+          </a:xfrm>
+          <a:prstGeom prst="triangle">
+            <a:avLst/>
+          </a:prstGeom>
+          <a:solidFill>
+            <a:schemeClr val="accent1">
+              <a:alpha val="30000"/>
+            </a:schemeClr>
+          </a:solidFill>
+          <a:ln>
+            <a:noFill/>
+          </a:ln>
+        </p:spPr>
+        <p:style>
+          <a:lnRef idx="2">
+            <a:schemeClr val="accent1">
+              <a:shade val="50000"/>
+            </a:schemeClr>
+          </a:lnRef>
+          <a:fillRef idx="1">
+            <a:schemeClr val="accent1"/>
+          </a:fillRef>
+          <a:effectRef idx="0">
+            <a:schemeClr val="accent1"/>
+          </a:effectRef>
+          <a:fontRef idx="minor">
+            <a:schemeClr val="lt1"/>
+          </a:fontRef>
+        </p:style>
+        <p:txBody>
+          <a:bodyPr rtlCol="0" anchor="ctr"/>
+          <a:lstStyle/>
+          <a:p>
+            <a:pPr algn="ctr"/>
+            <a:endParaRPr lang="en-US"/>
+          </a:p>
+        </p:txBody>
+      </p:sp>
+      <p:sp>
+        <p:nvSpPr>
+          <p:cNvPr id="17" name="Slide Number Placeholder 16">
+            <a:extLst>
+              <a:ext uri="{FF2B5EF4-FFF2-40B4-BE49-F238E27FC236}">
+                <a16:creationId xmlns:a16="http://schemas.microsoft.com/office/drawing/2014/main" id="{3340CAD5-E11B-476F-BC4B-3E2E19909B54}"/>
+              </a:ext>
+            </a:extLst>
+          </p:cNvPr>
+          <p:cNvSpPr>
+            <a:spLocks noGrp="1"/>
+          </p:cNvSpPr>
+          <p:nvPr>
+            <p:ph type="sldNum" sz="quarter" idx="12"/>
+          </p:nvPr>
+        </p:nvSpPr>
+        <p:spPr/>
+        <p:txBody>
+          <a:bodyPr/>
+          <a:lstStyle/>
+          <a:p>
+            <a:fld id="{3326F55E-B2F8-46C6-958B-87902B1FD1A5}" type="slidenum">
+              <a:rPr lang="en-IN" smtClean="0"/>
+              <a:t>2</a:t>
+            </a:fld>
+            <a:endParaRPr lang="en-IN"/>
+          </a:p>
+        </p:txBody>
+      </p:sp>
+      <p:pic>
+        <p:nvPicPr>
+          <p:cNvPr id="3" name="Picture 2" descr="A picture containing application&#10;&#10;Description automatically generated">
+            <a:extLst>
+              <a:ext uri="{FF2B5EF4-FFF2-40B4-BE49-F238E27FC236}">
+                <a16:creationId xmlns:a16="http://schemas.microsoft.com/office/drawing/2014/main" id="{A8421A66-CF66-425E-B268-7816B9B1A4CC}"/>
+              </a:ext>
+            </a:extLst>
+          </p:cNvPr>
+          <p:cNvPicPr>
+            <a:picLocks noChangeAspect="1"/>
+          </p:cNvPicPr>
+          <p:nvPr/>
+        </p:nvPicPr>
+        <p:blipFill>
+          <a:blip r:embed="rId2">
+            <a:alphaModFix amt="5000"/>
+            <a:extLst>
+              <a:ext uri="{28A0092B-C50C-407E-A947-70E740481C1C}">
+                <a14:useLocalDpi xmlns:a14="http://schemas.microsoft.com/office/drawing/2010/main" val="0"/>
+              </a:ext>
+            </a:extLst>
+          </a:blip>
+          <a:stretch>
+            <a:fillRect/>
+          </a:stretch>
+        </p:blipFill>
+        <p:spPr>
+          <a:xfrm>
+            <a:off x="8242311" y="1799112"/>
+            <a:ext cx="2761742" cy="1546576"/>
+          </a:xfrm>
+          <a:prstGeom prst="rect">
+            <a:avLst/>
+          </a:prstGeom>
+        </p:spPr>
+      </p:pic>
+      <p:pic>
+        <p:nvPicPr>
+          <p:cNvPr id="8" name="Picture 7" descr="Icon&#10;&#10;Description automatically generated">
+            <a:extLst>
+              <a:ext uri="{FF2B5EF4-FFF2-40B4-BE49-F238E27FC236}">
+                <a16:creationId xmlns:a16="http://schemas.microsoft.com/office/drawing/2014/main" id="{8A1A7B1D-37CD-4C16-AF9C-2765E77E8242}"/>
+              </a:ext>
+            </a:extLst>
+          </p:cNvPr>
+          <p:cNvPicPr>
+            <a:picLocks noChangeAspect="1"/>
+          </p:cNvPicPr>
+          <p:nvPr/>
+        </p:nvPicPr>
+        <p:blipFill>
+          <a:blip r:embed="rId3">
+            <a:alphaModFix amt="20000"/>
+            <a:extLst>
+              <a:ext uri="{28A0092B-C50C-407E-A947-70E740481C1C}">
+                <a14:useLocalDpi xmlns:a14="http://schemas.microsoft.com/office/drawing/2010/main" val="0"/>
+              </a:ext>
+            </a:extLst>
+          </a:blip>
+          <a:stretch>
+            <a:fillRect/>
+          </a:stretch>
+        </p:blipFill>
+        <p:spPr>
+          <a:xfrm>
+            <a:off x="241451" y="5664502"/>
+            <a:ext cx="1095322" cy="1095322"/>
+          </a:xfrm>
+          <a:prstGeom prst="rect">
+            <a:avLst/>
+          </a:prstGeom>
+        </p:spPr>
+      </p:pic>
+      <p:pic>
+        <p:nvPicPr>
+          <p:cNvPr id="11" name="Picture 10" descr="Logo, company name&#10;&#10;Description automatically generated">
+            <a:extLst>
+              <a:ext uri="{FF2B5EF4-FFF2-40B4-BE49-F238E27FC236}">
+                <a16:creationId xmlns:a16="http://schemas.microsoft.com/office/drawing/2014/main" id="{45CD60BA-EFBE-4963-9084-F0CC2663D9DE}"/>
+              </a:ext>
+            </a:extLst>
+          </p:cNvPr>
+          <p:cNvPicPr>
+            <a:picLocks noChangeAspect="1"/>
+          </p:cNvPicPr>
+          <p:nvPr/>
+        </p:nvPicPr>
+        <p:blipFill>
+          <a:blip r:embed="rId4">
+            <a:alphaModFix amt="20000"/>
+            <a:extLst>
+              <a:ext uri="{28A0092B-C50C-407E-A947-70E740481C1C}">
+                <a14:useLocalDpi xmlns:a14="http://schemas.microsoft.com/office/drawing/2010/main" val="0"/>
+              </a:ext>
+            </a:extLst>
+          </a:blip>
+          <a:stretch>
+            <a:fillRect/>
+          </a:stretch>
+        </p:blipFill>
+        <p:spPr>
+          <a:xfrm>
+            <a:off x="440516" y="3683086"/>
+            <a:ext cx="1095321" cy="728886"/>
+          </a:xfrm>
+          <a:prstGeom prst="rect">
+            <a:avLst/>
+          </a:prstGeom>
+        </p:spPr>
+      </p:pic>
+      <p:pic>
+        <p:nvPicPr>
+          <p:cNvPr id="23" name="Picture 22" descr="Icon&#10;&#10;Description automatically generated">
+            <a:extLst>
+              <a:ext uri="{FF2B5EF4-FFF2-40B4-BE49-F238E27FC236}">
+                <a16:creationId xmlns:a16="http://schemas.microsoft.com/office/drawing/2014/main" id="{145C2445-9D33-41DC-A11E-E8225FD08D20}"/>
+              </a:ext>
+            </a:extLst>
+          </p:cNvPr>
+          <p:cNvPicPr>
+            <a:picLocks noChangeAspect="1"/>
+          </p:cNvPicPr>
+          <p:nvPr/>
+        </p:nvPicPr>
+        <p:blipFill>
+          <a:blip r:embed="rId5">
+            <a:alphaModFix amt="5000"/>
+            <a:extLst>
+              <a:ext uri="{28A0092B-C50C-407E-A947-70E740481C1C}">
+                <a14:useLocalDpi xmlns:a14="http://schemas.microsoft.com/office/drawing/2010/main" val="0"/>
+              </a:ext>
+            </a:extLst>
+          </a:blip>
+          <a:stretch>
+            <a:fillRect/>
+          </a:stretch>
+        </p:blipFill>
+        <p:spPr>
+          <a:xfrm>
+            <a:off x="679301" y="1856317"/>
+            <a:ext cx="991369" cy="991369"/>
+          </a:xfrm>
+          <a:prstGeom prst="rect">
+            <a:avLst/>
+          </a:prstGeom>
+        </p:spPr>
+      </p:pic>
+      <p:pic>
+        <p:nvPicPr>
+          <p:cNvPr id="27" name="Picture 26" descr="Icon&#10;&#10;Description automatically generated">
+            <a:extLst>
+              <a:ext uri="{FF2B5EF4-FFF2-40B4-BE49-F238E27FC236}">
+                <a16:creationId xmlns:a16="http://schemas.microsoft.com/office/drawing/2014/main" id="{AC689997-C9F1-473E-9628-717E2E675027}"/>
+              </a:ext>
+            </a:extLst>
+          </p:cNvPr>
+          <p:cNvPicPr>
+            <a:picLocks noChangeAspect="1"/>
+          </p:cNvPicPr>
+          <p:nvPr/>
+        </p:nvPicPr>
+        <p:blipFill>
+          <a:blip r:embed="rId6">
+            <a:alphaModFix amt="20000"/>
+            <a:extLst>
+              <a:ext uri="{28A0092B-C50C-407E-A947-70E740481C1C}">
+                <a14:useLocalDpi xmlns:a14="http://schemas.microsoft.com/office/drawing/2010/main" val="0"/>
+              </a:ext>
+            </a:extLst>
+          </a:blip>
+          <a:stretch>
+            <a:fillRect/>
+          </a:stretch>
+        </p:blipFill>
+        <p:spPr>
+          <a:xfrm>
+            <a:off x="10050680" y="4158335"/>
+            <a:ext cx="1210965" cy="1004215"/>
+          </a:xfrm>
+          <a:prstGeom prst="rect">
+            <a:avLst/>
+          </a:prstGeom>
+        </p:spPr>
+      </p:pic>
+      <p:pic>
+        <p:nvPicPr>
+          <p:cNvPr id="29" name="Picture 28" descr="Icon&#10;&#10;Description automatically generated">
+            <a:extLst>
+              <a:ext uri="{FF2B5EF4-FFF2-40B4-BE49-F238E27FC236}">
+                <a16:creationId xmlns:a16="http://schemas.microsoft.com/office/drawing/2014/main" id="{AB2C0348-A112-4CC4-A3E4-1C4E414EEB78}"/>
+              </a:ext>
+            </a:extLst>
+          </p:cNvPr>
+          <p:cNvPicPr>
+            <a:picLocks noChangeAspect="1"/>
+          </p:cNvPicPr>
+          <p:nvPr/>
+        </p:nvPicPr>
+        <p:blipFill>
+          <a:blip r:embed="rId7">
+            <a:alphaModFix amt="20000"/>
+            <a:extLst>
+              <a:ext uri="{28A0092B-C50C-407E-A947-70E740481C1C}">
+                <a14:useLocalDpi xmlns:a14="http://schemas.microsoft.com/office/drawing/2010/main" val="0"/>
+              </a:ext>
+            </a:extLst>
+          </a:blip>
+          <a:stretch>
+            <a:fillRect/>
+          </a:stretch>
+        </p:blipFill>
+        <p:spPr>
+          <a:xfrm>
+            <a:off x="5131575" y="129118"/>
+            <a:ext cx="1362717" cy="716525"/>
+          </a:xfrm>
+          <a:prstGeom prst="rect">
+            <a:avLst/>
+          </a:prstGeom>
+        </p:spPr>
+      </p:pic>
+      <p:pic>
+        <p:nvPicPr>
+          <p:cNvPr id="31" name="Picture 30" descr="Logo, company name&#10;&#10;Description automatically generated">
+            <a:extLst>
+              <a:ext uri="{FF2B5EF4-FFF2-40B4-BE49-F238E27FC236}">
+                <a16:creationId xmlns:a16="http://schemas.microsoft.com/office/drawing/2014/main" id="{ACF5D9A4-A045-46AD-BE40-50630DB00AF4}"/>
+              </a:ext>
+            </a:extLst>
+          </p:cNvPr>
+          <p:cNvPicPr>
+            <a:picLocks noChangeAspect="1"/>
+          </p:cNvPicPr>
+          <p:nvPr/>
+        </p:nvPicPr>
+        <p:blipFill>
+          <a:blip r:embed="rId8">
+            <a:alphaModFix amt="20000"/>
+            <a:extLst>
+              <a:ext uri="{28A0092B-C50C-407E-A947-70E740481C1C}">
+                <a14:useLocalDpi xmlns:a14="http://schemas.microsoft.com/office/drawing/2010/main" val="0"/>
+              </a:ext>
+            </a:extLst>
+          </a:blip>
+          <a:stretch>
+            <a:fillRect/>
+          </a:stretch>
+        </p:blipFill>
+        <p:spPr>
+          <a:xfrm>
+            <a:off x="7867437" y="-85917"/>
+            <a:ext cx="1157328" cy="1157328"/>
+          </a:xfrm>
+          <a:prstGeom prst="rect">
+            <a:avLst/>
+          </a:prstGeom>
+        </p:spPr>
+      </p:pic>
+      <p:pic>
+        <p:nvPicPr>
+          <p:cNvPr id="33" name="Picture 32" descr="Logo&#10;&#10;Description automatically generated with medium confidence">
+            <a:extLst>
+              <a:ext uri="{FF2B5EF4-FFF2-40B4-BE49-F238E27FC236}">
+                <a16:creationId xmlns:a16="http://schemas.microsoft.com/office/drawing/2014/main" id="{DD608B77-41A7-4C1F-839A-B3EC2597EC6E}"/>
+              </a:ext>
+            </a:extLst>
+          </p:cNvPr>
+          <p:cNvPicPr>
+            <a:picLocks noChangeAspect="1"/>
+          </p:cNvPicPr>
+          <p:nvPr/>
+        </p:nvPicPr>
+        <p:blipFill>
+          <a:blip r:embed="rId9">
+            <a:alphaModFix amt="20000"/>
+            <a:extLst>
+              <a:ext uri="{28A0092B-C50C-407E-A947-70E740481C1C}">
+                <a14:useLocalDpi xmlns:a14="http://schemas.microsoft.com/office/drawing/2010/main" val="0"/>
+              </a:ext>
+            </a:extLst>
+          </a:blip>
+          <a:stretch>
+            <a:fillRect/>
+          </a:stretch>
+        </p:blipFill>
+        <p:spPr>
+          <a:xfrm>
+            <a:off x="3541522" y="5328895"/>
+            <a:ext cx="928904" cy="671214"/>
+          </a:xfrm>
+          <a:prstGeom prst="rect">
+            <a:avLst/>
+          </a:prstGeom>
+        </p:spPr>
+      </p:pic>
+      <p:pic>
+        <p:nvPicPr>
+          <p:cNvPr id="35" name="Picture 34" descr="Icon&#10;&#10;Description automatically generated">
+            <a:extLst>
+              <a:ext uri="{FF2B5EF4-FFF2-40B4-BE49-F238E27FC236}">
+                <a16:creationId xmlns:a16="http://schemas.microsoft.com/office/drawing/2014/main" id="{A8F294EA-2D1A-4FD8-A191-CD721672A727}"/>
+              </a:ext>
+            </a:extLst>
+          </p:cNvPr>
+          <p:cNvPicPr>
+            <a:picLocks noChangeAspect="1"/>
+          </p:cNvPicPr>
+          <p:nvPr/>
+        </p:nvPicPr>
+        <p:blipFill>
+          <a:blip r:embed="rId10">
+            <a:alphaModFix amt="20000"/>
+            <a:extLst>
+              <a:ext uri="{28A0092B-C50C-407E-A947-70E740481C1C}">
+                <a14:useLocalDpi xmlns:a14="http://schemas.microsoft.com/office/drawing/2010/main" val="0"/>
+              </a:ext>
+            </a:extLst>
+          </a:blip>
+          <a:stretch>
+            <a:fillRect/>
+          </a:stretch>
+        </p:blipFill>
+        <p:spPr>
+          <a:xfrm>
+            <a:off x="1778274" y="148168"/>
+            <a:ext cx="650376" cy="689159"/>
+          </a:xfrm>
+          <a:prstGeom prst="rect">
+            <a:avLst/>
+          </a:prstGeom>
+        </p:spPr>
+      </p:pic>
+      <p:pic>
+        <p:nvPicPr>
+          <p:cNvPr id="37" name="Picture 36" descr="Logo, company name&#10;&#10;Description automatically generated">
+            <a:extLst>
+              <a:ext uri="{FF2B5EF4-FFF2-40B4-BE49-F238E27FC236}">
+                <a16:creationId xmlns:a16="http://schemas.microsoft.com/office/drawing/2014/main" id="{A70DFA68-C381-45CC-B6BA-275F026B67B1}"/>
+              </a:ext>
+            </a:extLst>
+          </p:cNvPr>
+          <p:cNvPicPr>
+            <a:picLocks noChangeAspect="1"/>
+          </p:cNvPicPr>
+          <p:nvPr/>
+        </p:nvPicPr>
+        <p:blipFill>
+          <a:blip r:embed="rId11">
+            <a:extLst>
+              <a:ext uri="{28A0092B-C50C-407E-A947-70E740481C1C}">
+                <a14:useLocalDpi xmlns:a14="http://schemas.microsoft.com/office/drawing/2010/main" val="0"/>
+              </a:ext>
+            </a:extLst>
+          </a:blip>
+          <a:stretch>
+            <a:fillRect/>
+          </a:stretch>
+        </p:blipFill>
+        <p:spPr>
+          <a:xfrm>
+            <a:off x="9747682" y="-24262"/>
+            <a:ext cx="2444318" cy="1480838"/>
+          </a:xfrm>
+          <a:prstGeom prst="rect">
+            <a:avLst/>
+          </a:prstGeom>
+        </p:spPr>
+      </p:pic>
+      <p:sp>
+        <p:nvSpPr>
+          <p:cNvPr id="2" name="TextBox 1">
+            <a:extLst>
+              <a:ext uri="{FF2B5EF4-FFF2-40B4-BE49-F238E27FC236}">
+                <a16:creationId xmlns:a16="http://schemas.microsoft.com/office/drawing/2014/main" id="{7299A437-A261-446D-95F9-A5CC2045D6C6}"/>
+              </a:ext>
+            </a:extLst>
+          </p:cNvPr>
+          <p:cNvSpPr txBox="1"/>
+          <p:nvPr/>
+        </p:nvSpPr>
+        <p:spPr>
+          <a:xfrm>
+            <a:off x="1394917" y="931560"/>
+            <a:ext cx="2929647" cy="523220"/>
+          </a:xfrm>
+          <a:prstGeom prst="rect">
+            <a:avLst/>
+          </a:prstGeom>
+          <a:noFill/>
+        </p:spPr>
+        <p:txBody>
+          <a:bodyPr wrap="square" rtlCol="0">
+            <a:spAutoFit/>
+          </a:bodyPr>
+          <a:lstStyle/>
+          <a:p>
+            <a:r>
+              <a:rPr lang="en-IN" sz="2800" b="1" i="1" dirty="0">
+                <a:solidFill>
+                  <a:schemeClr val="accent2">
+                    <a:lumMod val="75000"/>
+                  </a:schemeClr>
+                </a:solidFill>
+                <a:latin typeface="+mj-lt"/>
+              </a:rPr>
+              <a:t>Operating System ?</a:t>
+            </a:r>
+          </a:p>
+        </p:txBody>
+      </p:sp>
+      <p:sp>
+        <p:nvSpPr>
+          <p:cNvPr id="4" name="TextBox 3">
+            <a:extLst>
+              <a:ext uri="{FF2B5EF4-FFF2-40B4-BE49-F238E27FC236}">
+                <a16:creationId xmlns:a16="http://schemas.microsoft.com/office/drawing/2014/main" id="{274D5DD5-352F-4A45-A36B-0119A1786ED1}"/>
+              </a:ext>
+            </a:extLst>
+          </p:cNvPr>
+          <p:cNvSpPr txBox="1"/>
+          <p:nvPr/>
+        </p:nvSpPr>
+        <p:spPr>
+          <a:xfrm>
+            <a:off x="1394917" y="1703066"/>
+            <a:ext cx="7516930" cy="523220"/>
+          </a:xfrm>
+          <a:prstGeom prst="rect">
+            <a:avLst/>
+          </a:prstGeom>
+          <a:noFill/>
+        </p:spPr>
+        <p:txBody>
+          <a:bodyPr wrap="none" rtlCol="0">
+            <a:spAutoFit/>
+          </a:bodyPr>
+          <a:lstStyle/>
+          <a:p>
+            <a:r>
+              <a:rPr lang="en-IN" sz="1400" b="0" i="1" dirty="0">
+                <a:solidFill>
+                  <a:schemeClr val="accent3">
+                    <a:lumMod val="50000"/>
+                  </a:schemeClr>
+                </a:solidFill>
+                <a:effectLst/>
+              </a:rPr>
+              <a:t>An </a:t>
+            </a:r>
+            <a:r>
+              <a:rPr lang="en-IN" sz="1400" b="1" i="1" dirty="0">
+                <a:solidFill>
+                  <a:schemeClr val="accent3">
+                    <a:lumMod val="50000"/>
+                  </a:schemeClr>
+                </a:solidFill>
+                <a:effectLst/>
+              </a:rPr>
+              <a:t>operating system</a:t>
+            </a:r>
+            <a:r>
+              <a:rPr lang="en-IN" sz="1400" b="0" i="1" dirty="0">
+                <a:solidFill>
+                  <a:schemeClr val="accent3">
+                    <a:lumMod val="50000"/>
+                  </a:schemeClr>
+                </a:solidFill>
+                <a:effectLst/>
+              </a:rPr>
+              <a:t> (OS) is system software that manages computer hardware, software resources, </a:t>
+            </a:r>
+          </a:p>
+          <a:p>
+            <a:r>
+              <a:rPr lang="en-IN" sz="1400" b="0" i="1" dirty="0">
+                <a:solidFill>
+                  <a:schemeClr val="accent3">
+                    <a:lumMod val="50000"/>
+                  </a:schemeClr>
+                </a:solidFill>
+                <a:effectLst/>
+              </a:rPr>
+              <a:t>and provides common services for computer programs.</a:t>
+            </a:r>
+            <a:endParaRPr lang="en-IN" sz="1400" i="1" dirty="0">
+              <a:solidFill>
+                <a:schemeClr val="accent3">
+                  <a:lumMod val="50000"/>
+                </a:schemeClr>
+              </a:solidFill>
+            </a:endParaRPr>
+          </a:p>
+        </p:txBody>
+      </p:sp>
+      <p:pic>
+        <p:nvPicPr>
+          <p:cNvPr id="6" name="Picture 5" descr="Diagram&#10;&#10;Description automatically generated">
+            <a:extLst>
+              <a:ext uri="{FF2B5EF4-FFF2-40B4-BE49-F238E27FC236}">
+                <a16:creationId xmlns:a16="http://schemas.microsoft.com/office/drawing/2014/main" id="{B0D92CDF-DC55-4D6A-8CB1-997E19042FE5}"/>
+              </a:ext>
+            </a:extLst>
+          </p:cNvPr>
+          <p:cNvPicPr>
+            <a:picLocks noChangeAspect="1"/>
+          </p:cNvPicPr>
+          <p:nvPr/>
+        </p:nvPicPr>
+        <p:blipFill>
+          <a:blip r:embed="rId12">
+            <a:extLst>
+              <a:ext uri="{28A0092B-C50C-407E-A947-70E740481C1C}">
+                <a14:useLocalDpi xmlns:a14="http://schemas.microsoft.com/office/drawing/2010/main" val="0"/>
+              </a:ext>
+            </a:extLst>
+          </a:blip>
+          <a:stretch>
+            <a:fillRect/>
+          </a:stretch>
+        </p:blipFill>
+        <p:spPr>
+          <a:xfrm>
+            <a:off x="2691026" y="2386340"/>
+            <a:ext cx="4171413" cy="3381375"/>
+          </a:xfrm>
+          <a:prstGeom prst="rect">
+            <a:avLst/>
+          </a:prstGeom>
+        </p:spPr>
+      </p:pic>
+    </p:spTree>
+    <p:extLst>
+      <p:ext uri="{BB962C8B-B14F-4D97-AF65-F5344CB8AC3E}">
+        <p14:creationId xmlns:p14="http://schemas.microsoft.com/office/powerpoint/2010/main" val="3872201841"/>
+      </p:ext>
+    </p:extLst>
+  </p:cSld>
+  <p:clrMapOvr>
+    <a:masterClrMapping/>
+  </p:clrMapOvr>
+</p:sld>
+</file>
+
+<file path=ppt/slides/slide3.xml><?xml version="1.0" encoding="utf-8"?>
+<p:sld xmlns:a="http://schemas.openxmlformats.org/drawingml/2006/main" xmlns:r="http://schemas.openxmlformats.org/officeDocument/2006/relationships" xmlns:p="http://schemas.openxmlformats.org/presentationml/2006/main">
+  <p:cSld>
+    <p:spTree>
+      <p:nvGrpSpPr>
+        <p:cNvPr id="1" name=""/>
+        <p:cNvGrpSpPr/>
+        <p:nvPr/>
+      </p:nvGrpSpPr>
+      <p:grpSpPr>
+        <a:xfrm>
+          <a:off x="0" y="0"/>
+          <a:ext cx="0" cy="0"/>
+          <a:chOff x="0" y="0"/>
+          <a:chExt cx="0" cy="0"/>
+        </a:xfrm>
+      </p:grpSpPr>
+      <p:sp>
+        <p:nvSpPr>
+          <p:cNvPr id="10" name="Rectangle 9">
+            <a:extLst>
+              <a:ext uri="{FF2B5EF4-FFF2-40B4-BE49-F238E27FC236}">
+                <a16:creationId xmlns:a16="http://schemas.microsoft.com/office/drawing/2014/main" id="{F3060C83-F051-4F0E-ABAD-AA0DFC48B218}"/>
+              </a:ext>
+              <a:ext uri="{C183D7F6-B498-43B3-948B-1728B52AA6E4}">
+                <adec:decorative xmlns:adec="http://schemas.microsoft.com/office/drawing/2017/decorative" val="1"/>
+              </a:ext>
+            </a:extLst>
+          </p:cNvPr>
+          <p:cNvSpPr>
+            <a:spLocks noGrp="1" noRot="1" noChangeAspect="1" noMove="1" noResize="1" noEditPoints="1" noAdjustHandles="1" noChangeArrowheads="1" noChangeShapeType="1" noTextEdit="1"/>
+          </p:cNvSpPr>
+          <p:nvPr>
+            <p:extLst>
+              <p:ext uri="{386F3935-93C4-4BCD-93E2-E3B085C9AB24}">
+                <p16:designElem xmlns:p16="http://schemas.microsoft.com/office/powerpoint/2015/main" val="1"/>
+              </p:ext>
+            </p:extLst>
+          </p:nvPr>
+        </p:nvSpPr>
+        <p:spPr>
+          <a:xfrm>
+            <a:off x="0" y="0"/>
+            <a:ext cx="12192000" cy="6858000"/>
+          </a:xfrm>
+          <a:prstGeom prst="rect">
+            <a:avLst/>
+          </a:prstGeom>
+          <a:solidFill>
+            <a:schemeClr val="bg1"/>
+          </a:solidFill>
+          <a:ln>
+            <a:noFill/>
+          </a:ln>
+        </p:spPr>
+        <p:style>
+          <a:lnRef idx="2">
+            <a:schemeClr val="accent1">
+              <a:shade val="50000"/>
+            </a:schemeClr>
+          </a:lnRef>
+          <a:fillRef idx="1">
+            <a:schemeClr val="accent1"/>
+          </a:fillRef>
+          <a:effectRef idx="0">
+            <a:schemeClr val="accent1"/>
+          </a:effectRef>
+          <a:fontRef idx="minor">
+            <a:schemeClr val="lt1"/>
+          </a:fontRef>
+        </p:style>
+        <p:txBody>
+          <a:bodyPr rtlCol="0" anchor="ctr"/>
+          <a:lstStyle/>
+          <a:p>
+            <a:pPr algn="ctr"/>
+            <a:endParaRPr lang="en-US" dirty="0"/>
+          </a:p>
+        </p:txBody>
+      </p:sp>
+      <p:sp>
+        <p:nvSpPr>
+          <p:cNvPr id="12" name="Freeform: Shape 11">
+            <a:extLst>
+              <a:ext uri="{FF2B5EF4-FFF2-40B4-BE49-F238E27FC236}">
+                <a16:creationId xmlns:a16="http://schemas.microsoft.com/office/drawing/2014/main" id="{83C98ABE-055B-441F-B07E-44F97F083C39}"/>
+              </a:ext>
+              <a:ext uri="{C183D7F6-B498-43B3-948B-1728B52AA6E4}">
+                <adec:decorative xmlns:adec="http://schemas.microsoft.com/office/drawing/2017/decorative" val="1"/>
+              </a:ext>
+            </a:extLst>
+          </p:cNvPr>
+          <p:cNvSpPr>
+            <a:spLocks noGrp="1" noRot="1" noChangeAspect="1" noMove="1" noResize="1" noEditPoints="1" noAdjustHandles="1" noChangeArrowheads="1" noChangeShapeType="1" noTextEdit="1"/>
+          </p:cNvSpPr>
+          <p:nvPr>
+            <p:extLst>
+              <p:ext uri="{386F3935-93C4-4BCD-93E2-E3B085C9AB24}">
+                <p16:designElem xmlns:p16="http://schemas.microsoft.com/office/powerpoint/2015/main" val="1"/>
+              </p:ext>
+            </p:extLst>
+          </p:nvPr>
+        </p:nvSpPr>
+        <p:spPr>
+          <a:xfrm rot="18900000" flipH="1">
+            <a:off x="-376156" y="-253670"/>
+            <a:ext cx="1827638" cy="1376989"/>
+          </a:xfrm>
+          <a:custGeom>
+            <a:avLst/>
+            <a:gdLst>
+              <a:gd name="connsiteX0" fmla="*/ 0 w 1827638"/>
+              <a:gd name="connsiteY0" fmla="*/ 987379 h 1376989"/>
+              <a:gd name="connsiteX1" fmla="*/ 987379 w 1827638"/>
+              <a:gd name="connsiteY1" fmla="*/ 0 h 1376989"/>
+              <a:gd name="connsiteX2" fmla="*/ 1827638 w 1827638"/>
+              <a:gd name="connsiteY2" fmla="*/ 840260 h 1376989"/>
+              <a:gd name="connsiteX3" fmla="*/ 1827638 w 1827638"/>
+              <a:gd name="connsiteY3" fmla="*/ 1376989 h 1376989"/>
+              <a:gd name="connsiteX4" fmla="*/ 0 w 1827638"/>
+              <a:gd name="connsiteY4" fmla="*/ 1376989 h 1376989"/>
+            </a:gdLst>
+            <a:ahLst/>
+            <a:cxnLst>
+              <a:cxn ang="0">
+                <a:pos x="connsiteX0" y="connsiteY0"/>
+              </a:cxn>
+              <a:cxn ang="0">
+                <a:pos x="connsiteX1" y="connsiteY1"/>
+              </a:cxn>
+              <a:cxn ang="0">
+                <a:pos x="connsiteX2" y="connsiteY2"/>
+              </a:cxn>
+              <a:cxn ang="0">
+                <a:pos x="connsiteX3" y="connsiteY3"/>
+              </a:cxn>
+              <a:cxn ang="0">
+                <a:pos x="connsiteX4" y="connsiteY4"/>
+              </a:cxn>
+            </a:cxnLst>
+            <a:rect l="l" t="t" r="r" b="b"/>
+            <a:pathLst>
+              <a:path w="1827638" h="1376989">
+                <a:moveTo>
+                  <a:pt x="0" y="987379"/>
+                </a:moveTo>
+                <a:lnTo>
+                  <a:pt x="987379" y="0"/>
+                </a:lnTo>
+                <a:lnTo>
+                  <a:pt x="1827638" y="840260"/>
+                </a:lnTo>
+                <a:lnTo>
+                  <a:pt x="1827638" y="1376989"/>
+                </a:lnTo>
+                <a:lnTo>
+                  <a:pt x="0" y="1376989"/>
+                </a:lnTo>
+                <a:close/>
+              </a:path>
+            </a:pathLst>
+          </a:custGeom>
+          <a:solidFill>
+            <a:schemeClr val="accent1">
+              <a:alpha val="30000"/>
+            </a:schemeClr>
+          </a:solidFill>
+          <a:ln>
+            <a:noFill/>
+          </a:ln>
+        </p:spPr>
+        <p:style>
+          <a:lnRef idx="2">
+            <a:schemeClr val="accent1">
+              <a:shade val="50000"/>
+            </a:schemeClr>
+          </a:lnRef>
+          <a:fillRef idx="1">
+            <a:schemeClr val="accent1"/>
+          </a:fillRef>
+          <a:effectRef idx="0">
+            <a:schemeClr val="accent1"/>
+          </a:effectRef>
+          <a:fontRef idx="minor">
+            <a:schemeClr val="lt1"/>
+          </a:fontRef>
+        </p:style>
+        <p:txBody>
+          <a:bodyPr rtlCol="0" anchor="ctr"/>
+          <a:lstStyle/>
+          <a:p>
+            <a:pPr algn="ctr"/>
+            <a:endParaRPr lang="en-US" dirty="0"/>
+          </a:p>
+        </p:txBody>
+      </p:sp>
+      <p:sp>
+        <p:nvSpPr>
+          <p:cNvPr id="14" name="Rectangle 13">
+            <a:extLst>
+              <a:ext uri="{FF2B5EF4-FFF2-40B4-BE49-F238E27FC236}">
+                <a16:creationId xmlns:a16="http://schemas.microsoft.com/office/drawing/2014/main" id="{29FDB030-9B49-4CED-8CCD-4D99382388AC}"/>
+              </a:ext>
+              <a:ext uri="{C183D7F6-B498-43B3-948B-1728B52AA6E4}">
+                <adec:decorative xmlns:adec="http://schemas.microsoft.com/office/drawing/2017/decorative" val="1"/>
+              </a:ext>
+            </a:extLst>
+          </p:cNvPr>
+          <p:cNvSpPr>
+            <a:spLocks noGrp="1" noRot="1" noChangeAspect="1" noMove="1" noResize="1" noEditPoints="1" noAdjustHandles="1" noChangeArrowheads="1" noChangeShapeType="1" noTextEdit="1"/>
+          </p:cNvSpPr>
+          <p:nvPr>
+            <p:extLst>
+              <p:ext uri="{386F3935-93C4-4BCD-93E2-E3B085C9AB24}">
+                <p16:designElem xmlns:p16="http://schemas.microsoft.com/office/powerpoint/2015/main" val="1"/>
+              </p:ext>
+            </p:extLst>
+          </p:nvPr>
+        </p:nvSpPr>
+        <p:spPr>
+          <a:xfrm rot="18900000" flipH="1">
+            <a:off x="891641" y="422146"/>
+            <a:ext cx="645368" cy="645368"/>
+          </a:xfrm>
+          <a:prstGeom prst="rect">
+            <a:avLst/>
+          </a:prstGeom>
+          <a:solidFill>
+            <a:schemeClr val="accent1">
+              <a:alpha val="30000"/>
+            </a:schemeClr>
+          </a:solidFill>
+          <a:ln>
+            <a:noFill/>
+          </a:ln>
+        </p:spPr>
+        <p:style>
+          <a:lnRef idx="2">
+            <a:schemeClr val="accent1">
+              <a:shade val="50000"/>
+            </a:schemeClr>
+          </a:lnRef>
+          <a:fillRef idx="1">
+            <a:schemeClr val="accent1"/>
+          </a:fillRef>
+          <a:effectRef idx="0">
+            <a:schemeClr val="accent1"/>
+          </a:effectRef>
+          <a:fontRef idx="minor">
+            <a:schemeClr val="lt1"/>
+          </a:fontRef>
+        </p:style>
+        <p:txBody>
+          <a:bodyPr rtlCol="0" anchor="ctr"/>
+          <a:lstStyle/>
+          <a:p>
+            <a:pPr algn="ctr"/>
+            <a:endParaRPr lang="en-US"/>
+          </a:p>
+        </p:txBody>
+      </p:sp>
+      <p:sp>
+        <p:nvSpPr>
+          <p:cNvPr id="16" name="Rectangle 15">
+            <a:extLst>
+              <a:ext uri="{FF2B5EF4-FFF2-40B4-BE49-F238E27FC236}">
+                <a16:creationId xmlns:a16="http://schemas.microsoft.com/office/drawing/2014/main" id="{3783CA14-24A1-485C-8B30-D6A5D87987AD}"/>
+              </a:ext>
+              <a:ext uri="{C183D7F6-B498-43B3-948B-1728B52AA6E4}">
+                <adec:decorative xmlns:adec="http://schemas.microsoft.com/office/drawing/2017/decorative" val="1"/>
+              </a:ext>
+            </a:extLst>
+          </p:cNvPr>
+          <p:cNvSpPr>
+            <a:spLocks noGrp="1" noRot="1" noChangeAspect="1" noMove="1" noResize="1" noEditPoints="1" noAdjustHandles="1" noChangeArrowheads="1" noChangeShapeType="1" noTextEdit="1"/>
+          </p:cNvSpPr>
+          <p:nvPr>
+            <p:extLst>
+              <p:ext uri="{386F3935-93C4-4BCD-93E2-E3B085C9AB24}">
+                <p16:designElem xmlns:p16="http://schemas.microsoft.com/office/powerpoint/2015/main" val="1"/>
+              </p:ext>
+            </p:extLst>
+          </p:nvPr>
+        </p:nvSpPr>
+        <p:spPr>
+          <a:xfrm rot="18900000" flipH="1">
+            <a:off x="10043482" y="655140"/>
+            <a:ext cx="687472" cy="687472"/>
+          </a:xfrm>
+          <a:prstGeom prst="rect">
+            <a:avLst/>
+          </a:prstGeom>
+          <a:solidFill>
+            <a:schemeClr val="accent4">
+              <a:alpha val="30000"/>
+            </a:schemeClr>
+          </a:solidFill>
+          <a:ln>
+            <a:noFill/>
+          </a:ln>
+        </p:spPr>
+        <p:style>
+          <a:lnRef idx="2">
+            <a:schemeClr val="accent1">
+              <a:shade val="50000"/>
+            </a:schemeClr>
+          </a:lnRef>
+          <a:fillRef idx="1">
+            <a:schemeClr val="accent1"/>
+          </a:fillRef>
+          <a:effectRef idx="0">
+            <a:schemeClr val="accent1"/>
+          </a:effectRef>
+          <a:fontRef idx="minor">
+            <a:schemeClr val="lt1"/>
+          </a:fontRef>
+        </p:style>
+        <p:txBody>
+          <a:bodyPr rtlCol="0" anchor="ctr"/>
+          <a:lstStyle/>
+          <a:p>
+            <a:pPr algn="ctr"/>
+            <a:endParaRPr lang="en-US"/>
+          </a:p>
+        </p:txBody>
+      </p:sp>
+      <p:sp>
+        <p:nvSpPr>
+          <p:cNvPr id="18" name="Freeform: Shape 17">
+            <a:extLst>
+              <a:ext uri="{FF2B5EF4-FFF2-40B4-BE49-F238E27FC236}">
+                <a16:creationId xmlns:a16="http://schemas.microsoft.com/office/drawing/2014/main" id="{9A97C86A-04D6-40F7-AE84-31AB43E6A846}"/>
+              </a:ext>
+              <a:ext uri="{C183D7F6-B498-43B3-948B-1728B52AA6E4}">
+                <adec:decorative xmlns:adec="http://schemas.microsoft.com/office/drawing/2017/decorative" val="1"/>
+              </a:ext>
+            </a:extLst>
+          </p:cNvPr>
+          <p:cNvSpPr>
+            <a:spLocks noGrp="1" noRot="1" noChangeAspect="1" noMove="1" noResize="1" noEditPoints="1" noAdjustHandles="1" noChangeArrowheads="1" noChangeShapeType="1" noTextEdit="1"/>
+          </p:cNvSpPr>
+          <p:nvPr>
+            <p:extLst>
+              <p:ext uri="{386F3935-93C4-4BCD-93E2-E3B085C9AB24}">
+                <p16:designElem xmlns:p16="http://schemas.microsoft.com/office/powerpoint/2015/main" val="1"/>
+              </p:ext>
+            </p:extLst>
+          </p:nvPr>
+        </p:nvSpPr>
+        <p:spPr>
+          <a:xfrm rot="10800000" flipH="1">
+            <a:off x="9356643" y="0"/>
+            <a:ext cx="2835357" cy="1480837"/>
+          </a:xfrm>
+          <a:custGeom>
+            <a:avLst/>
+            <a:gdLst>
+              <a:gd name="connsiteX0" fmla="*/ 2835357 w 2835357"/>
+              <a:gd name="connsiteY0" fmla="*/ 1480837 h 1480837"/>
+              <a:gd name="connsiteX1" fmla="*/ 0 w 2835357"/>
+              <a:gd name="connsiteY1" fmla="*/ 1480837 h 1480837"/>
+              <a:gd name="connsiteX2" fmla="*/ 1552727 w 2835357"/>
+              <a:gd name="connsiteY2" fmla="*/ 0 h 1480837"/>
+              <a:gd name="connsiteX3" fmla="*/ 2835357 w 2835357"/>
+              <a:gd name="connsiteY3" fmla="*/ 1223245 h 1480837"/>
+            </a:gdLst>
+            <a:ahLst/>
+            <a:cxnLst>
+              <a:cxn ang="0">
+                <a:pos x="connsiteX0" y="connsiteY0"/>
+              </a:cxn>
+              <a:cxn ang="0">
+                <a:pos x="connsiteX1" y="connsiteY1"/>
+              </a:cxn>
+              <a:cxn ang="0">
+                <a:pos x="connsiteX2" y="connsiteY2"/>
+              </a:cxn>
+              <a:cxn ang="0">
+                <a:pos x="connsiteX3" y="connsiteY3"/>
+              </a:cxn>
+            </a:cxnLst>
+            <a:rect l="l" t="t" r="r" b="b"/>
+            <a:pathLst>
+              <a:path w="2835357" h="1480837">
+                <a:moveTo>
+                  <a:pt x="2835357" y="1480837"/>
+                </a:moveTo>
+                <a:lnTo>
+                  <a:pt x="0" y="1480837"/>
+                </a:lnTo>
+                <a:lnTo>
+                  <a:pt x="1552727" y="0"/>
+                </a:lnTo>
+                <a:lnTo>
+                  <a:pt x="2835357" y="1223245"/>
+                </a:lnTo>
+                <a:close/>
+              </a:path>
+            </a:pathLst>
+          </a:custGeom>
+          <a:solidFill>
+            <a:schemeClr val="accent4">
+              <a:alpha val="30000"/>
+            </a:schemeClr>
+          </a:solidFill>
+          <a:ln>
+            <a:noFill/>
+          </a:ln>
+        </p:spPr>
+        <p:style>
+          <a:lnRef idx="2">
+            <a:schemeClr val="accent1">
+              <a:shade val="50000"/>
+            </a:schemeClr>
+          </a:lnRef>
+          <a:fillRef idx="1">
+            <a:schemeClr val="accent1"/>
+          </a:fillRef>
+          <a:effectRef idx="0">
+            <a:schemeClr val="accent1"/>
+          </a:effectRef>
+          <a:fontRef idx="minor">
+            <a:schemeClr val="lt1"/>
+          </a:fontRef>
+        </p:style>
+        <p:txBody>
+          <a:bodyPr wrap="square" rtlCol="0" anchor="ctr">
+            <a:noAutofit/>
+          </a:bodyPr>
+          <a:lstStyle/>
+          <a:p>
+            <a:pPr algn="ctr"/>
+            <a:endParaRPr lang="en-US" dirty="0"/>
+          </a:p>
+        </p:txBody>
+      </p:sp>
+      <p:sp>
+        <p:nvSpPr>
+          <p:cNvPr id="20" name="Isosceles Triangle 19">
+            <a:extLst>
+              <a:ext uri="{FF2B5EF4-FFF2-40B4-BE49-F238E27FC236}">
+                <a16:creationId xmlns:a16="http://schemas.microsoft.com/office/drawing/2014/main" id="{FF9F2414-84E8-453E-B1F3-389FDE8192D9}"/>
+              </a:ext>
+              <a:ext uri="{C183D7F6-B498-43B3-948B-1728B52AA6E4}">
+                <adec:decorative xmlns:adec="http://schemas.microsoft.com/office/drawing/2017/decorative" val="1"/>
+              </a:ext>
+            </a:extLst>
+          </p:cNvPr>
+          <p:cNvSpPr>
+            <a:spLocks noGrp="1" noRot="1" noChangeAspect="1" noMove="1" noResize="1" noEditPoints="1" noAdjustHandles="1" noChangeArrowheads="1" noChangeShapeType="1" noTextEdit="1"/>
+          </p:cNvSpPr>
+          <p:nvPr>
+            <p:extLst>
+              <p:ext uri="{386F3935-93C4-4BCD-93E2-E3B085C9AB24}">
+                <p16:designElem xmlns:p16="http://schemas.microsoft.com/office/powerpoint/2015/main" val="1"/>
+              </p:ext>
+            </p:extLst>
+          </p:nvPr>
+        </p:nvSpPr>
+        <p:spPr>
+          <a:xfrm flipH="1">
+            <a:off x="7976344" y="6115501"/>
+            <a:ext cx="1494513" cy="742499"/>
+          </a:xfrm>
+          <a:prstGeom prst="triangle">
+            <a:avLst/>
+          </a:prstGeom>
+          <a:solidFill>
+            <a:schemeClr val="accent1">
+              <a:alpha val="30000"/>
+            </a:schemeClr>
+          </a:solidFill>
+          <a:ln>
+            <a:noFill/>
+          </a:ln>
+        </p:spPr>
+        <p:style>
+          <a:lnRef idx="2">
+            <a:schemeClr val="accent1">
+              <a:shade val="50000"/>
+            </a:schemeClr>
+          </a:lnRef>
+          <a:fillRef idx="1">
+            <a:schemeClr val="accent1"/>
+          </a:fillRef>
+          <a:effectRef idx="0">
+            <a:schemeClr val="accent1"/>
+          </a:effectRef>
+          <a:fontRef idx="minor">
+            <a:schemeClr val="lt1"/>
+          </a:fontRef>
+        </p:style>
+        <p:txBody>
+          <a:bodyPr rtlCol="0" anchor="ctr"/>
+          <a:lstStyle/>
+          <a:p>
+            <a:pPr algn="ctr"/>
+            <a:endParaRPr lang="en-US"/>
+          </a:p>
+        </p:txBody>
+      </p:sp>
+      <p:sp>
+        <p:nvSpPr>
+          <p:cNvPr id="22" name="Isosceles Triangle 21">
+            <a:extLst>
+              <a:ext uri="{FF2B5EF4-FFF2-40B4-BE49-F238E27FC236}">
+                <a16:creationId xmlns:a16="http://schemas.microsoft.com/office/drawing/2014/main" id="{3ECA69A1-7536-43AC-85EF-C7106179F5ED}"/>
+              </a:ext>
+              <a:ext uri="{C183D7F6-B498-43B3-948B-1728B52AA6E4}">
+                <adec:decorative xmlns:adec="http://schemas.microsoft.com/office/drawing/2017/decorative" val="1"/>
+              </a:ext>
+            </a:extLst>
+          </p:cNvPr>
+          <p:cNvSpPr>
+            <a:spLocks noGrp="1" noRot="1" noChangeAspect="1" noMove="1" noResize="1" noEditPoints="1" noAdjustHandles="1" noChangeArrowheads="1" noChangeShapeType="1" noTextEdit="1"/>
+          </p:cNvSpPr>
+          <p:nvPr>
+            <p:extLst>
+              <p:ext uri="{386F3935-93C4-4BCD-93E2-E3B085C9AB24}">
+                <p16:designElem xmlns:p16="http://schemas.microsoft.com/office/powerpoint/2015/main" val="1"/>
+              </p:ext>
+            </p:extLst>
+          </p:nvPr>
+        </p:nvSpPr>
+        <p:spPr>
+          <a:xfrm flipH="1">
+            <a:off x="7604080" y="6453143"/>
+            <a:ext cx="814903" cy="404857"/>
+          </a:xfrm>
+          <a:prstGeom prst="triangle">
+            <a:avLst/>
+          </a:prstGeom>
+          <a:solidFill>
+            <a:schemeClr val="accent1">
+              <a:alpha val="30000"/>
+            </a:schemeClr>
+          </a:solidFill>
+          <a:ln>
+            <a:noFill/>
+          </a:ln>
+        </p:spPr>
+        <p:style>
+          <a:lnRef idx="2">
+            <a:schemeClr val="accent1">
+              <a:shade val="50000"/>
+            </a:schemeClr>
+          </a:lnRef>
+          <a:fillRef idx="1">
+            <a:schemeClr val="accent1"/>
+          </a:fillRef>
+          <a:effectRef idx="0">
+            <a:schemeClr val="accent1"/>
+          </a:effectRef>
+          <a:fontRef idx="minor">
+            <a:schemeClr val="lt1"/>
+          </a:fontRef>
+        </p:style>
+        <p:txBody>
+          <a:bodyPr rtlCol="0" anchor="ctr"/>
+          <a:lstStyle/>
+          <a:p>
+            <a:pPr algn="ctr"/>
+            <a:endParaRPr lang="en-US"/>
+          </a:p>
+        </p:txBody>
+      </p:sp>
+      <p:sp>
+        <p:nvSpPr>
+          <p:cNvPr id="17" name="Slide Number Placeholder 16">
+            <a:extLst>
+              <a:ext uri="{FF2B5EF4-FFF2-40B4-BE49-F238E27FC236}">
+                <a16:creationId xmlns:a16="http://schemas.microsoft.com/office/drawing/2014/main" id="{3340CAD5-E11B-476F-BC4B-3E2E19909B54}"/>
+              </a:ext>
+            </a:extLst>
+          </p:cNvPr>
+          <p:cNvSpPr>
+            <a:spLocks noGrp="1"/>
+          </p:cNvSpPr>
+          <p:nvPr>
+            <p:ph type="sldNum" sz="quarter" idx="12"/>
+          </p:nvPr>
+        </p:nvSpPr>
+        <p:spPr/>
+        <p:txBody>
+          <a:bodyPr/>
+          <a:lstStyle/>
+          <a:p>
+            <a:fld id="{3326F55E-B2F8-46C6-958B-87902B1FD1A5}" type="slidenum">
+              <a:rPr lang="en-IN" smtClean="0"/>
+              <a:t>3</a:t>
+            </a:fld>
+            <a:endParaRPr lang="en-IN"/>
+          </a:p>
+        </p:txBody>
+      </p:sp>
+      <p:pic>
+        <p:nvPicPr>
+          <p:cNvPr id="3" name="Picture 2" descr="A picture containing application&#10;&#10;Description automatically generated">
+            <a:extLst>
+              <a:ext uri="{FF2B5EF4-FFF2-40B4-BE49-F238E27FC236}">
+                <a16:creationId xmlns:a16="http://schemas.microsoft.com/office/drawing/2014/main" id="{A8421A66-CF66-425E-B268-7816B9B1A4CC}"/>
+              </a:ext>
+            </a:extLst>
+          </p:cNvPr>
+          <p:cNvPicPr>
+            <a:picLocks noChangeAspect="1"/>
+          </p:cNvPicPr>
+          <p:nvPr/>
+        </p:nvPicPr>
+        <p:blipFill>
+          <a:blip r:embed="rId2">
+            <a:alphaModFix amt="5000"/>
+            <a:extLst>
+              <a:ext uri="{28A0092B-C50C-407E-A947-70E740481C1C}">
+                <a14:useLocalDpi xmlns:a14="http://schemas.microsoft.com/office/drawing/2010/main" val="0"/>
+              </a:ext>
+            </a:extLst>
+          </a:blip>
+          <a:stretch>
+            <a:fillRect/>
+          </a:stretch>
+        </p:blipFill>
+        <p:spPr>
+          <a:xfrm>
+            <a:off x="8242311" y="1799112"/>
+            <a:ext cx="2761742" cy="1546576"/>
+          </a:xfrm>
+          <a:prstGeom prst="rect">
+            <a:avLst/>
+          </a:prstGeom>
+        </p:spPr>
+      </p:pic>
+      <p:pic>
+        <p:nvPicPr>
+          <p:cNvPr id="8" name="Picture 7" descr="Icon&#10;&#10;Description automatically generated">
+            <a:extLst>
+              <a:ext uri="{FF2B5EF4-FFF2-40B4-BE49-F238E27FC236}">
+                <a16:creationId xmlns:a16="http://schemas.microsoft.com/office/drawing/2014/main" id="{8A1A7B1D-37CD-4C16-AF9C-2765E77E8242}"/>
+              </a:ext>
+            </a:extLst>
+          </p:cNvPr>
+          <p:cNvPicPr>
+            <a:picLocks noChangeAspect="1"/>
+          </p:cNvPicPr>
+          <p:nvPr/>
+        </p:nvPicPr>
+        <p:blipFill>
+          <a:blip r:embed="rId3">
+            <a:alphaModFix amt="20000"/>
+            <a:extLst>
+              <a:ext uri="{28A0092B-C50C-407E-A947-70E740481C1C}">
+                <a14:useLocalDpi xmlns:a14="http://schemas.microsoft.com/office/drawing/2010/main" val="0"/>
+              </a:ext>
+            </a:extLst>
+          </a:blip>
+          <a:stretch>
+            <a:fillRect/>
+          </a:stretch>
+        </p:blipFill>
+        <p:spPr>
+          <a:xfrm>
+            <a:off x="241451" y="5664502"/>
+            <a:ext cx="1095322" cy="1095322"/>
+          </a:xfrm>
+          <a:prstGeom prst="rect">
+            <a:avLst/>
+          </a:prstGeom>
+        </p:spPr>
+      </p:pic>
+      <p:pic>
+        <p:nvPicPr>
+          <p:cNvPr id="11" name="Picture 10" descr="Logo, company name&#10;&#10;Description automatically generated">
+            <a:extLst>
+              <a:ext uri="{FF2B5EF4-FFF2-40B4-BE49-F238E27FC236}">
+                <a16:creationId xmlns:a16="http://schemas.microsoft.com/office/drawing/2014/main" id="{45CD60BA-EFBE-4963-9084-F0CC2663D9DE}"/>
+              </a:ext>
+            </a:extLst>
+          </p:cNvPr>
+          <p:cNvPicPr>
+            <a:picLocks noChangeAspect="1"/>
+          </p:cNvPicPr>
+          <p:nvPr/>
+        </p:nvPicPr>
+        <p:blipFill>
+          <a:blip r:embed="rId4">
+            <a:alphaModFix amt="20000"/>
+            <a:extLst>
+              <a:ext uri="{28A0092B-C50C-407E-A947-70E740481C1C}">
+                <a14:useLocalDpi xmlns:a14="http://schemas.microsoft.com/office/drawing/2010/main" val="0"/>
+              </a:ext>
+            </a:extLst>
+          </a:blip>
+          <a:stretch>
+            <a:fillRect/>
+          </a:stretch>
+        </p:blipFill>
+        <p:spPr>
+          <a:xfrm>
+            <a:off x="440516" y="3683086"/>
+            <a:ext cx="1095321" cy="728886"/>
+          </a:xfrm>
+          <a:prstGeom prst="rect">
+            <a:avLst/>
+          </a:prstGeom>
+        </p:spPr>
+      </p:pic>
+      <p:pic>
+        <p:nvPicPr>
+          <p:cNvPr id="23" name="Picture 22" descr="Icon&#10;&#10;Description automatically generated">
+            <a:extLst>
+              <a:ext uri="{FF2B5EF4-FFF2-40B4-BE49-F238E27FC236}">
+                <a16:creationId xmlns:a16="http://schemas.microsoft.com/office/drawing/2014/main" id="{145C2445-9D33-41DC-A11E-E8225FD08D20}"/>
+              </a:ext>
+            </a:extLst>
+          </p:cNvPr>
+          <p:cNvPicPr>
+            <a:picLocks noChangeAspect="1"/>
+          </p:cNvPicPr>
+          <p:nvPr/>
+        </p:nvPicPr>
+        <p:blipFill>
+          <a:blip r:embed="rId5">
+            <a:alphaModFix amt="5000"/>
+            <a:extLst>
+              <a:ext uri="{28A0092B-C50C-407E-A947-70E740481C1C}">
+                <a14:useLocalDpi xmlns:a14="http://schemas.microsoft.com/office/drawing/2010/main" val="0"/>
+              </a:ext>
+            </a:extLst>
+          </a:blip>
+          <a:stretch>
+            <a:fillRect/>
+          </a:stretch>
+        </p:blipFill>
+        <p:spPr>
+          <a:xfrm>
+            <a:off x="679301" y="1856317"/>
+            <a:ext cx="991369" cy="991369"/>
+          </a:xfrm>
+          <a:prstGeom prst="rect">
+            <a:avLst/>
+          </a:prstGeom>
+        </p:spPr>
+      </p:pic>
+      <p:pic>
+        <p:nvPicPr>
+          <p:cNvPr id="27" name="Picture 26" descr="Icon&#10;&#10;Description automatically generated">
+            <a:extLst>
+              <a:ext uri="{FF2B5EF4-FFF2-40B4-BE49-F238E27FC236}">
+                <a16:creationId xmlns:a16="http://schemas.microsoft.com/office/drawing/2014/main" id="{AC689997-C9F1-473E-9628-717E2E675027}"/>
+              </a:ext>
+            </a:extLst>
+          </p:cNvPr>
+          <p:cNvPicPr>
+            <a:picLocks noChangeAspect="1"/>
+          </p:cNvPicPr>
+          <p:nvPr/>
+        </p:nvPicPr>
+        <p:blipFill>
+          <a:blip r:embed="rId6">
+            <a:alphaModFix amt="20000"/>
+            <a:extLst>
+              <a:ext uri="{28A0092B-C50C-407E-A947-70E740481C1C}">
+                <a14:useLocalDpi xmlns:a14="http://schemas.microsoft.com/office/drawing/2010/main" val="0"/>
+              </a:ext>
+            </a:extLst>
+          </a:blip>
+          <a:stretch>
+            <a:fillRect/>
+          </a:stretch>
+        </p:blipFill>
+        <p:spPr>
+          <a:xfrm>
+            <a:off x="10050680" y="4158335"/>
+            <a:ext cx="1210965" cy="1004215"/>
+          </a:xfrm>
+          <a:prstGeom prst="rect">
+            <a:avLst/>
+          </a:prstGeom>
+        </p:spPr>
+      </p:pic>
+      <p:pic>
+        <p:nvPicPr>
+          <p:cNvPr id="29" name="Picture 28" descr="Icon&#10;&#10;Description automatically generated">
+            <a:extLst>
+              <a:ext uri="{FF2B5EF4-FFF2-40B4-BE49-F238E27FC236}">
+                <a16:creationId xmlns:a16="http://schemas.microsoft.com/office/drawing/2014/main" id="{AB2C0348-A112-4CC4-A3E4-1C4E414EEB78}"/>
+              </a:ext>
+            </a:extLst>
+          </p:cNvPr>
+          <p:cNvPicPr>
+            <a:picLocks noChangeAspect="1"/>
+          </p:cNvPicPr>
+          <p:nvPr/>
+        </p:nvPicPr>
+        <p:blipFill>
+          <a:blip r:embed="rId7">
+            <a:alphaModFix amt="20000"/>
+            <a:extLst>
+              <a:ext uri="{28A0092B-C50C-407E-A947-70E740481C1C}">
+                <a14:useLocalDpi xmlns:a14="http://schemas.microsoft.com/office/drawing/2010/main" val="0"/>
+              </a:ext>
+            </a:extLst>
+          </a:blip>
+          <a:stretch>
+            <a:fillRect/>
+          </a:stretch>
+        </p:blipFill>
+        <p:spPr>
+          <a:xfrm>
+            <a:off x="5131575" y="129118"/>
+            <a:ext cx="1362717" cy="716525"/>
+          </a:xfrm>
+          <a:prstGeom prst="rect">
+            <a:avLst/>
+          </a:prstGeom>
+        </p:spPr>
+      </p:pic>
+      <p:pic>
+        <p:nvPicPr>
+          <p:cNvPr id="31" name="Picture 30" descr="Logo, company name&#10;&#10;Description automatically generated">
+            <a:extLst>
+              <a:ext uri="{FF2B5EF4-FFF2-40B4-BE49-F238E27FC236}">
+                <a16:creationId xmlns:a16="http://schemas.microsoft.com/office/drawing/2014/main" id="{ACF5D9A4-A045-46AD-BE40-50630DB00AF4}"/>
+              </a:ext>
+            </a:extLst>
+          </p:cNvPr>
+          <p:cNvPicPr>
+            <a:picLocks noChangeAspect="1"/>
+          </p:cNvPicPr>
+          <p:nvPr/>
+        </p:nvPicPr>
+        <p:blipFill>
+          <a:blip r:embed="rId8">
+            <a:alphaModFix amt="20000"/>
+            <a:extLst>
+              <a:ext uri="{28A0092B-C50C-407E-A947-70E740481C1C}">
+                <a14:useLocalDpi xmlns:a14="http://schemas.microsoft.com/office/drawing/2010/main" val="0"/>
+              </a:ext>
+            </a:extLst>
+          </a:blip>
+          <a:stretch>
+            <a:fillRect/>
+          </a:stretch>
+        </p:blipFill>
+        <p:spPr>
+          <a:xfrm>
+            <a:off x="7867437" y="-85917"/>
+            <a:ext cx="1157328" cy="1157328"/>
+          </a:xfrm>
+          <a:prstGeom prst="rect">
+            <a:avLst/>
+          </a:prstGeom>
+        </p:spPr>
+      </p:pic>
+      <p:pic>
+        <p:nvPicPr>
+          <p:cNvPr id="33" name="Picture 32" descr="Logo&#10;&#10;Description automatically generated with medium confidence">
+            <a:extLst>
+              <a:ext uri="{FF2B5EF4-FFF2-40B4-BE49-F238E27FC236}">
+                <a16:creationId xmlns:a16="http://schemas.microsoft.com/office/drawing/2014/main" id="{DD608B77-41A7-4C1F-839A-B3EC2597EC6E}"/>
+              </a:ext>
+            </a:extLst>
+          </p:cNvPr>
+          <p:cNvPicPr>
+            <a:picLocks noChangeAspect="1"/>
+          </p:cNvPicPr>
+          <p:nvPr/>
+        </p:nvPicPr>
+        <p:blipFill>
+          <a:blip r:embed="rId9">
+            <a:alphaModFix amt="20000"/>
+            <a:extLst>
+              <a:ext uri="{28A0092B-C50C-407E-A947-70E740481C1C}">
+                <a14:useLocalDpi xmlns:a14="http://schemas.microsoft.com/office/drawing/2010/main" val="0"/>
+              </a:ext>
+            </a:extLst>
+          </a:blip>
+          <a:stretch>
+            <a:fillRect/>
+          </a:stretch>
+        </p:blipFill>
+        <p:spPr>
+          <a:xfrm>
+            <a:off x="3541522" y="5328895"/>
+            <a:ext cx="928904" cy="671214"/>
+          </a:xfrm>
+          <a:prstGeom prst="rect">
+            <a:avLst/>
+          </a:prstGeom>
+        </p:spPr>
+      </p:pic>
+      <p:pic>
+        <p:nvPicPr>
+          <p:cNvPr id="35" name="Picture 34" descr="Icon&#10;&#10;Description automatically generated">
+            <a:extLst>
+              <a:ext uri="{FF2B5EF4-FFF2-40B4-BE49-F238E27FC236}">
+                <a16:creationId xmlns:a16="http://schemas.microsoft.com/office/drawing/2014/main" id="{A8F294EA-2D1A-4FD8-A191-CD721672A727}"/>
+              </a:ext>
+            </a:extLst>
+          </p:cNvPr>
+          <p:cNvPicPr>
+            <a:picLocks noChangeAspect="1"/>
+          </p:cNvPicPr>
+          <p:nvPr/>
+        </p:nvPicPr>
+        <p:blipFill>
+          <a:blip r:embed="rId10">
+            <a:alphaModFix amt="20000"/>
+            <a:extLst>
+              <a:ext uri="{28A0092B-C50C-407E-A947-70E740481C1C}">
+                <a14:useLocalDpi xmlns:a14="http://schemas.microsoft.com/office/drawing/2010/main" val="0"/>
+              </a:ext>
+            </a:extLst>
+          </a:blip>
+          <a:stretch>
+            <a:fillRect/>
+          </a:stretch>
+        </p:blipFill>
+        <p:spPr>
+          <a:xfrm>
+            <a:off x="1778274" y="148168"/>
+            <a:ext cx="650376" cy="689159"/>
+          </a:xfrm>
+          <a:prstGeom prst="rect">
+            <a:avLst/>
+          </a:prstGeom>
+        </p:spPr>
+      </p:pic>
+      <p:pic>
+        <p:nvPicPr>
+          <p:cNvPr id="37" name="Picture 36" descr="Logo, company name&#10;&#10;Description automatically generated">
+            <a:extLst>
+              <a:ext uri="{FF2B5EF4-FFF2-40B4-BE49-F238E27FC236}">
+                <a16:creationId xmlns:a16="http://schemas.microsoft.com/office/drawing/2014/main" id="{A70DFA68-C381-45CC-B6BA-275F026B67B1}"/>
+              </a:ext>
+            </a:extLst>
+          </p:cNvPr>
+          <p:cNvPicPr>
+            <a:picLocks noChangeAspect="1"/>
+          </p:cNvPicPr>
+          <p:nvPr/>
+        </p:nvPicPr>
+        <p:blipFill>
+          <a:blip r:embed="rId11">
+            <a:extLst>
+              <a:ext uri="{28A0092B-C50C-407E-A947-70E740481C1C}">
+                <a14:useLocalDpi xmlns:a14="http://schemas.microsoft.com/office/drawing/2010/main" val="0"/>
+              </a:ext>
+            </a:extLst>
+          </a:blip>
+          <a:stretch>
+            <a:fillRect/>
+          </a:stretch>
+        </p:blipFill>
+        <p:spPr>
+          <a:xfrm>
+            <a:off x="9747682" y="-24262"/>
+            <a:ext cx="2444318" cy="1480838"/>
+          </a:xfrm>
+          <a:prstGeom prst="rect">
+            <a:avLst/>
+          </a:prstGeom>
+        </p:spPr>
+      </p:pic>
+      <p:sp>
+        <p:nvSpPr>
+          <p:cNvPr id="2" name="TextBox 1">
+            <a:extLst>
+              <a:ext uri="{FF2B5EF4-FFF2-40B4-BE49-F238E27FC236}">
+                <a16:creationId xmlns:a16="http://schemas.microsoft.com/office/drawing/2014/main" id="{7299A437-A261-446D-95F9-A5CC2045D6C6}"/>
+              </a:ext>
+            </a:extLst>
+          </p:cNvPr>
+          <p:cNvSpPr txBox="1"/>
+          <p:nvPr/>
+        </p:nvSpPr>
+        <p:spPr>
+          <a:xfrm>
+            <a:off x="1394917" y="931560"/>
+            <a:ext cx="4260157" cy="523220"/>
+          </a:xfrm>
+          <a:prstGeom prst="rect">
+            <a:avLst/>
+          </a:prstGeom>
+          <a:noFill/>
+        </p:spPr>
+        <p:txBody>
+          <a:bodyPr wrap="square" rtlCol="0">
+            <a:spAutoFit/>
+          </a:bodyPr>
+          <a:lstStyle/>
+          <a:p>
+            <a:r>
+              <a:rPr lang="en-IN" sz="2800" b="1" i="1" dirty="0">
+                <a:solidFill>
+                  <a:schemeClr val="accent2">
+                    <a:lumMod val="75000"/>
+                  </a:schemeClr>
+                </a:solidFill>
+                <a:latin typeface="+mj-lt"/>
+              </a:rPr>
+              <a:t>Common Operating Systems </a:t>
+            </a:r>
+          </a:p>
+        </p:txBody>
+      </p:sp>
+      <p:sp>
+        <p:nvSpPr>
+          <p:cNvPr id="4" name="TextBox 3">
+            <a:extLst>
+              <a:ext uri="{FF2B5EF4-FFF2-40B4-BE49-F238E27FC236}">
+                <a16:creationId xmlns:a16="http://schemas.microsoft.com/office/drawing/2014/main" id="{274D5DD5-352F-4A45-A36B-0119A1786ED1}"/>
+              </a:ext>
+            </a:extLst>
+          </p:cNvPr>
+          <p:cNvSpPr txBox="1"/>
+          <p:nvPr/>
+        </p:nvSpPr>
+        <p:spPr>
+          <a:xfrm>
+            <a:off x="1394916" y="1703066"/>
+            <a:ext cx="4260159" cy="2246769"/>
+          </a:xfrm>
+          <a:prstGeom prst="rect">
+            <a:avLst/>
+          </a:prstGeom>
+          <a:noFill/>
+        </p:spPr>
+        <p:txBody>
+          <a:bodyPr wrap="square" rtlCol="0">
+            <a:spAutoFit/>
+          </a:bodyPr>
+          <a:lstStyle/>
+          <a:p>
+            <a:r>
+              <a:rPr lang="en-IN" sz="2800" b="1" i="1" dirty="0">
+                <a:solidFill>
+                  <a:schemeClr val="tx2"/>
+                </a:solidFill>
+                <a:latin typeface="+mj-lt"/>
+              </a:rPr>
+              <a:t>Microsoft windows</a:t>
+            </a:r>
+          </a:p>
+          <a:p>
+            <a:r>
+              <a:rPr lang="en-IN" sz="2800" b="1" i="1" dirty="0">
+                <a:solidFill>
+                  <a:schemeClr val="tx2"/>
+                </a:solidFill>
+                <a:latin typeface="+mj-lt"/>
+              </a:rPr>
+              <a:t>Linux</a:t>
+            </a:r>
+          </a:p>
+          <a:p>
+            <a:r>
+              <a:rPr lang="en-IN" sz="2800" b="1" i="1" dirty="0">
+                <a:solidFill>
+                  <a:schemeClr val="tx2"/>
+                </a:solidFill>
+                <a:latin typeface="+mj-lt"/>
+              </a:rPr>
+              <a:t>Apple Macinthosh OS</a:t>
+            </a:r>
+          </a:p>
+          <a:p>
+            <a:r>
+              <a:rPr lang="en-IN" sz="2800" b="1" i="1" dirty="0">
+                <a:solidFill>
+                  <a:schemeClr val="tx2"/>
+                </a:solidFill>
+                <a:latin typeface="+mj-lt"/>
+              </a:rPr>
+              <a:t>Apple iphone OS</a:t>
+            </a:r>
+          </a:p>
+          <a:p>
+            <a:r>
+              <a:rPr lang="en-IN" sz="2800" b="1" i="1" dirty="0">
+                <a:solidFill>
+                  <a:schemeClr val="tx2"/>
+                </a:solidFill>
+                <a:latin typeface="+mj-lt"/>
+              </a:rPr>
+              <a:t>Android</a:t>
+            </a:r>
+          </a:p>
+        </p:txBody>
+      </p:sp>
+      <p:pic>
+        <p:nvPicPr>
+          <p:cNvPr id="9" name="Picture 8" descr="Icon&#10;&#10;Description automatically generated">
+            <a:extLst>
+              <a:ext uri="{FF2B5EF4-FFF2-40B4-BE49-F238E27FC236}">
+                <a16:creationId xmlns:a16="http://schemas.microsoft.com/office/drawing/2014/main" id="{FBCC209C-55E5-4FB9-8E96-DEFAFAB1A787}"/>
+              </a:ext>
+            </a:extLst>
+          </p:cNvPr>
+          <p:cNvPicPr>
+            <a:picLocks noChangeAspect="1"/>
+          </p:cNvPicPr>
+          <p:nvPr/>
+        </p:nvPicPr>
+        <p:blipFill>
+          <a:blip r:embed="rId12">
+            <a:extLst>
+              <a:ext uri="{28A0092B-C50C-407E-A947-70E740481C1C}">
+                <a14:useLocalDpi xmlns:a14="http://schemas.microsoft.com/office/drawing/2010/main" val="0"/>
+              </a:ext>
+            </a:extLst>
+          </a:blip>
+          <a:stretch>
+            <a:fillRect/>
+          </a:stretch>
+        </p:blipFill>
+        <p:spPr>
+          <a:xfrm>
+            <a:off x="717507" y="3599375"/>
+            <a:ext cx="573534" cy="321179"/>
+          </a:xfrm>
+          <a:prstGeom prst="rect">
+            <a:avLst/>
+          </a:prstGeom>
+        </p:spPr>
+      </p:pic>
+      <p:pic>
+        <p:nvPicPr>
+          <p:cNvPr id="15" name="Picture 14" descr="Company name&#10;&#10;Description automatically generated with medium confidence">
+            <a:extLst>
+              <a:ext uri="{FF2B5EF4-FFF2-40B4-BE49-F238E27FC236}">
+                <a16:creationId xmlns:a16="http://schemas.microsoft.com/office/drawing/2014/main" id="{48EB10A1-41EE-4D4C-A89B-FD08BD766B53}"/>
+              </a:ext>
+            </a:extLst>
+          </p:cNvPr>
+          <p:cNvPicPr>
+            <a:picLocks noChangeAspect="1"/>
+          </p:cNvPicPr>
+          <p:nvPr/>
+        </p:nvPicPr>
+        <p:blipFill>
+          <a:blip r:embed="rId13">
+            <a:extLst>
+              <a:ext uri="{28A0092B-C50C-407E-A947-70E740481C1C}">
+                <a14:useLocalDpi xmlns:a14="http://schemas.microsoft.com/office/drawing/2010/main" val="0"/>
+              </a:ext>
+            </a:extLst>
+          </a:blip>
+          <a:stretch>
+            <a:fillRect/>
+          </a:stretch>
+        </p:blipFill>
+        <p:spPr>
+          <a:xfrm>
+            <a:off x="717507" y="3049051"/>
+            <a:ext cx="496818" cy="496818"/>
+          </a:xfrm>
+          <a:prstGeom prst="rect">
+            <a:avLst/>
+          </a:prstGeom>
+        </p:spPr>
+      </p:pic>
+      <p:pic>
+        <p:nvPicPr>
+          <p:cNvPr id="21" name="Picture 20" descr="Icon&#10;&#10;Description automatically generated">
+            <a:extLst>
+              <a:ext uri="{FF2B5EF4-FFF2-40B4-BE49-F238E27FC236}">
+                <a16:creationId xmlns:a16="http://schemas.microsoft.com/office/drawing/2014/main" id="{12DF0ACE-1C42-495E-AE66-91B3EED494E6}"/>
+              </a:ext>
+            </a:extLst>
+          </p:cNvPr>
+          <p:cNvPicPr>
+            <a:picLocks noChangeAspect="1"/>
+          </p:cNvPicPr>
+          <p:nvPr/>
+        </p:nvPicPr>
+        <p:blipFill>
+          <a:blip r:embed="rId14">
+            <a:extLst>
+              <a:ext uri="{28A0092B-C50C-407E-A947-70E740481C1C}">
+                <a14:useLocalDpi xmlns:a14="http://schemas.microsoft.com/office/drawing/2010/main" val="0"/>
+              </a:ext>
+            </a:extLst>
+          </a:blip>
+          <a:stretch>
+            <a:fillRect/>
+          </a:stretch>
+        </p:blipFill>
+        <p:spPr>
+          <a:xfrm>
+            <a:off x="852255" y="2673011"/>
+            <a:ext cx="270051" cy="331245"/>
+          </a:xfrm>
+          <a:prstGeom prst="rect">
+            <a:avLst/>
+          </a:prstGeom>
+        </p:spPr>
+      </p:pic>
+      <p:pic>
+        <p:nvPicPr>
+          <p:cNvPr id="26" name="Picture 25" descr="A penguin with a yellow beak&#10;&#10;Description automatically generated with low confidence">
+            <a:extLst>
+              <a:ext uri="{FF2B5EF4-FFF2-40B4-BE49-F238E27FC236}">
+                <a16:creationId xmlns:a16="http://schemas.microsoft.com/office/drawing/2014/main" id="{5F2AED6E-5C25-4683-972A-7FFCD8BD1C5E}"/>
+              </a:ext>
+            </a:extLst>
+          </p:cNvPr>
+          <p:cNvPicPr>
+            <a:picLocks noChangeAspect="1"/>
+          </p:cNvPicPr>
+          <p:nvPr/>
+        </p:nvPicPr>
+        <p:blipFill>
+          <a:blip r:embed="rId15">
+            <a:extLst>
+              <a:ext uri="{28A0092B-C50C-407E-A947-70E740481C1C}">
+                <a14:useLocalDpi xmlns:a14="http://schemas.microsoft.com/office/drawing/2010/main" val="0"/>
+              </a:ext>
+            </a:extLst>
+          </a:blip>
+          <a:stretch>
+            <a:fillRect/>
+          </a:stretch>
+        </p:blipFill>
+        <p:spPr>
+          <a:xfrm>
+            <a:off x="852255" y="2139337"/>
+            <a:ext cx="335691" cy="397614"/>
+          </a:xfrm>
+          <a:prstGeom prst="rect">
+            <a:avLst/>
+          </a:prstGeom>
+        </p:spPr>
+      </p:pic>
+      <p:pic>
+        <p:nvPicPr>
+          <p:cNvPr id="30" name="Picture 29" descr="Logo, company name&#10;&#10;Description automatically generated">
+            <a:extLst>
+              <a:ext uri="{FF2B5EF4-FFF2-40B4-BE49-F238E27FC236}">
+                <a16:creationId xmlns:a16="http://schemas.microsoft.com/office/drawing/2014/main" id="{F7848E75-3E1E-4887-9383-150D69F05573}"/>
+              </a:ext>
+            </a:extLst>
+          </p:cNvPr>
+          <p:cNvPicPr>
+            <a:picLocks noChangeAspect="1"/>
+          </p:cNvPicPr>
+          <p:nvPr/>
+        </p:nvPicPr>
+        <p:blipFill>
+          <a:blip r:embed="rId16">
+            <a:extLst>
+              <a:ext uri="{28A0092B-C50C-407E-A947-70E740481C1C}">
+                <a14:useLocalDpi xmlns:a14="http://schemas.microsoft.com/office/drawing/2010/main" val="0"/>
+              </a:ext>
+            </a:extLst>
+          </a:blip>
+          <a:stretch>
+            <a:fillRect/>
+          </a:stretch>
+        </p:blipFill>
+        <p:spPr>
+          <a:xfrm>
+            <a:off x="690873" y="1721083"/>
+            <a:ext cx="690525" cy="428852"/>
+          </a:xfrm>
+          <a:prstGeom prst="rect">
+            <a:avLst/>
+          </a:prstGeom>
+        </p:spPr>
+      </p:pic>
+    </p:spTree>
+    <p:extLst>
+      <p:ext uri="{BB962C8B-B14F-4D97-AF65-F5344CB8AC3E}">
+        <p14:creationId xmlns:p14="http://schemas.microsoft.com/office/powerpoint/2010/main" val="1886572131"/>
+      </p:ext>
+    </p:extLst>
+  </p:cSld>
+  <p:clrMapOvr>
+    <a:masterClrMapping/>
+  </p:clrMapOvr>
+</p:sld>
+</file>
+
+<file path=ppt/slides/slide4.xml><?xml version="1.0" encoding="utf-8"?>
+<p:sld xmlns:a="http://schemas.openxmlformats.org/drawingml/2006/main" xmlns:r="http://schemas.openxmlformats.org/officeDocument/2006/relationships" xmlns:p="http://schemas.openxmlformats.org/presentationml/2006/main">
+  <p:cSld>
+    <p:spTree>
+      <p:nvGrpSpPr>
+        <p:cNvPr id="1" name=""/>
+        <p:cNvGrpSpPr/>
+        <p:nvPr/>
+      </p:nvGrpSpPr>
+      <p:grpSpPr>
+        <a:xfrm>
+          <a:off x="0" y="0"/>
+          <a:ext cx="0" cy="0"/>
+          <a:chOff x="0" y="0"/>
+          <a:chExt cx="0" cy="0"/>
+        </a:xfrm>
+      </p:grpSpPr>
+      <p:sp>
+        <p:nvSpPr>
+          <p:cNvPr id="10" name="Rectangle 9">
+            <a:extLst>
+              <a:ext uri="{FF2B5EF4-FFF2-40B4-BE49-F238E27FC236}">
+                <a16:creationId xmlns:a16="http://schemas.microsoft.com/office/drawing/2014/main" id="{F3060C83-F051-4F0E-ABAD-AA0DFC48B218}"/>
+              </a:ext>
+              <a:ext uri="{C183D7F6-B498-43B3-948B-1728B52AA6E4}">
+                <adec:decorative xmlns:adec="http://schemas.microsoft.com/office/drawing/2017/decorative" val="1"/>
+              </a:ext>
+            </a:extLst>
+          </p:cNvPr>
+          <p:cNvSpPr>
+            <a:spLocks noGrp="1" noRot="1" noChangeAspect="1" noMove="1" noResize="1" noEditPoints="1" noAdjustHandles="1" noChangeArrowheads="1" noChangeShapeType="1" noTextEdit="1"/>
+          </p:cNvSpPr>
+          <p:nvPr>
+            <p:extLst>
+              <p:ext uri="{386F3935-93C4-4BCD-93E2-E3B085C9AB24}">
+                <p16:designElem xmlns:p16="http://schemas.microsoft.com/office/powerpoint/2015/main" val="1"/>
+              </p:ext>
+            </p:extLst>
+          </p:nvPr>
+        </p:nvSpPr>
+        <p:spPr>
+          <a:xfrm>
+            <a:off x="0" y="0"/>
+            <a:ext cx="12192000" cy="6858000"/>
+          </a:xfrm>
+          <a:prstGeom prst="rect">
+            <a:avLst/>
+          </a:prstGeom>
+          <a:solidFill>
+            <a:schemeClr val="bg1"/>
+          </a:solidFill>
+          <a:ln>
+            <a:noFill/>
+          </a:ln>
+        </p:spPr>
+        <p:style>
+          <a:lnRef idx="2">
+            <a:schemeClr val="accent1">
+              <a:shade val="50000"/>
+            </a:schemeClr>
+          </a:lnRef>
+          <a:fillRef idx="1">
+            <a:schemeClr val="accent1"/>
+          </a:fillRef>
+          <a:effectRef idx="0">
+            <a:schemeClr val="accent1"/>
+          </a:effectRef>
+          <a:fontRef idx="minor">
+            <a:schemeClr val="lt1"/>
+          </a:fontRef>
+        </p:style>
+        <p:txBody>
+          <a:bodyPr rtlCol="0" anchor="ctr"/>
+          <a:lstStyle/>
+          <a:p>
+            <a:pPr algn="ctr"/>
+            <a:endParaRPr lang="en-US" dirty="0"/>
+          </a:p>
+        </p:txBody>
+      </p:sp>
+      <p:sp>
+        <p:nvSpPr>
+          <p:cNvPr id="12" name="Freeform: Shape 11">
+            <a:extLst>
+              <a:ext uri="{FF2B5EF4-FFF2-40B4-BE49-F238E27FC236}">
+                <a16:creationId xmlns:a16="http://schemas.microsoft.com/office/drawing/2014/main" id="{83C98ABE-055B-441F-B07E-44F97F083C39}"/>
+              </a:ext>
+              <a:ext uri="{C183D7F6-B498-43B3-948B-1728B52AA6E4}">
+                <adec:decorative xmlns:adec="http://schemas.microsoft.com/office/drawing/2017/decorative" val="1"/>
+              </a:ext>
+            </a:extLst>
+          </p:cNvPr>
+          <p:cNvSpPr>
+            <a:spLocks noGrp="1" noRot="1" noChangeAspect="1" noMove="1" noResize="1" noEditPoints="1" noAdjustHandles="1" noChangeArrowheads="1" noChangeShapeType="1" noTextEdit="1"/>
+          </p:cNvSpPr>
+          <p:nvPr>
+            <p:extLst>
+              <p:ext uri="{386F3935-93C4-4BCD-93E2-E3B085C9AB24}">
+                <p16:designElem xmlns:p16="http://schemas.microsoft.com/office/powerpoint/2015/main" val="1"/>
+              </p:ext>
+            </p:extLst>
+          </p:nvPr>
+        </p:nvSpPr>
+        <p:spPr>
+          <a:xfrm rot="18900000" flipH="1">
+            <a:off x="-376156" y="-253670"/>
+            <a:ext cx="1827638" cy="1376989"/>
+          </a:xfrm>
+          <a:custGeom>
+            <a:avLst/>
+            <a:gdLst>
+              <a:gd name="connsiteX0" fmla="*/ 0 w 1827638"/>
+              <a:gd name="connsiteY0" fmla="*/ 987379 h 1376989"/>
+              <a:gd name="connsiteX1" fmla="*/ 987379 w 1827638"/>
+              <a:gd name="connsiteY1" fmla="*/ 0 h 1376989"/>
+              <a:gd name="connsiteX2" fmla="*/ 1827638 w 1827638"/>
+              <a:gd name="connsiteY2" fmla="*/ 840260 h 1376989"/>
+              <a:gd name="connsiteX3" fmla="*/ 1827638 w 1827638"/>
+              <a:gd name="connsiteY3" fmla="*/ 1376989 h 1376989"/>
+              <a:gd name="connsiteX4" fmla="*/ 0 w 1827638"/>
+              <a:gd name="connsiteY4" fmla="*/ 1376989 h 1376989"/>
+            </a:gdLst>
+            <a:ahLst/>
+            <a:cxnLst>
+              <a:cxn ang="0">
+                <a:pos x="connsiteX0" y="connsiteY0"/>
+              </a:cxn>
+              <a:cxn ang="0">
+                <a:pos x="connsiteX1" y="connsiteY1"/>
+              </a:cxn>
+              <a:cxn ang="0">
+                <a:pos x="connsiteX2" y="connsiteY2"/>
+              </a:cxn>
+              <a:cxn ang="0">
+                <a:pos x="connsiteX3" y="connsiteY3"/>
+              </a:cxn>
+              <a:cxn ang="0">
+                <a:pos x="connsiteX4" y="connsiteY4"/>
+              </a:cxn>
+            </a:cxnLst>
+            <a:rect l="l" t="t" r="r" b="b"/>
+            <a:pathLst>
+              <a:path w="1827638" h="1376989">
+                <a:moveTo>
+                  <a:pt x="0" y="987379"/>
+                </a:moveTo>
+                <a:lnTo>
+                  <a:pt x="987379" y="0"/>
+                </a:lnTo>
+                <a:lnTo>
+                  <a:pt x="1827638" y="840260"/>
+                </a:lnTo>
+                <a:lnTo>
+                  <a:pt x="1827638" y="1376989"/>
+                </a:lnTo>
+                <a:lnTo>
+                  <a:pt x="0" y="1376989"/>
+                </a:lnTo>
+                <a:close/>
+              </a:path>
+            </a:pathLst>
+          </a:custGeom>
+          <a:solidFill>
+            <a:schemeClr val="accent1">
+              <a:alpha val="30000"/>
+            </a:schemeClr>
+          </a:solidFill>
+          <a:ln>
+            <a:noFill/>
+          </a:ln>
+        </p:spPr>
+        <p:style>
+          <a:lnRef idx="2">
+            <a:schemeClr val="accent1">
+              <a:shade val="50000"/>
+            </a:schemeClr>
+          </a:lnRef>
+          <a:fillRef idx="1">
+            <a:schemeClr val="accent1"/>
+          </a:fillRef>
+          <a:effectRef idx="0">
+            <a:schemeClr val="accent1"/>
+          </a:effectRef>
+          <a:fontRef idx="minor">
+            <a:schemeClr val="lt1"/>
+          </a:fontRef>
+        </p:style>
+        <p:txBody>
+          <a:bodyPr rtlCol="0" anchor="ctr"/>
+          <a:lstStyle/>
+          <a:p>
+            <a:pPr algn="ctr"/>
+            <a:endParaRPr lang="en-US" dirty="0"/>
+          </a:p>
+        </p:txBody>
+      </p:sp>
+      <p:sp>
+        <p:nvSpPr>
+          <p:cNvPr id="14" name="Rectangle 13">
+            <a:extLst>
+              <a:ext uri="{FF2B5EF4-FFF2-40B4-BE49-F238E27FC236}">
+                <a16:creationId xmlns:a16="http://schemas.microsoft.com/office/drawing/2014/main" id="{29FDB030-9B49-4CED-8CCD-4D99382388AC}"/>
+              </a:ext>
+              <a:ext uri="{C183D7F6-B498-43B3-948B-1728B52AA6E4}">
+                <adec:decorative xmlns:adec="http://schemas.microsoft.com/office/drawing/2017/decorative" val="1"/>
+              </a:ext>
+            </a:extLst>
+          </p:cNvPr>
+          <p:cNvSpPr>
+            <a:spLocks noGrp="1" noRot="1" noChangeAspect="1" noMove="1" noResize="1" noEditPoints="1" noAdjustHandles="1" noChangeArrowheads="1" noChangeShapeType="1" noTextEdit="1"/>
+          </p:cNvSpPr>
+          <p:nvPr>
+            <p:extLst>
+              <p:ext uri="{386F3935-93C4-4BCD-93E2-E3B085C9AB24}">
+                <p16:designElem xmlns:p16="http://schemas.microsoft.com/office/powerpoint/2015/main" val="1"/>
+              </p:ext>
+            </p:extLst>
+          </p:nvPr>
+        </p:nvSpPr>
+        <p:spPr>
+          <a:xfrm rot="18900000" flipH="1">
+            <a:off x="891641" y="422146"/>
+            <a:ext cx="645368" cy="645368"/>
+          </a:xfrm>
+          <a:prstGeom prst="rect">
+            <a:avLst/>
+          </a:prstGeom>
+          <a:solidFill>
+            <a:schemeClr val="accent1">
+              <a:alpha val="30000"/>
+            </a:schemeClr>
+          </a:solidFill>
+          <a:ln>
+            <a:noFill/>
+          </a:ln>
+        </p:spPr>
+        <p:style>
+          <a:lnRef idx="2">
+            <a:schemeClr val="accent1">
+              <a:shade val="50000"/>
+            </a:schemeClr>
+          </a:lnRef>
+          <a:fillRef idx="1">
+            <a:schemeClr val="accent1"/>
+          </a:fillRef>
+          <a:effectRef idx="0">
+            <a:schemeClr val="accent1"/>
+          </a:effectRef>
+          <a:fontRef idx="minor">
+            <a:schemeClr val="lt1"/>
+          </a:fontRef>
+        </p:style>
+        <p:txBody>
+          <a:bodyPr rtlCol="0" anchor="ctr"/>
+          <a:lstStyle/>
+          <a:p>
+            <a:pPr algn="ctr"/>
+            <a:endParaRPr lang="en-US"/>
+          </a:p>
+        </p:txBody>
+      </p:sp>
+      <p:sp>
+        <p:nvSpPr>
+          <p:cNvPr id="16" name="Rectangle 15">
+            <a:extLst>
+              <a:ext uri="{FF2B5EF4-FFF2-40B4-BE49-F238E27FC236}">
+                <a16:creationId xmlns:a16="http://schemas.microsoft.com/office/drawing/2014/main" id="{3783CA14-24A1-485C-8B30-D6A5D87987AD}"/>
+              </a:ext>
+              <a:ext uri="{C183D7F6-B498-43B3-948B-1728B52AA6E4}">
+                <adec:decorative xmlns:adec="http://schemas.microsoft.com/office/drawing/2017/decorative" val="1"/>
+              </a:ext>
+            </a:extLst>
+          </p:cNvPr>
+          <p:cNvSpPr>
+            <a:spLocks noGrp="1" noRot="1" noChangeAspect="1" noMove="1" noResize="1" noEditPoints="1" noAdjustHandles="1" noChangeArrowheads="1" noChangeShapeType="1" noTextEdit="1"/>
+          </p:cNvSpPr>
+          <p:nvPr>
+            <p:extLst>
+              <p:ext uri="{386F3935-93C4-4BCD-93E2-E3B085C9AB24}">
+                <p16:designElem xmlns:p16="http://schemas.microsoft.com/office/powerpoint/2015/main" val="1"/>
+              </p:ext>
+            </p:extLst>
+          </p:nvPr>
+        </p:nvSpPr>
+        <p:spPr>
+          <a:xfrm rot="18900000" flipH="1">
+            <a:off x="10043482" y="655140"/>
+            <a:ext cx="687472" cy="687472"/>
+          </a:xfrm>
+          <a:prstGeom prst="rect">
+            <a:avLst/>
+          </a:prstGeom>
+          <a:solidFill>
+            <a:schemeClr val="accent4">
+              <a:alpha val="30000"/>
+            </a:schemeClr>
+          </a:solidFill>
+          <a:ln>
+            <a:noFill/>
+          </a:ln>
+        </p:spPr>
+        <p:style>
+          <a:lnRef idx="2">
+            <a:schemeClr val="accent1">
+              <a:shade val="50000"/>
+            </a:schemeClr>
+          </a:lnRef>
+          <a:fillRef idx="1">
+            <a:schemeClr val="accent1"/>
+          </a:fillRef>
+          <a:effectRef idx="0">
+            <a:schemeClr val="accent1"/>
+          </a:effectRef>
+          <a:fontRef idx="minor">
+            <a:schemeClr val="lt1"/>
+          </a:fontRef>
+        </p:style>
+        <p:txBody>
+          <a:bodyPr rtlCol="0" anchor="ctr"/>
+          <a:lstStyle/>
+          <a:p>
+            <a:pPr algn="ctr"/>
+            <a:endParaRPr lang="en-US"/>
+          </a:p>
+        </p:txBody>
+      </p:sp>
+      <p:sp>
+        <p:nvSpPr>
+          <p:cNvPr id="18" name="Freeform: Shape 17">
+            <a:extLst>
+              <a:ext uri="{FF2B5EF4-FFF2-40B4-BE49-F238E27FC236}">
+                <a16:creationId xmlns:a16="http://schemas.microsoft.com/office/drawing/2014/main" id="{9A97C86A-04D6-40F7-AE84-31AB43E6A846}"/>
+              </a:ext>
+              <a:ext uri="{C183D7F6-B498-43B3-948B-1728B52AA6E4}">
+                <adec:decorative xmlns:adec="http://schemas.microsoft.com/office/drawing/2017/decorative" val="1"/>
+              </a:ext>
+            </a:extLst>
+          </p:cNvPr>
+          <p:cNvSpPr>
+            <a:spLocks noGrp="1" noRot="1" noChangeAspect="1" noMove="1" noResize="1" noEditPoints="1" noAdjustHandles="1" noChangeArrowheads="1" noChangeShapeType="1" noTextEdit="1"/>
+          </p:cNvSpPr>
+          <p:nvPr>
+            <p:extLst>
+              <p:ext uri="{386F3935-93C4-4BCD-93E2-E3B085C9AB24}">
+                <p16:designElem xmlns:p16="http://schemas.microsoft.com/office/powerpoint/2015/main" val="1"/>
+              </p:ext>
+            </p:extLst>
+          </p:nvPr>
+        </p:nvSpPr>
+        <p:spPr>
+          <a:xfrm rot="10800000" flipH="1">
+            <a:off x="9356643" y="0"/>
+            <a:ext cx="2835357" cy="1480837"/>
+          </a:xfrm>
+          <a:custGeom>
+            <a:avLst/>
+            <a:gdLst>
+              <a:gd name="connsiteX0" fmla="*/ 2835357 w 2835357"/>
+              <a:gd name="connsiteY0" fmla="*/ 1480837 h 1480837"/>
+              <a:gd name="connsiteX1" fmla="*/ 0 w 2835357"/>
+              <a:gd name="connsiteY1" fmla="*/ 1480837 h 1480837"/>
+              <a:gd name="connsiteX2" fmla="*/ 1552727 w 2835357"/>
+              <a:gd name="connsiteY2" fmla="*/ 0 h 1480837"/>
+              <a:gd name="connsiteX3" fmla="*/ 2835357 w 2835357"/>
+              <a:gd name="connsiteY3" fmla="*/ 1223245 h 1480837"/>
+            </a:gdLst>
+            <a:ahLst/>
+            <a:cxnLst>
+              <a:cxn ang="0">
+                <a:pos x="connsiteX0" y="connsiteY0"/>
+              </a:cxn>
+              <a:cxn ang="0">
+                <a:pos x="connsiteX1" y="connsiteY1"/>
+              </a:cxn>
+              <a:cxn ang="0">
+                <a:pos x="connsiteX2" y="connsiteY2"/>
+              </a:cxn>
+              <a:cxn ang="0">
+                <a:pos x="connsiteX3" y="connsiteY3"/>
+              </a:cxn>
+            </a:cxnLst>
+            <a:rect l="l" t="t" r="r" b="b"/>
+            <a:pathLst>
+              <a:path w="2835357" h="1480837">
+                <a:moveTo>
+                  <a:pt x="2835357" y="1480837"/>
+                </a:moveTo>
+                <a:lnTo>
+                  <a:pt x="0" y="1480837"/>
+                </a:lnTo>
+                <a:lnTo>
+                  <a:pt x="1552727" y="0"/>
+                </a:lnTo>
+                <a:lnTo>
+                  <a:pt x="2835357" y="1223245"/>
+                </a:lnTo>
+                <a:close/>
+              </a:path>
+            </a:pathLst>
+          </a:custGeom>
+          <a:solidFill>
+            <a:schemeClr val="accent4">
+              <a:alpha val="30000"/>
+            </a:schemeClr>
+          </a:solidFill>
+          <a:ln>
+            <a:noFill/>
+          </a:ln>
+        </p:spPr>
+        <p:style>
+          <a:lnRef idx="2">
+            <a:schemeClr val="accent1">
+              <a:shade val="50000"/>
+            </a:schemeClr>
+          </a:lnRef>
+          <a:fillRef idx="1">
+            <a:schemeClr val="accent1"/>
+          </a:fillRef>
+          <a:effectRef idx="0">
+            <a:schemeClr val="accent1"/>
+          </a:effectRef>
+          <a:fontRef idx="minor">
+            <a:schemeClr val="lt1"/>
+          </a:fontRef>
+        </p:style>
+        <p:txBody>
+          <a:bodyPr wrap="square" rtlCol="0" anchor="ctr">
+            <a:noAutofit/>
+          </a:bodyPr>
+          <a:lstStyle/>
+          <a:p>
+            <a:pPr algn="ctr"/>
+            <a:endParaRPr lang="en-US" dirty="0"/>
+          </a:p>
+        </p:txBody>
+      </p:sp>
+      <p:sp>
+        <p:nvSpPr>
+          <p:cNvPr id="20" name="Isosceles Triangle 19">
+            <a:extLst>
+              <a:ext uri="{FF2B5EF4-FFF2-40B4-BE49-F238E27FC236}">
+                <a16:creationId xmlns:a16="http://schemas.microsoft.com/office/drawing/2014/main" id="{FF9F2414-84E8-453E-B1F3-389FDE8192D9}"/>
+              </a:ext>
+              <a:ext uri="{C183D7F6-B498-43B3-948B-1728B52AA6E4}">
+                <adec:decorative xmlns:adec="http://schemas.microsoft.com/office/drawing/2017/decorative" val="1"/>
+              </a:ext>
+            </a:extLst>
+          </p:cNvPr>
+          <p:cNvSpPr>
+            <a:spLocks noGrp="1" noRot="1" noChangeAspect="1" noMove="1" noResize="1" noEditPoints="1" noAdjustHandles="1" noChangeArrowheads="1" noChangeShapeType="1" noTextEdit="1"/>
+          </p:cNvSpPr>
+          <p:nvPr>
+            <p:extLst>
+              <p:ext uri="{386F3935-93C4-4BCD-93E2-E3B085C9AB24}">
+                <p16:designElem xmlns:p16="http://schemas.microsoft.com/office/powerpoint/2015/main" val="1"/>
+              </p:ext>
+            </p:extLst>
+          </p:nvPr>
+        </p:nvSpPr>
+        <p:spPr>
+          <a:xfrm flipH="1">
+            <a:off x="7976344" y="6115501"/>
+            <a:ext cx="1494513" cy="742499"/>
+          </a:xfrm>
+          <a:prstGeom prst="triangle">
+            <a:avLst/>
+          </a:prstGeom>
+          <a:solidFill>
+            <a:schemeClr val="accent1">
+              <a:alpha val="30000"/>
+            </a:schemeClr>
+          </a:solidFill>
+          <a:ln>
+            <a:noFill/>
+          </a:ln>
+        </p:spPr>
+        <p:style>
+          <a:lnRef idx="2">
+            <a:schemeClr val="accent1">
+              <a:shade val="50000"/>
+            </a:schemeClr>
+          </a:lnRef>
+          <a:fillRef idx="1">
+            <a:schemeClr val="accent1"/>
+          </a:fillRef>
+          <a:effectRef idx="0">
+            <a:schemeClr val="accent1"/>
+          </a:effectRef>
+          <a:fontRef idx="minor">
+            <a:schemeClr val="lt1"/>
+          </a:fontRef>
+        </p:style>
+        <p:txBody>
+          <a:bodyPr rtlCol="0" anchor="ctr"/>
+          <a:lstStyle/>
+          <a:p>
+            <a:pPr algn="ctr"/>
+            <a:endParaRPr lang="en-US"/>
+          </a:p>
+        </p:txBody>
+      </p:sp>
+      <p:sp>
+        <p:nvSpPr>
+          <p:cNvPr id="22" name="Isosceles Triangle 21">
+            <a:extLst>
+              <a:ext uri="{FF2B5EF4-FFF2-40B4-BE49-F238E27FC236}">
+                <a16:creationId xmlns:a16="http://schemas.microsoft.com/office/drawing/2014/main" id="{3ECA69A1-7536-43AC-85EF-C7106179F5ED}"/>
+              </a:ext>
+              <a:ext uri="{C183D7F6-B498-43B3-948B-1728B52AA6E4}">
+                <adec:decorative xmlns:adec="http://schemas.microsoft.com/office/drawing/2017/decorative" val="1"/>
+              </a:ext>
+            </a:extLst>
+          </p:cNvPr>
+          <p:cNvSpPr>
+            <a:spLocks noGrp="1" noRot="1" noChangeAspect="1" noMove="1" noResize="1" noEditPoints="1" noAdjustHandles="1" noChangeArrowheads="1" noChangeShapeType="1" noTextEdit="1"/>
+          </p:cNvSpPr>
+          <p:nvPr>
+            <p:extLst>
+              <p:ext uri="{386F3935-93C4-4BCD-93E2-E3B085C9AB24}">
+                <p16:designElem xmlns:p16="http://schemas.microsoft.com/office/powerpoint/2015/main" val="1"/>
+              </p:ext>
+            </p:extLst>
+          </p:nvPr>
+        </p:nvSpPr>
+        <p:spPr>
+          <a:xfrm flipH="1">
+            <a:off x="7604080" y="6453143"/>
+            <a:ext cx="814903" cy="404857"/>
+          </a:xfrm>
+          <a:prstGeom prst="triangle">
+            <a:avLst/>
+          </a:prstGeom>
+          <a:solidFill>
+            <a:schemeClr val="accent1">
+              <a:alpha val="30000"/>
+            </a:schemeClr>
+          </a:solidFill>
+          <a:ln>
+            <a:noFill/>
+          </a:ln>
+        </p:spPr>
+        <p:style>
+          <a:lnRef idx="2">
+            <a:schemeClr val="accent1">
+              <a:shade val="50000"/>
+            </a:schemeClr>
+          </a:lnRef>
+          <a:fillRef idx="1">
+            <a:schemeClr val="accent1"/>
+          </a:fillRef>
+          <a:effectRef idx="0">
+            <a:schemeClr val="accent1"/>
+          </a:effectRef>
+          <a:fontRef idx="minor">
+            <a:schemeClr val="lt1"/>
+          </a:fontRef>
+        </p:style>
+        <p:txBody>
+          <a:bodyPr rtlCol="0" anchor="ctr"/>
+          <a:lstStyle/>
+          <a:p>
+            <a:pPr algn="ctr"/>
+            <a:endParaRPr lang="en-US"/>
+          </a:p>
+        </p:txBody>
+      </p:sp>
+      <p:sp>
+        <p:nvSpPr>
+          <p:cNvPr id="17" name="Slide Number Placeholder 16">
+            <a:extLst>
+              <a:ext uri="{FF2B5EF4-FFF2-40B4-BE49-F238E27FC236}">
+                <a16:creationId xmlns:a16="http://schemas.microsoft.com/office/drawing/2014/main" id="{3340CAD5-E11B-476F-BC4B-3E2E19909B54}"/>
+              </a:ext>
+            </a:extLst>
+          </p:cNvPr>
+          <p:cNvSpPr>
+            <a:spLocks noGrp="1"/>
+          </p:cNvSpPr>
+          <p:nvPr>
+            <p:ph type="sldNum" sz="quarter" idx="12"/>
+          </p:nvPr>
+        </p:nvSpPr>
+        <p:spPr/>
+        <p:txBody>
+          <a:bodyPr/>
+          <a:lstStyle/>
+          <a:p>
+            <a:fld id="{3326F55E-B2F8-46C6-958B-87902B1FD1A5}" type="slidenum">
+              <a:rPr lang="en-IN" smtClean="0"/>
               <a:t>4</a:t>
             </a:fld>
             <a:endParaRPr lang="en-IN"/>
@@ -10139,6 +17009,55 @@
                 </a:solidFill>
               </a:rPr>
               <a:t>– Windows2000, Windows2003, 2008, 2012, 2016, 2019</a:t>
+            </a:r>
+          </a:p>
+        </p:txBody>
+      </p:sp>
+      <p:sp>
+        <p:nvSpPr>
+          <p:cNvPr id="4" name="TextBox 3">
+            <a:extLst>
+              <a:ext uri="{FF2B5EF4-FFF2-40B4-BE49-F238E27FC236}">
+                <a16:creationId xmlns:a16="http://schemas.microsoft.com/office/drawing/2014/main" id="{F386C17F-79AE-46F8-B953-31E9C1C8BBCB}"/>
+              </a:ext>
+            </a:extLst>
+          </p:cNvPr>
+          <p:cNvSpPr txBox="1"/>
+          <p:nvPr/>
+        </p:nvSpPr>
+        <p:spPr>
+          <a:xfrm>
+            <a:off x="1846555" y="4411972"/>
+            <a:ext cx="5907002" cy="646331"/>
+          </a:xfrm>
+          <a:prstGeom prst="rect">
+            <a:avLst/>
+          </a:prstGeom>
+          <a:noFill/>
+        </p:spPr>
+        <p:txBody>
+          <a:bodyPr wrap="none" rtlCol="0">
+            <a:spAutoFit/>
+          </a:bodyPr>
+          <a:lstStyle/>
+          <a:p>
+            <a:r>
+              <a:rPr lang="en-IN" b="1" i="1" dirty="0">
+                <a:solidFill>
+                  <a:schemeClr val="accent1"/>
+                </a:solidFill>
+              </a:rPr>
+              <a:t>To connect Windows Server we use Remote Desktop service</a:t>
+            </a:r>
+          </a:p>
+          <a:p>
+            <a:r>
+              <a:rPr lang="en-IN" b="1" i="1" dirty="0">
+                <a:solidFill>
+                  <a:schemeClr val="accent1"/>
+                </a:solidFill>
+              </a:rPr>
+              <a:t>Default port is 3389</a:t>
             </a:r>
           </a:p>
         </p:txBody>
@@ -15547,120 +22466,6 @@
           </a:p>
         </p:txBody>
       </p:sp>
-      <p:sp>
-        <p:nvSpPr>
-          <p:cNvPr id="2" name="Rectangle 1">
-            <a:extLst>
-              <a:ext uri="{FF2B5EF4-FFF2-40B4-BE49-F238E27FC236}">
-                <a16:creationId xmlns:a16="http://schemas.microsoft.com/office/drawing/2014/main" id="{B9EC39A4-4F9A-4D71-AE6D-7416B00F2204}"/>
-              </a:ext>
-            </a:extLst>
-          </p:cNvPr>
-          <p:cNvSpPr>
-            <a:spLocks noChangeArrowheads="1"/>
-          </p:cNvSpPr>
-          <p:nvPr/>
-        </p:nvSpPr>
-        <p:spPr bwMode="auto">
-          <a:xfrm>
-            <a:off x="0" y="0"/>
-            <a:ext cx="12192000" cy="457200"/>
-          </a:xfrm>
-          <a:prstGeom prst="rect">
-            <a:avLst/>
-          </a:prstGeom>
-          <a:solidFill>
-            <a:srgbClr val="F5F5F5"/>
-          </a:solidFill>
-          <a:ln>
-            <a:noFill/>
-          </a:ln>
-          <a:effectLst/>
-          <a:extLst>
-            <a:ext uri="{91240B29-F687-4F45-9708-019B960494DF}">
-              <a14:hiddenLine xmlns:a14="http://schemas.microsoft.com/office/drawing/2010/main" w="9525">
-                <a:solidFill>
-                  <a:schemeClr val="tx1"/>
-                </a:solidFill>
-                <a:miter lim="800000"/>
-                <a:headEnd/>
-                <a:tailEnd/>
-              </a14:hiddenLine>
-            </a:ext>
-            <a:ext uri="{AF507438-7753-43E0-B8FC-AC1667EBCBE1}">
-              <a14:hiddenEffects xmlns:a14="http://schemas.microsoft.com/office/drawing/2010/main">
-                <a:effectLst>
-                  <a:outerShdw dist="35921" dir="2700000" algn="ctr" rotWithShape="0">
-                    <a:schemeClr val="bg2"/>
-                  </a:outerShdw>
-                </a:effectLst>
-              </a14:hiddenEffects>
-            </a:ext>
-          </a:extLst>
-        </p:spPr>
-        <p:txBody>
-          <a:bodyPr vert="horz" wrap="none" lIns="0" tIns="0" rIns="0" bIns="76176" numCol="1" anchor="ctr" anchorCtr="0" compatLnSpc="1">
-            <a:prstTxWarp prst="textNoShape">
-              <a:avLst/>
-            </a:prstTxWarp>
-            <a:spAutoFit/>
-          </a:bodyPr>
-          <a:lstStyle/>
-          <a:p>
-            <a:pPr marL="0" marR="0" lvl="0" indent="0" algn="l" defTabSz="914400" rtl="0" eaLnBrk="0" fontAlgn="base" latinLnBrk="0" hangingPunct="0">
-              <a:lnSpc>
-                <a:spcPct val="100000"/>
-              </a:lnSpc>
-              <a:spcBef>
-                <a:spcPct val="0"/>
-              </a:spcBef>
-              <a:spcAft>
-                <a:spcPct val="0"/>
-              </a:spcAft>
-              <a:buClrTx/>
-              <a:buSzTx/>
-              <a:buFontTx/>
-              <a:buNone/>
-              <a:tabLst/>
-            </a:pPr>
-            <a:r>
-              <a:rPr kumimoji="0" lang="en-US" altLang="en-US" sz="900" b="0" i="0" u="none" strike="noStrike" cap="none" normalizeH="0" baseline="0">
-                <a:ln>
-                  <a:noFill/>
-                </a:ln>
-                <a:solidFill>
-                  <a:srgbClr val="3E3E3E"/>
-                </a:solidFill>
-                <a:effectLst/>
-                <a:latin typeface="Menlo"/>
-              </a:rPr>
-              <a:t>Get-LocalUser</a:t>
-            </a:r>
-            <a:r>
-              <a:rPr kumimoji="0" lang="en-US" altLang="en-US" sz="800" b="0" i="0" u="none" strike="noStrike" cap="none" normalizeH="0" baseline="0">
-                <a:ln>
-                  <a:noFill/>
-                </a:ln>
-                <a:solidFill>
-                  <a:schemeClr val="tx1"/>
-                </a:solidFill>
-                <a:effectLst/>
-              </a:rPr>
-              <a:t> </a:t>
-            </a:r>
-            <a:endParaRPr kumimoji="0" lang="en-US" altLang="en-US" sz="1800" b="0" i="0" u="none" strike="noStrike" cap="none" normalizeH="0" baseline="0">
-              <a:ln>
-                <a:noFill/>
-              </a:ln>
-              <a:solidFill>
-                <a:schemeClr val="tx1"/>
-              </a:solidFill>
-              <a:effectLst/>
-              <a:latin typeface="Arial" panose="020B0604020202020204" pitchFamily="34" charset="0"/>
-            </a:endParaRPr>
-          </a:p>
-        </p:txBody>
-      </p:sp>
     </p:spTree>
     <p:extLst>
       <p:ext uri="{BB962C8B-B14F-4D97-AF65-F5344CB8AC3E}">
@@ -16732,120 +23537,6 @@
       </p:sp>
       <p:sp>
         <p:nvSpPr>
-          <p:cNvPr id="2" name="Rectangle 1">
-            <a:extLst>
-              <a:ext uri="{FF2B5EF4-FFF2-40B4-BE49-F238E27FC236}">
-                <a16:creationId xmlns:a16="http://schemas.microsoft.com/office/drawing/2014/main" id="{B9EC39A4-4F9A-4D71-AE6D-7416B00F2204}"/>
-              </a:ext>
-            </a:extLst>
-          </p:cNvPr>
-          <p:cNvSpPr>
-            <a:spLocks noChangeArrowheads="1"/>
-          </p:cNvSpPr>
-          <p:nvPr/>
-        </p:nvSpPr>
-        <p:spPr bwMode="auto">
-          <a:xfrm>
-            <a:off x="0" y="0"/>
-            <a:ext cx="12192000" cy="457200"/>
-          </a:xfrm>
-          <a:prstGeom prst="rect">
-            <a:avLst/>
-          </a:prstGeom>
-          <a:solidFill>
-            <a:srgbClr val="F5F5F5"/>
-          </a:solidFill>
-          <a:ln>
-            <a:noFill/>
-          </a:ln>
-          <a:effectLst/>
-          <a:extLst>
-            <a:ext uri="{91240B29-F687-4F45-9708-019B960494DF}">
-              <a14:hiddenLine xmlns:a14="http://schemas.microsoft.com/office/drawing/2010/main" w="9525">
-                <a:solidFill>
-                  <a:schemeClr val="tx1"/>
-                </a:solidFill>
-                <a:miter lim="800000"/>
-                <a:headEnd/>
-                <a:tailEnd/>
-              </a14:hiddenLine>
-            </a:ext>
-            <a:ext uri="{AF507438-7753-43E0-B8FC-AC1667EBCBE1}">
-              <a14:hiddenEffects xmlns:a14="http://schemas.microsoft.com/office/drawing/2010/main">
-                <a:effectLst>
-                  <a:outerShdw dist="35921" dir="2700000" algn="ctr" rotWithShape="0">
-                    <a:schemeClr val="bg2"/>
-                  </a:outerShdw>
-                </a:effectLst>
-              </a14:hiddenEffects>
-            </a:ext>
-          </a:extLst>
-        </p:spPr>
-        <p:txBody>
-          <a:bodyPr vert="horz" wrap="none" lIns="0" tIns="0" rIns="0" bIns="76176" numCol="1" anchor="ctr" anchorCtr="0" compatLnSpc="1">
-            <a:prstTxWarp prst="textNoShape">
-              <a:avLst/>
-            </a:prstTxWarp>
-            <a:spAutoFit/>
-          </a:bodyPr>
-          <a:lstStyle/>
-          <a:p>
-            <a:pPr marL="0" marR="0" lvl="0" indent="0" algn="l" defTabSz="914400" rtl="0" eaLnBrk="0" fontAlgn="base" latinLnBrk="0" hangingPunct="0">
-              <a:lnSpc>
-                <a:spcPct val="100000"/>
-              </a:lnSpc>
-              <a:spcBef>
-                <a:spcPct val="0"/>
-              </a:spcBef>
-              <a:spcAft>
-                <a:spcPct val="0"/>
-              </a:spcAft>
-              <a:buClrTx/>
-              <a:buSzTx/>
-              <a:buFontTx/>
-              <a:buNone/>
-              <a:tabLst/>
-            </a:pPr>
-            <a:r>
-              <a:rPr kumimoji="0" lang="en-US" altLang="en-US" sz="900" b="0" i="0" u="none" strike="noStrike" cap="none" normalizeH="0" baseline="0">
-                <a:ln>
-                  <a:noFill/>
-                </a:ln>
-                <a:solidFill>
-                  <a:srgbClr val="3E3E3E"/>
-                </a:solidFill>
-                <a:effectLst/>
-                <a:latin typeface="Menlo"/>
-              </a:rPr>
-              <a:t>Get-LocalUser</a:t>
-            </a:r>
-            <a:r>
-              <a:rPr kumimoji="0" lang="en-US" altLang="en-US" sz="800" b="0" i="0" u="none" strike="noStrike" cap="none" normalizeH="0" baseline="0">
-                <a:ln>
-                  <a:noFill/>
-                </a:ln>
-                <a:solidFill>
-                  <a:schemeClr val="tx1"/>
-                </a:solidFill>
-                <a:effectLst/>
-              </a:rPr>
-              <a:t> </a:t>
-            </a:r>
-            <a:endParaRPr kumimoji="0" lang="en-US" altLang="en-US" sz="1800" b="0" i="0" u="none" strike="noStrike" cap="none" normalizeH="0" baseline="0">
-              <a:ln>
-                <a:noFill/>
-              </a:ln>
-              <a:solidFill>
-                <a:schemeClr val="tx1"/>
-              </a:solidFill>
-              <a:effectLst/>
-              <a:latin typeface="Arial" panose="020B0604020202020204" pitchFamily="34" charset="0"/>
-            </a:endParaRPr>
-          </a:p>
-        </p:txBody>
-      </p:sp>
-      <p:sp>
-        <p:nvSpPr>
           <p:cNvPr id="9" name="TextBox 8">
             <a:extLst>
               <a:ext uri="{FF2B5EF4-FFF2-40B4-BE49-F238E27FC236}">
@@ -18051,120 +24742,6 @@
       </p:sp>
       <p:sp>
         <p:nvSpPr>
-          <p:cNvPr id="2" name="Rectangle 1">
-            <a:extLst>
-              <a:ext uri="{FF2B5EF4-FFF2-40B4-BE49-F238E27FC236}">
-                <a16:creationId xmlns:a16="http://schemas.microsoft.com/office/drawing/2014/main" id="{B9EC39A4-4F9A-4D71-AE6D-7416B00F2204}"/>
-              </a:ext>
-            </a:extLst>
-          </p:cNvPr>
-          <p:cNvSpPr>
-            <a:spLocks noChangeArrowheads="1"/>
-          </p:cNvSpPr>
-          <p:nvPr/>
-        </p:nvSpPr>
-        <p:spPr bwMode="auto">
-          <a:xfrm>
-            <a:off x="0" y="0"/>
-            <a:ext cx="12192000" cy="457200"/>
-          </a:xfrm>
-          <a:prstGeom prst="rect">
-            <a:avLst/>
-          </a:prstGeom>
-          <a:solidFill>
-            <a:srgbClr val="F5F5F5"/>
-          </a:solidFill>
-          <a:ln>
-            <a:noFill/>
-          </a:ln>
-          <a:effectLst/>
-          <a:extLst>
-            <a:ext uri="{91240B29-F687-4F45-9708-019B960494DF}">
-              <a14:hiddenLine xmlns:a14="http://schemas.microsoft.com/office/drawing/2010/main" w="9525">
-                <a:solidFill>
-                  <a:schemeClr val="tx1"/>
-                </a:solidFill>
-                <a:miter lim="800000"/>
-                <a:headEnd/>
-                <a:tailEnd/>
-              </a14:hiddenLine>
-            </a:ext>
-            <a:ext uri="{AF507438-7753-43E0-B8FC-AC1667EBCBE1}">
-              <a14:hiddenEffects xmlns:a14="http://schemas.microsoft.com/office/drawing/2010/main">
-                <a:effectLst>
-                  <a:outerShdw dist="35921" dir="2700000" algn="ctr" rotWithShape="0">
-                    <a:schemeClr val="bg2"/>
-                  </a:outerShdw>
-                </a:effectLst>
-              </a14:hiddenEffects>
-            </a:ext>
-          </a:extLst>
-        </p:spPr>
-        <p:txBody>
-          <a:bodyPr vert="horz" wrap="none" lIns="0" tIns="0" rIns="0" bIns="76176" numCol="1" anchor="ctr" anchorCtr="0" compatLnSpc="1">
-            <a:prstTxWarp prst="textNoShape">
-              <a:avLst/>
-            </a:prstTxWarp>
-            <a:spAutoFit/>
-          </a:bodyPr>
-          <a:lstStyle/>
-          <a:p>
-            <a:pPr marL="0" marR="0" lvl="0" indent="0" algn="l" defTabSz="914400" rtl="0" eaLnBrk="0" fontAlgn="base" latinLnBrk="0" hangingPunct="0">
-              <a:lnSpc>
-                <a:spcPct val="100000"/>
-              </a:lnSpc>
-              <a:spcBef>
-                <a:spcPct val="0"/>
-              </a:spcBef>
-              <a:spcAft>
-                <a:spcPct val="0"/>
-              </a:spcAft>
-              <a:buClrTx/>
-              <a:buSzTx/>
-              <a:buFontTx/>
-              <a:buNone/>
-              <a:tabLst/>
-            </a:pPr>
-            <a:r>
-              <a:rPr kumimoji="0" lang="en-US" altLang="en-US" sz="900" b="0" i="0" u="none" strike="noStrike" cap="none" normalizeH="0" baseline="0">
-                <a:ln>
-                  <a:noFill/>
-                </a:ln>
-                <a:solidFill>
-                  <a:srgbClr val="3E3E3E"/>
-                </a:solidFill>
-                <a:effectLst/>
-                <a:latin typeface="Menlo"/>
-              </a:rPr>
-              <a:t>Get-LocalUser</a:t>
-            </a:r>
-            <a:r>
-              <a:rPr kumimoji="0" lang="en-US" altLang="en-US" sz="800" b="0" i="0" u="none" strike="noStrike" cap="none" normalizeH="0" baseline="0">
-                <a:ln>
-                  <a:noFill/>
-                </a:ln>
-                <a:solidFill>
-                  <a:schemeClr val="tx1"/>
-                </a:solidFill>
-                <a:effectLst/>
-              </a:rPr>
-              <a:t> </a:t>
-            </a:r>
-            <a:endParaRPr kumimoji="0" lang="en-US" altLang="en-US" sz="1800" b="0" i="0" u="none" strike="noStrike" cap="none" normalizeH="0" baseline="0">
-              <a:ln>
-                <a:noFill/>
-              </a:ln>
-              <a:solidFill>
-                <a:schemeClr val="tx1"/>
-              </a:solidFill>
-              <a:effectLst/>
-              <a:latin typeface="Arial" panose="020B0604020202020204" pitchFamily="34" charset="0"/>
-            </a:endParaRPr>
-          </a:p>
-        </p:txBody>
-      </p:sp>
-      <p:sp>
-        <p:nvSpPr>
           <p:cNvPr id="9" name="TextBox 8">
             <a:extLst>
               <a:ext uri="{FF2B5EF4-FFF2-40B4-BE49-F238E27FC236}">
@@ -18177,7 +24754,7 @@
         </p:nvSpPr>
         <p:spPr>
           <a:xfrm>
-            <a:off x="641432" y="2098173"/>
+            <a:off x="808691" y="1832023"/>
             <a:ext cx="11383309" cy="2031325"/>
           </a:xfrm>
           <a:prstGeom prst="rect">
